--- a/presentations/problem_presentation.pptx
+++ b/presentations/problem_presentation.pptx
@@ -1,29 +1,29 @@
 
 <file path=ppt/presentation.xml><?xml version="1.0" encoding="utf-8"?>
-<p:presentation xmlns:a="http://schemas.openxmlformats.org/drawingml/2006/main" xmlns:r="http://schemas.openxmlformats.org/officeDocument/2006/relationships" xmlns:mc="http://schemas.openxmlformats.org/markup-compatibility/2006" xmlns:mv="urn:schemas-microsoft-com:mac:vml" xmlns:p="http://schemas.openxmlformats.org/presentationml/2006/main" xmlns:c="http://schemas.openxmlformats.org/drawingml/2006/chart" xmlns:dgm="http://schemas.openxmlformats.org/drawingml/2006/diagram" xmlns:o="urn:schemas-microsoft-com:office:office" xmlns:v="urn:schemas-microsoft-com:vml" xmlns:pvml="urn:schemas-microsoft-com:office:powerpoint" xmlns:com="http://schemas.openxmlformats.org/drawingml/2006/compatibility" xmlns:p14="http://schemas.microsoft.com/office/powerpoint/2010/main" xmlns:p15="http://schemas.microsoft.com/office/powerpoint/2012/main" xmlns:ahyp="http://schemas.microsoft.com/office/drawing/2018/hyperlinkcolor" autoCompressPictures="0" strictFirstAndLastChars="0" saveSubsetFonts="1">
+<p:presentation xmlns:a="http://schemas.openxmlformats.org/drawingml/2006/main" xmlns:r="http://schemas.openxmlformats.org/officeDocument/2006/relationships" xmlns:p="http://schemas.openxmlformats.org/presentationml/2006/main" strictFirstAndLastChars="0" saveSubsetFonts="1" autoCompressPictures="0">
   <p:sldMasterIdLst>
-    <p:sldMasterId id="2147483659" r:id="rId4"/>
+    <p:sldMasterId id="2147483659" r:id="rId1"/>
   </p:sldMasterIdLst>
   <p:notesMasterIdLst>
-    <p:notesMasterId r:id="rId5"/>
+    <p:notesMasterId r:id="rId13"/>
   </p:notesMasterIdLst>
   <p:sldIdLst>
-    <p:sldId id="256" r:id="rId6"/>
-    <p:sldId id="257" r:id="rId7"/>
-    <p:sldId id="258" r:id="rId8"/>
-    <p:sldId id="259" r:id="rId9"/>
-    <p:sldId id="260" r:id="rId10"/>
-    <p:sldId id="261" r:id="rId11"/>
-    <p:sldId id="262" r:id="rId12"/>
-    <p:sldId id="263" r:id="rId13"/>
-    <p:sldId id="264" r:id="rId14"/>
-    <p:sldId id="265" r:id="rId15"/>
-    <p:sldId id="266" r:id="rId16"/>
+    <p:sldId id="256" r:id="rId2"/>
+    <p:sldId id="257" r:id="rId3"/>
+    <p:sldId id="258" r:id="rId4"/>
+    <p:sldId id="259" r:id="rId5"/>
+    <p:sldId id="260" r:id="rId6"/>
+    <p:sldId id="261" r:id="rId7"/>
+    <p:sldId id="262" r:id="rId8"/>
+    <p:sldId id="263" r:id="rId9"/>
+    <p:sldId id="264" r:id="rId10"/>
+    <p:sldId id="265" r:id="rId11"/>
+    <p:sldId id="266" r:id="rId12"/>
   </p:sldIdLst>
-  <p:sldSz cy="5143500" cx="9144000"/>
+  <p:sldSz cx="9144000" cy="5143500" type="screen16x9"/>
   <p:notesSz cx="6858000" cy="9144000"/>
   <p:defaultTextStyle>
-    <a:defPPr lvl="0" marR="0" rtl="0" algn="l">
+    <a:defPPr marR="0" lvl="0" algn="l" rtl="0">
       <a:lnSpc>
         <a:spcPct val="100000"/>
       </a:lnSpc>
@@ -34,7 +34,7 @@
         <a:spcPts val="0"/>
       </a:spcAft>
     </a:defPPr>
-    <a:lvl1pPr lvl="0" marR="0" rtl="0" algn="l">
+    <a:lvl1pPr marR="0" lvl="0" algn="l" rtl="0">
       <a:lnSpc>
         <a:spcPct val="100000"/>
       </a:lnSpc>
@@ -48,7 +48,7 @@
         <a:srgbClr val="000000"/>
       </a:buClr>
       <a:buFont typeface="Arial"/>
-      <a:defRPr b="0" i="0" sz="1400" u="none" cap="none" strike="noStrike">
+      <a:defRPr sz="1400" b="0" i="0" u="none" strike="noStrike" cap="none">
         <a:solidFill>
           <a:srgbClr val="000000"/>
         </a:solidFill>
@@ -58,7 +58,7 @@
         <a:sym typeface="Arial"/>
       </a:defRPr>
     </a:lvl1pPr>
-    <a:lvl2pPr lvl="1" marR="0" rtl="0" algn="l">
+    <a:lvl2pPr marR="0" lvl="1" algn="l" rtl="0">
       <a:lnSpc>
         <a:spcPct val="100000"/>
       </a:lnSpc>
@@ -72,7 +72,7 @@
         <a:srgbClr val="000000"/>
       </a:buClr>
       <a:buFont typeface="Arial"/>
-      <a:defRPr b="0" i="0" sz="1400" u="none" cap="none" strike="noStrike">
+      <a:defRPr sz="1400" b="0" i="0" u="none" strike="noStrike" cap="none">
         <a:solidFill>
           <a:srgbClr val="000000"/>
         </a:solidFill>
@@ -82,7 +82,7 @@
         <a:sym typeface="Arial"/>
       </a:defRPr>
     </a:lvl2pPr>
-    <a:lvl3pPr lvl="2" marR="0" rtl="0" algn="l">
+    <a:lvl3pPr marR="0" lvl="2" algn="l" rtl="0">
       <a:lnSpc>
         <a:spcPct val="100000"/>
       </a:lnSpc>
@@ -96,7 +96,7 @@
         <a:srgbClr val="000000"/>
       </a:buClr>
       <a:buFont typeface="Arial"/>
-      <a:defRPr b="0" i="0" sz="1400" u="none" cap="none" strike="noStrike">
+      <a:defRPr sz="1400" b="0" i="0" u="none" strike="noStrike" cap="none">
         <a:solidFill>
           <a:srgbClr val="000000"/>
         </a:solidFill>
@@ -106,7 +106,7 @@
         <a:sym typeface="Arial"/>
       </a:defRPr>
     </a:lvl3pPr>
-    <a:lvl4pPr lvl="3" marR="0" rtl="0" algn="l">
+    <a:lvl4pPr marR="0" lvl="3" algn="l" rtl="0">
       <a:lnSpc>
         <a:spcPct val="100000"/>
       </a:lnSpc>
@@ -120,7 +120,7 @@
         <a:srgbClr val="000000"/>
       </a:buClr>
       <a:buFont typeface="Arial"/>
-      <a:defRPr b="0" i="0" sz="1400" u="none" cap="none" strike="noStrike">
+      <a:defRPr sz="1400" b="0" i="0" u="none" strike="noStrike" cap="none">
         <a:solidFill>
           <a:srgbClr val="000000"/>
         </a:solidFill>
@@ -130,7 +130,7 @@
         <a:sym typeface="Arial"/>
       </a:defRPr>
     </a:lvl4pPr>
-    <a:lvl5pPr lvl="4" marR="0" rtl="0" algn="l">
+    <a:lvl5pPr marR="0" lvl="4" algn="l" rtl="0">
       <a:lnSpc>
         <a:spcPct val="100000"/>
       </a:lnSpc>
@@ -144,7 +144,7 @@
         <a:srgbClr val="000000"/>
       </a:buClr>
       <a:buFont typeface="Arial"/>
-      <a:defRPr b="0" i="0" sz="1400" u="none" cap="none" strike="noStrike">
+      <a:defRPr sz="1400" b="0" i="0" u="none" strike="noStrike" cap="none">
         <a:solidFill>
           <a:srgbClr val="000000"/>
         </a:solidFill>
@@ -154,7 +154,7 @@
         <a:sym typeface="Arial"/>
       </a:defRPr>
     </a:lvl5pPr>
-    <a:lvl6pPr lvl="5" marR="0" rtl="0" algn="l">
+    <a:lvl6pPr marR="0" lvl="5" algn="l" rtl="0">
       <a:lnSpc>
         <a:spcPct val="100000"/>
       </a:lnSpc>
@@ -168,7 +168,7 @@
         <a:srgbClr val="000000"/>
       </a:buClr>
       <a:buFont typeface="Arial"/>
-      <a:defRPr b="0" i="0" sz="1400" u="none" cap="none" strike="noStrike">
+      <a:defRPr sz="1400" b="0" i="0" u="none" strike="noStrike" cap="none">
         <a:solidFill>
           <a:srgbClr val="000000"/>
         </a:solidFill>
@@ -178,7 +178,7 @@
         <a:sym typeface="Arial"/>
       </a:defRPr>
     </a:lvl6pPr>
-    <a:lvl7pPr lvl="6" marR="0" rtl="0" algn="l">
+    <a:lvl7pPr marR="0" lvl="6" algn="l" rtl="0">
       <a:lnSpc>
         <a:spcPct val="100000"/>
       </a:lnSpc>
@@ -192,7 +192,7 @@
         <a:srgbClr val="000000"/>
       </a:buClr>
       <a:buFont typeface="Arial"/>
-      <a:defRPr b="0" i="0" sz="1400" u="none" cap="none" strike="noStrike">
+      <a:defRPr sz="1400" b="0" i="0" u="none" strike="noStrike" cap="none">
         <a:solidFill>
           <a:srgbClr val="000000"/>
         </a:solidFill>
@@ -202,7 +202,7 @@
         <a:sym typeface="Arial"/>
       </a:defRPr>
     </a:lvl7pPr>
-    <a:lvl8pPr lvl="7" marR="0" rtl="0" algn="l">
+    <a:lvl8pPr marR="0" lvl="7" algn="l" rtl="0">
       <a:lnSpc>
         <a:spcPct val="100000"/>
       </a:lnSpc>
@@ -216,7 +216,7 @@
         <a:srgbClr val="000000"/>
       </a:buClr>
       <a:buFont typeface="Arial"/>
-      <a:defRPr b="0" i="0" sz="1400" u="none" cap="none" strike="noStrike">
+      <a:defRPr sz="1400" b="0" i="0" u="none" strike="noStrike" cap="none">
         <a:solidFill>
           <a:srgbClr val="000000"/>
         </a:solidFill>
@@ -226,7 +226,7 @@
         <a:sym typeface="Arial"/>
       </a:defRPr>
     </a:lvl8pPr>
-    <a:lvl9pPr lvl="8" marR="0" rtl="0" algn="l">
+    <a:lvl9pPr marR="0" lvl="8" algn="l" rtl="0">
       <a:lnSpc>
         <a:spcPct val="100000"/>
       </a:lnSpc>
@@ -240,7 +240,7 @@
         <a:srgbClr val="000000"/>
       </a:buClr>
       <a:buFont typeface="Arial"/>
-      <a:defRPr b="0" i="0" sz="1400" u="none" cap="none" strike="noStrike">
+      <a:defRPr sz="1400" b="0" i="0" u="none" strike="noStrike" cap="none">
         <a:solidFill>
           <a:srgbClr val="000000"/>
         </a:solidFill>
@@ -253,7 +253,7 @@
   </p:defaultTextStyle>
   <p:extLst>
     <p:ext uri="{EFAFB233-063F-42B5-8137-9DF3F51BA10A}">
-      <p15:sldGuideLst>
+      <p15:sldGuideLst xmlns:p15="http://schemas.microsoft.com/office/powerpoint/2012/main">
         <p15:guide id="1" orient="horz" pos="1620">
           <p15:clr>
             <a:srgbClr val="747775"/>
@@ -271,11 +271,16 @@
 </file>
 
 <file path=ppt/notesMasters/notesMaster1.xml><?xml version="1.0" encoding="utf-8"?>
-<p:notesMaster xmlns:a="http://schemas.openxmlformats.org/drawingml/2006/main" xmlns:r="http://schemas.openxmlformats.org/officeDocument/2006/relationships" xmlns:mc="http://schemas.openxmlformats.org/markup-compatibility/2006" xmlns:mv="urn:schemas-microsoft-com:mac:vml" xmlns:p="http://schemas.openxmlformats.org/presentationml/2006/main" xmlns:c="http://schemas.openxmlformats.org/drawingml/2006/chart" xmlns:dgm="http://schemas.openxmlformats.org/drawingml/2006/diagram" xmlns:o="urn:schemas-microsoft-com:office:office" xmlns:v="urn:schemas-microsoft-com:vml" xmlns:pvml="urn:schemas-microsoft-com:office:powerpoint" xmlns:com="http://schemas.openxmlformats.org/drawingml/2006/compatibility" xmlns:p14="http://schemas.microsoft.com/office/powerpoint/2010/main" xmlns:p15="http://schemas.microsoft.com/office/powerpoint/2012/main" xmlns:ahyp="http://schemas.microsoft.com/office/drawing/2018/hyperlinkcolor">
+<p:notesMaster xmlns:a="http://schemas.openxmlformats.org/drawingml/2006/main" xmlns:r="http://schemas.openxmlformats.org/officeDocument/2006/relationships" xmlns:p="http://schemas.openxmlformats.org/presentationml/2006/main">
   <p:cSld>
+    <p:bg>
+      <p:bgRef idx="1001">
+        <a:schemeClr val="bg1"/>
+      </p:bgRef>
+    </p:bg>
     <p:spTree>
       <p:nvGrpSpPr>
-        <p:cNvPr id="2" name="Shape 2"/>
+        <p:cNvPr id="1" name="Shape 2"/>
         <p:cNvGrpSpPr/>
         <p:nvPr/>
       </p:nvGrpSpPr>
@@ -290,9 +295,11 @@
       <p:sp>
         <p:nvSpPr>
           <p:cNvPr id="3" name="Google Shape;3;n"/>
-          <p:cNvSpPr/>
+          <p:cNvSpPr>
+            <a:spLocks noGrp="1" noRot="1" noChangeAspect="1"/>
+          </p:cNvSpPr>
           <p:nvPr>
-            <p:ph idx="2" type="sldImg"/>
+            <p:ph type="sldImg" idx="2"/>
           </p:nvPr>
         </p:nvSpPr>
         <p:spPr>
@@ -301,9 +308,13 @@
             <a:ext cx="6096075" cy="3429000"/>
           </a:xfrm>
           <a:custGeom>
-            <a:rect b="b" l="l" r="r" t="t"/>
+            <a:avLst/>
+            <a:gdLst/>
+            <a:ahLst/>
+            <a:cxnLst/>
+            <a:rect l="l" t="t" r="r" b="b"/>
             <a:pathLst>
-              <a:path extrusionOk="0" h="120000" w="120000">
+              <a:path w="120000" h="120000" extrusionOk="0">
                 <a:moveTo>
                   <a:pt x="0" y="0"/>
                 </a:moveTo>
@@ -321,23 +332,25 @@
             </a:pathLst>
           </a:custGeom>
           <a:noFill/>
-          <a:ln cap="flat" cmpd="sng" w="9525">
+          <a:ln w="9525" cap="flat" cmpd="sng">
             <a:solidFill>
               <a:srgbClr val="000000"/>
             </a:solidFill>
             <a:prstDash val="solid"/>
             <a:round/>
-            <a:headEnd len="sm" w="sm" type="none"/>
-            <a:tailEnd len="sm" w="sm" type="none"/>
+            <a:headEnd type="none" w="sm" len="sm"/>
+            <a:tailEnd type="none" w="sm" len="sm"/>
           </a:ln>
         </p:spPr>
       </p:sp>
       <p:sp>
         <p:nvSpPr>
           <p:cNvPr id="4" name="Google Shape;4;n"/>
-          <p:cNvSpPr txBox="1"/>
+          <p:cNvSpPr txBox="1">
+            <a:spLocks noGrp="1"/>
+          </p:cNvSpPr>
           <p:nvPr>
-            <p:ph idx="1" type="body"/>
+            <p:ph type="body" idx="1"/>
           </p:nvPr>
         </p:nvSpPr>
         <p:spPr>
@@ -354,11 +367,11 @@
           </a:ln>
         </p:spPr>
         <p:txBody>
-          <a:bodyPr anchorCtr="0" anchor="t" bIns="91425" lIns="91425" spcFirstLastPara="1" rIns="91425" wrap="square" tIns="91425">
+          <a:bodyPr spcFirstLastPara="1" wrap="square" lIns="91425" tIns="91425" rIns="91425" bIns="91425" anchor="t" anchorCtr="0">
             <a:noAutofit/>
           </a:bodyPr>
           <a:lstStyle>
-            <a:lvl1pPr indent="-298450" lvl="0" marL="457200">
+            <a:lvl1pPr marL="457200" lvl="0" indent="-298450">
               <a:spcBef>
                 <a:spcPts val="0"/>
               </a:spcBef>
@@ -369,7 +382,7 @@
               <a:buChar char="●"/>
               <a:defRPr sz="1100"/>
             </a:lvl1pPr>
-            <a:lvl2pPr indent="-298450" lvl="1" marL="914400">
+            <a:lvl2pPr marL="914400" lvl="1" indent="-298450">
               <a:spcBef>
                 <a:spcPts val="0"/>
               </a:spcBef>
@@ -380,7 +393,7 @@
               <a:buChar char="○"/>
               <a:defRPr sz="1100"/>
             </a:lvl2pPr>
-            <a:lvl3pPr indent="-298450" lvl="2" marL="1371600">
+            <a:lvl3pPr marL="1371600" lvl="2" indent="-298450">
               <a:spcBef>
                 <a:spcPts val="0"/>
               </a:spcBef>
@@ -391,7 +404,7 @@
               <a:buChar char="■"/>
               <a:defRPr sz="1100"/>
             </a:lvl3pPr>
-            <a:lvl4pPr indent="-298450" lvl="3" marL="1828800">
+            <a:lvl4pPr marL="1828800" lvl="3" indent="-298450">
               <a:spcBef>
                 <a:spcPts val="0"/>
               </a:spcBef>
@@ -402,7 +415,7 @@
               <a:buChar char="●"/>
               <a:defRPr sz="1100"/>
             </a:lvl4pPr>
-            <a:lvl5pPr indent="-298450" lvl="4" marL="2286000">
+            <a:lvl5pPr marL="2286000" lvl="4" indent="-298450">
               <a:spcBef>
                 <a:spcPts val="0"/>
               </a:spcBef>
@@ -413,7 +426,7 @@
               <a:buChar char="○"/>
               <a:defRPr sz="1100"/>
             </a:lvl5pPr>
-            <a:lvl6pPr indent="-298450" lvl="5" marL="2743200">
+            <a:lvl6pPr marL="2743200" lvl="5" indent="-298450">
               <a:spcBef>
                 <a:spcPts val="0"/>
               </a:spcBef>
@@ -424,7 +437,7 @@
               <a:buChar char="■"/>
               <a:defRPr sz="1100"/>
             </a:lvl6pPr>
-            <a:lvl7pPr indent="-298450" lvl="6" marL="3200400">
+            <a:lvl7pPr marL="3200400" lvl="6" indent="-298450">
               <a:spcBef>
                 <a:spcPts val="0"/>
               </a:spcBef>
@@ -435,7 +448,7 @@
               <a:buChar char="●"/>
               <a:defRPr sz="1100"/>
             </a:lvl7pPr>
-            <a:lvl8pPr indent="-298450" lvl="7" marL="3657600">
+            <a:lvl8pPr marL="3657600" lvl="7" indent="-298450">
               <a:spcBef>
                 <a:spcPts val="0"/>
               </a:spcBef>
@@ -446,7 +459,7 @@
               <a:buChar char="○"/>
               <a:defRPr sz="1100"/>
             </a:lvl8pPr>
-            <a:lvl9pPr indent="-298450" lvl="8" marL="4114800">
+            <a:lvl9pPr marL="4114800" lvl="8" indent="-298450">
               <a:spcBef>
                 <a:spcPts val="0"/>
               </a:spcBef>
@@ -458,14 +471,16 @@
               <a:defRPr sz="1100"/>
             </a:lvl9pPr>
           </a:lstStyle>
-          <a:p/>
+          <a:p>
+            <a:endParaRPr/>
+          </a:p>
         </p:txBody>
       </p:sp>
     </p:spTree>
   </p:cSld>
-  <p:clrMap accent1="accent1" accent2="accent2" accent3="accent3" accent4="accent4" accent5="accent5" accent6="accent6" bg1="lt1" bg2="dk2" tx1="dk1" tx2="lt2" folHlink="folHlink" hlink="hlink"/>
+  <p:clrMap bg1="lt1" tx1="dk1" bg2="dk2" tx2="lt2" accent1="accent1" accent2="accent2" accent3="accent3" accent4="accent4" accent5="accent5" accent6="accent6" hlink="hlink" folHlink="folHlink"/>
   <p:notesStyle>
-    <a:defPPr lvl="0" marR="0" rtl="0" algn="l">
+    <a:defPPr marR="0" lvl="0" algn="l" rtl="0">
       <a:lnSpc>
         <a:spcPct val="100000"/>
       </a:lnSpc>
@@ -476,7 +491,7 @@
         <a:spcPts val="0"/>
       </a:spcAft>
     </a:defPPr>
-    <a:lvl1pPr lvl="0" marR="0" rtl="0" algn="l">
+    <a:lvl1pPr marR="0" lvl="0" algn="l" rtl="0">
       <a:lnSpc>
         <a:spcPct val="100000"/>
       </a:lnSpc>
@@ -490,7 +505,7 @@
         <a:srgbClr val="000000"/>
       </a:buClr>
       <a:buFont typeface="Arial"/>
-      <a:defRPr b="0" i="0" sz="1400" u="none" cap="none" strike="noStrike">
+      <a:defRPr sz="1400" b="0" i="0" u="none" strike="noStrike" cap="none">
         <a:solidFill>
           <a:srgbClr val="000000"/>
         </a:solidFill>
@@ -500,7 +515,7 @@
         <a:sym typeface="Arial"/>
       </a:defRPr>
     </a:lvl1pPr>
-    <a:lvl2pPr lvl="1" marR="0" rtl="0" algn="l">
+    <a:lvl2pPr marR="0" lvl="1" algn="l" rtl="0">
       <a:lnSpc>
         <a:spcPct val="100000"/>
       </a:lnSpc>
@@ -514,7 +529,7 @@
         <a:srgbClr val="000000"/>
       </a:buClr>
       <a:buFont typeface="Arial"/>
-      <a:defRPr b="0" i="0" sz="1400" u="none" cap="none" strike="noStrike">
+      <a:defRPr sz="1400" b="0" i="0" u="none" strike="noStrike" cap="none">
         <a:solidFill>
           <a:srgbClr val="000000"/>
         </a:solidFill>
@@ -524,7 +539,7 @@
         <a:sym typeface="Arial"/>
       </a:defRPr>
     </a:lvl2pPr>
-    <a:lvl3pPr lvl="2" marR="0" rtl="0" algn="l">
+    <a:lvl3pPr marR="0" lvl="2" algn="l" rtl="0">
       <a:lnSpc>
         <a:spcPct val="100000"/>
       </a:lnSpc>
@@ -538,7 +553,7 @@
         <a:srgbClr val="000000"/>
       </a:buClr>
       <a:buFont typeface="Arial"/>
-      <a:defRPr b="0" i="0" sz="1400" u="none" cap="none" strike="noStrike">
+      <a:defRPr sz="1400" b="0" i="0" u="none" strike="noStrike" cap="none">
         <a:solidFill>
           <a:srgbClr val="000000"/>
         </a:solidFill>
@@ -548,7 +563,7 @@
         <a:sym typeface="Arial"/>
       </a:defRPr>
     </a:lvl3pPr>
-    <a:lvl4pPr lvl="3" marR="0" rtl="0" algn="l">
+    <a:lvl4pPr marR="0" lvl="3" algn="l" rtl="0">
       <a:lnSpc>
         <a:spcPct val="100000"/>
       </a:lnSpc>
@@ -562,7 +577,7 @@
         <a:srgbClr val="000000"/>
       </a:buClr>
       <a:buFont typeface="Arial"/>
-      <a:defRPr b="0" i="0" sz="1400" u="none" cap="none" strike="noStrike">
+      <a:defRPr sz="1400" b="0" i="0" u="none" strike="noStrike" cap="none">
         <a:solidFill>
           <a:srgbClr val="000000"/>
         </a:solidFill>
@@ -572,7 +587,7 @@
         <a:sym typeface="Arial"/>
       </a:defRPr>
     </a:lvl4pPr>
-    <a:lvl5pPr lvl="4" marR="0" rtl="0" algn="l">
+    <a:lvl5pPr marR="0" lvl="4" algn="l" rtl="0">
       <a:lnSpc>
         <a:spcPct val="100000"/>
       </a:lnSpc>
@@ -586,7 +601,7 @@
         <a:srgbClr val="000000"/>
       </a:buClr>
       <a:buFont typeface="Arial"/>
-      <a:defRPr b="0" i="0" sz="1400" u="none" cap="none" strike="noStrike">
+      <a:defRPr sz="1400" b="0" i="0" u="none" strike="noStrike" cap="none">
         <a:solidFill>
           <a:srgbClr val="000000"/>
         </a:solidFill>
@@ -596,7 +611,7 @@
         <a:sym typeface="Arial"/>
       </a:defRPr>
     </a:lvl5pPr>
-    <a:lvl6pPr lvl="5" marR="0" rtl="0" algn="l">
+    <a:lvl6pPr marR="0" lvl="5" algn="l" rtl="0">
       <a:lnSpc>
         <a:spcPct val="100000"/>
       </a:lnSpc>
@@ -610,7 +625,7 @@
         <a:srgbClr val="000000"/>
       </a:buClr>
       <a:buFont typeface="Arial"/>
-      <a:defRPr b="0" i="0" sz="1400" u="none" cap="none" strike="noStrike">
+      <a:defRPr sz="1400" b="0" i="0" u="none" strike="noStrike" cap="none">
         <a:solidFill>
           <a:srgbClr val="000000"/>
         </a:solidFill>
@@ -620,7 +635,7 @@
         <a:sym typeface="Arial"/>
       </a:defRPr>
     </a:lvl6pPr>
-    <a:lvl7pPr lvl="6" marR="0" rtl="0" algn="l">
+    <a:lvl7pPr marR="0" lvl="6" algn="l" rtl="0">
       <a:lnSpc>
         <a:spcPct val="100000"/>
       </a:lnSpc>
@@ -634,7 +649,7 @@
         <a:srgbClr val="000000"/>
       </a:buClr>
       <a:buFont typeface="Arial"/>
-      <a:defRPr b="0" i="0" sz="1400" u="none" cap="none" strike="noStrike">
+      <a:defRPr sz="1400" b="0" i="0" u="none" strike="noStrike" cap="none">
         <a:solidFill>
           <a:srgbClr val="000000"/>
         </a:solidFill>
@@ -644,7 +659,7 @@
         <a:sym typeface="Arial"/>
       </a:defRPr>
     </a:lvl7pPr>
-    <a:lvl8pPr lvl="7" marR="0" rtl="0" algn="l">
+    <a:lvl8pPr marR="0" lvl="7" algn="l" rtl="0">
       <a:lnSpc>
         <a:spcPct val="100000"/>
       </a:lnSpc>
@@ -658,7 +673,7 @@
         <a:srgbClr val="000000"/>
       </a:buClr>
       <a:buFont typeface="Arial"/>
-      <a:defRPr b="0" i="0" sz="1400" u="none" cap="none" strike="noStrike">
+      <a:defRPr sz="1400" b="0" i="0" u="none" strike="noStrike" cap="none">
         <a:solidFill>
           <a:srgbClr val="000000"/>
         </a:solidFill>
@@ -668,7 +683,7 @@
         <a:sym typeface="Arial"/>
       </a:defRPr>
     </a:lvl8pPr>
-    <a:lvl9pPr lvl="8" marR="0" rtl="0" algn="l">
+    <a:lvl9pPr marR="0" lvl="8" algn="l" rtl="0">
       <a:lnSpc>
         <a:spcPct val="100000"/>
       </a:lnSpc>
@@ -682,7 +697,7 @@
         <a:srgbClr val="000000"/>
       </a:buClr>
       <a:buFont typeface="Arial"/>
-      <a:defRPr b="0" i="0" sz="1400" u="none" cap="none" strike="noStrike">
+      <a:defRPr sz="1400" b="0" i="0" u="none" strike="noStrike" cap="none">
         <a:solidFill>
           <a:srgbClr val="000000"/>
         </a:solidFill>
@@ -697,11 +712,11 @@
 </file>
 
 <file path=ppt/notesSlides/notesSlide1.xml><?xml version="1.0" encoding="utf-8"?>
-<p:notes xmlns:a="http://schemas.openxmlformats.org/drawingml/2006/main" xmlns:r="http://schemas.openxmlformats.org/officeDocument/2006/relationships" xmlns:mc="http://schemas.openxmlformats.org/markup-compatibility/2006" xmlns:mv="urn:schemas-microsoft-com:mac:vml" xmlns:p="http://schemas.openxmlformats.org/presentationml/2006/main" xmlns:c="http://schemas.openxmlformats.org/drawingml/2006/chart" xmlns:dgm="http://schemas.openxmlformats.org/drawingml/2006/diagram" xmlns:o="urn:schemas-microsoft-com:office:office" xmlns:v="urn:schemas-microsoft-com:vml" xmlns:pvml="urn:schemas-microsoft-com:office:powerpoint" xmlns:com="http://schemas.openxmlformats.org/drawingml/2006/compatibility" xmlns:p14="http://schemas.microsoft.com/office/powerpoint/2010/main" xmlns:p15="http://schemas.microsoft.com/office/powerpoint/2012/main" xmlns:ahyp="http://schemas.microsoft.com/office/drawing/2018/hyperlinkcolor" showMasterPhAnim="0" showMasterSp="0">
+<p:notes xmlns:a="http://schemas.openxmlformats.org/drawingml/2006/main" xmlns:r="http://schemas.openxmlformats.org/officeDocument/2006/relationships" xmlns:p="http://schemas.openxmlformats.org/presentationml/2006/main" showMasterSp="0" showMasterPhAnim="0">
   <p:cSld>
     <p:spTree>
       <p:nvGrpSpPr>
-        <p:cNvPr id="50" name="Shape 50"/>
+        <p:cNvPr id="1" name="Shape 50"/>
         <p:cNvGrpSpPr/>
         <p:nvPr/>
       </p:nvGrpSpPr>
@@ -716,9 +731,11 @@
       <p:sp>
         <p:nvSpPr>
           <p:cNvPr id="51" name="Google Shape;51;p:notes"/>
-          <p:cNvSpPr/>
+          <p:cNvSpPr>
+            <a:spLocks noGrp="1" noRot="1" noChangeAspect="1"/>
+          </p:cNvSpPr>
           <p:nvPr>
-            <p:ph idx="2" type="sldImg"/>
+            <p:ph type="sldImg" idx="2"/>
           </p:nvPr>
         </p:nvSpPr>
         <p:spPr>
@@ -727,9 +744,13 @@
             <a:ext cx="6096075" cy="3429000"/>
           </a:xfrm>
           <a:custGeom>
-            <a:rect b="b" l="l" r="r" t="t"/>
+            <a:avLst/>
+            <a:gdLst/>
+            <a:ahLst/>
+            <a:cxnLst/>
+            <a:rect l="l" t="t" r="r" b="b"/>
             <a:pathLst>
-              <a:path extrusionOk="0" h="120000" w="120000">
+              <a:path w="120000" h="120000" extrusionOk="0">
                 <a:moveTo>
                   <a:pt x="0" y="0"/>
                 </a:moveTo>
@@ -751,9 +772,11 @@
       <p:sp>
         <p:nvSpPr>
           <p:cNvPr id="52" name="Google Shape;52;p:notes"/>
-          <p:cNvSpPr txBox="1"/>
+          <p:cNvSpPr txBox="1">
+            <a:spLocks noGrp="1"/>
+          </p:cNvSpPr>
           <p:nvPr>
-            <p:ph idx="1" type="body"/>
+            <p:ph type="body" idx="1"/>
           </p:nvPr>
         </p:nvSpPr>
         <p:spPr>
@@ -766,12 +789,12 @@
           </a:prstGeom>
         </p:spPr>
         <p:txBody>
-          <a:bodyPr anchorCtr="0" anchor="t" bIns="91425" lIns="91425" spcFirstLastPara="1" rIns="91425" wrap="square" tIns="91425">
+          <a:bodyPr spcFirstLastPara="1" wrap="square" lIns="91425" tIns="91425" rIns="91425" bIns="91425" anchor="t" anchorCtr="0">
             <a:noAutofit/>
           </a:bodyPr>
           <a:lstStyle/>
           <a:p>
-            <a:pPr indent="0" lvl="0" marL="0" rtl="0" algn="l">
+            <a:pPr marL="0" lvl="0" indent="0" algn="l" rtl="0">
               <a:spcBef>
                 <a:spcPts val="0"/>
               </a:spcBef>
@@ -780,9 +803,6 @@
               </a:spcAft>
               <a:buNone/>
             </a:pPr>
-            <a:r>
-              <a:t/>
-            </a:r>
             <a:endParaRPr/>
           </a:p>
         </p:txBody>
@@ -796,11 +816,11 @@
 </file>
 
 <file path=ppt/notesSlides/notesSlide10.xml><?xml version="1.0" encoding="utf-8"?>
-<p:notes xmlns:a="http://schemas.openxmlformats.org/drawingml/2006/main" xmlns:r="http://schemas.openxmlformats.org/officeDocument/2006/relationships" xmlns:mc="http://schemas.openxmlformats.org/markup-compatibility/2006" xmlns:mv="urn:schemas-microsoft-com:mac:vml" xmlns:p="http://schemas.openxmlformats.org/presentationml/2006/main" xmlns:c="http://schemas.openxmlformats.org/drawingml/2006/chart" xmlns:dgm="http://schemas.openxmlformats.org/drawingml/2006/diagram" xmlns:o="urn:schemas-microsoft-com:office:office" xmlns:v="urn:schemas-microsoft-com:vml" xmlns:pvml="urn:schemas-microsoft-com:office:powerpoint" xmlns:com="http://schemas.openxmlformats.org/drawingml/2006/compatibility" xmlns:p14="http://schemas.microsoft.com/office/powerpoint/2010/main" xmlns:p15="http://schemas.microsoft.com/office/powerpoint/2012/main" xmlns:ahyp="http://schemas.microsoft.com/office/drawing/2018/hyperlinkcolor" showMasterPhAnim="0" showMasterSp="0">
+<p:notes xmlns:a="http://schemas.openxmlformats.org/drawingml/2006/main" xmlns:r="http://schemas.openxmlformats.org/officeDocument/2006/relationships" xmlns:p="http://schemas.openxmlformats.org/presentationml/2006/main" showMasterSp="0" showMasterPhAnim="0">
   <p:cSld>
     <p:spTree>
       <p:nvGrpSpPr>
-        <p:cNvPr id="109" name="Shape 109"/>
+        <p:cNvPr id="1" name="Shape 109"/>
         <p:cNvGrpSpPr/>
         <p:nvPr/>
       </p:nvGrpSpPr>
@@ -815,9 +835,11 @@
       <p:sp>
         <p:nvSpPr>
           <p:cNvPr id="110" name="Google Shape;110;g23c2a7c20ac_0_5:notes"/>
-          <p:cNvSpPr/>
+          <p:cNvSpPr>
+            <a:spLocks noGrp="1" noRot="1" noChangeAspect="1"/>
+          </p:cNvSpPr>
           <p:nvPr>
-            <p:ph idx="2" type="sldImg"/>
+            <p:ph type="sldImg" idx="2"/>
           </p:nvPr>
         </p:nvSpPr>
         <p:spPr>
@@ -826,9 +848,13 @@
             <a:ext cx="6096000" cy="3429000"/>
           </a:xfrm>
           <a:custGeom>
-            <a:rect b="b" l="l" r="r" t="t"/>
+            <a:avLst/>
+            <a:gdLst/>
+            <a:ahLst/>
+            <a:cxnLst/>
+            <a:rect l="l" t="t" r="r" b="b"/>
             <a:pathLst>
-              <a:path extrusionOk="0" h="120000" w="120000">
+              <a:path w="120000" h="120000" extrusionOk="0">
                 <a:moveTo>
                   <a:pt x="0" y="0"/>
                 </a:moveTo>
@@ -850,9 +876,11 @@
       <p:sp>
         <p:nvSpPr>
           <p:cNvPr id="111" name="Google Shape;111;g23c2a7c20ac_0_5:notes"/>
-          <p:cNvSpPr txBox="1"/>
+          <p:cNvSpPr txBox="1">
+            <a:spLocks noGrp="1"/>
+          </p:cNvSpPr>
           <p:nvPr>
-            <p:ph idx="1" type="body"/>
+            <p:ph type="body" idx="1"/>
           </p:nvPr>
         </p:nvSpPr>
         <p:spPr>
@@ -865,12 +893,12 @@
           </a:prstGeom>
         </p:spPr>
         <p:txBody>
-          <a:bodyPr anchorCtr="0" anchor="t" bIns="91425" lIns="91425" spcFirstLastPara="1" rIns="91425" wrap="square" tIns="91425">
+          <a:bodyPr spcFirstLastPara="1" wrap="square" lIns="91425" tIns="91425" rIns="91425" bIns="91425" anchor="t" anchorCtr="0">
             <a:noAutofit/>
           </a:bodyPr>
           <a:lstStyle/>
           <a:p>
-            <a:pPr indent="0" lvl="0" marL="0" rtl="0" algn="l">
+            <a:pPr marL="0" lvl="0" indent="0" algn="l" rtl="0">
               <a:spcBef>
                 <a:spcPts val="0"/>
               </a:spcBef>
@@ -879,9 +907,6 @@
               </a:spcAft>
               <a:buNone/>
             </a:pPr>
-            <a:r>
-              <a:t/>
-            </a:r>
             <a:endParaRPr/>
           </a:p>
         </p:txBody>
@@ -895,11 +920,11 @@
 </file>
 
 <file path=ppt/notesSlides/notesSlide11.xml><?xml version="1.0" encoding="utf-8"?>
-<p:notes xmlns:a="http://schemas.openxmlformats.org/drawingml/2006/main" xmlns:r="http://schemas.openxmlformats.org/officeDocument/2006/relationships" xmlns:mc="http://schemas.openxmlformats.org/markup-compatibility/2006" xmlns:mv="urn:schemas-microsoft-com:mac:vml" xmlns:p="http://schemas.openxmlformats.org/presentationml/2006/main" xmlns:c="http://schemas.openxmlformats.org/drawingml/2006/chart" xmlns:dgm="http://schemas.openxmlformats.org/drawingml/2006/diagram" xmlns:o="urn:schemas-microsoft-com:office:office" xmlns:v="urn:schemas-microsoft-com:vml" xmlns:pvml="urn:schemas-microsoft-com:office:powerpoint" xmlns:com="http://schemas.openxmlformats.org/drawingml/2006/compatibility" xmlns:p14="http://schemas.microsoft.com/office/powerpoint/2010/main" xmlns:p15="http://schemas.microsoft.com/office/powerpoint/2012/main" xmlns:ahyp="http://schemas.microsoft.com/office/drawing/2018/hyperlinkcolor" showMasterPhAnim="0" showMasterSp="0">
+<p:notes xmlns:a="http://schemas.openxmlformats.org/drawingml/2006/main" xmlns:r="http://schemas.openxmlformats.org/officeDocument/2006/relationships" xmlns:p="http://schemas.openxmlformats.org/presentationml/2006/main" showMasterSp="0" showMasterPhAnim="0">
   <p:cSld>
     <p:spTree>
       <p:nvGrpSpPr>
-        <p:cNvPr id="117" name="Shape 117"/>
+        <p:cNvPr id="1" name="Shape 117"/>
         <p:cNvGrpSpPr/>
         <p:nvPr/>
       </p:nvGrpSpPr>
@@ -914,9 +939,11 @@
       <p:sp>
         <p:nvSpPr>
           <p:cNvPr id="118" name="Google Shape;118;g23c2a7c20ac_0_10:notes"/>
-          <p:cNvSpPr/>
+          <p:cNvSpPr>
+            <a:spLocks noGrp="1" noRot="1" noChangeAspect="1"/>
+          </p:cNvSpPr>
           <p:nvPr>
-            <p:ph idx="2" type="sldImg"/>
+            <p:ph type="sldImg" idx="2"/>
           </p:nvPr>
         </p:nvSpPr>
         <p:spPr>
@@ -925,9 +952,13 @@
             <a:ext cx="6096000" cy="3429000"/>
           </a:xfrm>
           <a:custGeom>
-            <a:rect b="b" l="l" r="r" t="t"/>
+            <a:avLst/>
+            <a:gdLst/>
+            <a:ahLst/>
+            <a:cxnLst/>
+            <a:rect l="l" t="t" r="r" b="b"/>
             <a:pathLst>
-              <a:path extrusionOk="0" h="120000" w="120000">
+              <a:path w="120000" h="120000" extrusionOk="0">
                 <a:moveTo>
                   <a:pt x="0" y="0"/>
                 </a:moveTo>
@@ -949,9 +980,11 @@
       <p:sp>
         <p:nvSpPr>
           <p:cNvPr id="119" name="Google Shape;119;g23c2a7c20ac_0_10:notes"/>
-          <p:cNvSpPr txBox="1"/>
+          <p:cNvSpPr txBox="1">
+            <a:spLocks noGrp="1"/>
+          </p:cNvSpPr>
           <p:nvPr>
-            <p:ph idx="1" type="body"/>
+            <p:ph type="body" idx="1"/>
           </p:nvPr>
         </p:nvSpPr>
         <p:spPr>
@@ -964,12 +997,12 @@
           </a:prstGeom>
         </p:spPr>
         <p:txBody>
-          <a:bodyPr anchorCtr="0" anchor="t" bIns="91425" lIns="91425" spcFirstLastPara="1" rIns="91425" wrap="square" tIns="91425">
+          <a:bodyPr spcFirstLastPara="1" wrap="square" lIns="91425" tIns="91425" rIns="91425" bIns="91425" anchor="t" anchorCtr="0">
             <a:noAutofit/>
           </a:bodyPr>
           <a:lstStyle/>
           <a:p>
-            <a:pPr indent="0" lvl="0" marL="0" rtl="0" algn="l">
+            <a:pPr marL="0" lvl="0" indent="0" algn="l" rtl="0">
               <a:spcBef>
                 <a:spcPts val="0"/>
               </a:spcBef>
@@ -978,9 +1011,6 @@
               </a:spcAft>
               <a:buNone/>
             </a:pPr>
-            <a:r>
-              <a:t/>
-            </a:r>
             <a:endParaRPr/>
           </a:p>
         </p:txBody>
@@ -994,11 +1024,11 @@
 </file>
 
 <file path=ppt/notesSlides/notesSlide2.xml><?xml version="1.0" encoding="utf-8"?>
-<p:notes xmlns:a="http://schemas.openxmlformats.org/drawingml/2006/main" xmlns:r="http://schemas.openxmlformats.org/officeDocument/2006/relationships" xmlns:mc="http://schemas.openxmlformats.org/markup-compatibility/2006" xmlns:mv="urn:schemas-microsoft-com:mac:vml" xmlns:p="http://schemas.openxmlformats.org/presentationml/2006/main" xmlns:c="http://schemas.openxmlformats.org/drawingml/2006/chart" xmlns:dgm="http://schemas.openxmlformats.org/drawingml/2006/diagram" xmlns:o="urn:schemas-microsoft-com:office:office" xmlns:v="urn:schemas-microsoft-com:vml" xmlns:pvml="urn:schemas-microsoft-com:office:powerpoint" xmlns:com="http://schemas.openxmlformats.org/drawingml/2006/compatibility" xmlns:p14="http://schemas.microsoft.com/office/powerpoint/2010/main" xmlns:p15="http://schemas.microsoft.com/office/powerpoint/2012/main" xmlns:ahyp="http://schemas.microsoft.com/office/drawing/2018/hyperlinkcolor" showMasterPhAnim="0" showMasterSp="0">
+<p:notes xmlns:a="http://schemas.openxmlformats.org/drawingml/2006/main" xmlns:r="http://schemas.openxmlformats.org/officeDocument/2006/relationships" xmlns:p="http://schemas.openxmlformats.org/presentationml/2006/main" showMasterSp="0" showMasterPhAnim="0">
   <p:cSld>
     <p:spTree>
       <p:nvGrpSpPr>
-        <p:cNvPr id="56" name="Shape 56"/>
+        <p:cNvPr id="1" name="Shape 56"/>
         <p:cNvGrpSpPr/>
         <p:nvPr/>
       </p:nvGrpSpPr>
@@ -1013,9 +1043,11 @@
       <p:sp>
         <p:nvSpPr>
           <p:cNvPr id="57" name="Google Shape;57;g23b5c1f9546_0_0:notes"/>
-          <p:cNvSpPr/>
+          <p:cNvSpPr>
+            <a:spLocks noGrp="1" noRot="1" noChangeAspect="1"/>
+          </p:cNvSpPr>
           <p:nvPr>
-            <p:ph idx="2" type="sldImg"/>
+            <p:ph type="sldImg" idx="2"/>
           </p:nvPr>
         </p:nvSpPr>
         <p:spPr>
@@ -1024,9 +1056,13 @@
             <a:ext cx="6096000" cy="3429000"/>
           </a:xfrm>
           <a:custGeom>
-            <a:rect b="b" l="l" r="r" t="t"/>
+            <a:avLst/>
+            <a:gdLst/>
+            <a:ahLst/>
+            <a:cxnLst/>
+            <a:rect l="l" t="t" r="r" b="b"/>
             <a:pathLst>
-              <a:path extrusionOk="0" h="120000" w="120000">
+              <a:path w="120000" h="120000" extrusionOk="0">
                 <a:moveTo>
                   <a:pt x="0" y="0"/>
                 </a:moveTo>
@@ -1048,9 +1084,11 @@
       <p:sp>
         <p:nvSpPr>
           <p:cNvPr id="58" name="Google Shape;58;g23b5c1f9546_0_0:notes"/>
-          <p:cNvSpPr txBox="1"/>
+          <p:cNvSpPr txBox="1">
+            <a:spLocks noGrp="1"/>
+          </p:cNvSpPr>
           <p:nvPr>
-            <p:ph idx="1" type="body"/>
+            <p:ph type="body" idx="1"/>
           </p:nvPr>
         </p:nvSpPr>
         <p:spPr>
@@ -1063,12 +1101,12 @@
           </a:prstGeom>
         </p:spPr>
         <p:txBody>
-          <a:bodyPr anchorCtr="0" anchor="t" bIns="91425" lIns="91425" spcFirstLastPara="1" rIns="91425" wrap="square" tIns="91425">
+          <a:bodyPr spcFirstLastPara="1" wrap="square" lIns="91425" tIns="91425" rIns="91425" bIns="91425" anchor="t" anchorCtr="0">
             <a:noAutofit/>
           </a:bodyPr>
           <a:lstStyle/>
           <a:p>
-            <a:pPr indent="0" lvl="0" marL="0" rtl="0" algn="l">
+            <a:pPr marL="0" lvl="0" indent="0" algn="l" rtl="0">
               <a:spcBef>
                 <a:spcPts val="0"/>
               </a:spcBef>
@@ -1077,9 +1115,6 @@
               </a:spcAft>
               <a:buNone/>
             </a:pPr>
-            <a:r>
-              <a:t/>
-            </a:r>
             <a:endParaRPr/>
           </a:p>
         </p:txBody>
@@ -1093,11 +1128,11 @@
 </file>
 
 <file path=ppt/notesSlides/notesSlide3.xml><?xml version="1.0" encoding="utf-8"?>
-<p:notes xmlns:a="http://schemas.openxmlformats.org/drawingml/2006/main" xmlns:r="http://schemas.openxmlformats.org/officeDocument/2006/relationships" xmlns:mc="http://schemas.openxmlformats.org/markup-compatibility/2006" xmlns:mv="urn:schemas-microsoft-com:mac:vml" xmlns:p="http://schemas.openxmlformats.org/presentationml/2006/main" xmlns:c="http://schemas.openxmlformats.org/drawingml/2006/chart" xmlns:dgm="http://schemas.openxmlformats.org/drawingml/2006/diagram" xmlns:o="urn:schemas-microsoft-com:office:office" xmlns:v="urn:schemas-microsoft-com:vml" xmlns:pvml="urn:schemas-microsoft-com:office:powerpoint" xmlns:com="http://schemas.openxmlformats.org/drawingml/2006/compatibility" xmlns:p14="http://schemas.microsoft.com/office/powerpoint/2010/main" xmlns:p15="http://schemas.microsoft.com/office/powerpoint/2012/main" xmlns:ahyp="http://schemas.microsoft.com/office/drawing/2018/hyperlinkcolor" showMasterPhAnim="0" showMasterSp="0">
+<p:notes xmlns:a="http://schemas.openxmlformats.org/drawingml/2006/main" xmlns:r="http://schemas.openxmlformats.org/officeDocument/2006/relationships" xmlns:p="http://schemas.openxmlformats.org/presentationml/2006/main" showMasterSp="0" showMasterPhAnim="0">
   <p:cSld>
     <p:spTree>
       <p:nvGrpSpPr>
-        <p:cNvPr id="62" name="Shape 62"/>
+        <p:cNvPr id="1" name="Shape 62"/>
         <p:cNvGrpSpPr/>
         <p:nvPr/>
       </p:nvGrpSpPr>
@@ -1112,20 +1147,26 @@
       <p:sp>
         <p:nvSpPr>
           <p:cNvPr id="63" name="Google Shape;63;g23b5c1f9546_0_5:notes"/>
-          <p:cNvSpPr/>
+          <p:cNvSpPr>
+            <a:spLocks noGrp="1" noRot="1" noChangeAspect="1"/>
+          </p:cNvSpPr>
           <p:nvPr>
-            <p:ph idx="2" type="sldImg"/>
+            <p:ph type="sldImg" idx="2"/>
           </p:nvPr>
         </p:nvSpPr>
         <p:spPr>
           <a:xfrm>
-            <a:off x="381300" y="685800"/>
+            <a:off x="381000" y="685800"/>
             <a:ext cx="6096000" cy="3429000"/>
           </a:xfrm>
           <a:custGeom>
-            <a:rect b="b" l="l" r="r" t="t"/>
+            <a:avLst/>
+            <a:gdLst/>
+            <a:ahLst/>
+            <a:cxnLst/>
+            <a:rect l="l" t="t" r="r" b="b"/>
             <a:pathLst>
-              <a:path extrusionOk="0" h="120000" w="120000">
+              <a:path w="120000" h="120000" extrusionOk="0">
                 <a:moveTo>
                   <a:pt x="0" y="0"/>
                 </a:moveTo>
@@ -1147,9 +1188,11 @@
       <p:sp>
         <p:nvSpPr>
           <p:cNvPr id="64" name="Google Shape;64;g23b5c1f9546_0_5:notes"/>
-          <p:cNvSpPr txBox="1"/>
+          <p:cNvSpPr txBox="1">
+            <a:spLocks noGrp="1"/>
+          </p:cNvSpPr>
           <p:nvPr>
-            <p:ph idx="1" type="body"/>
+            <p:ph type="body" idx="1"/>
           </p:nvPr>
         </p:nvSpPr>
         <p:spPr>
@@ -1162,12 +1205,12 @@
           </a:prstGeom>
         </p:spPr>
         <p:txBody>
-          <a:bodyPr anchorCtr="0" anchor="t" bIns="91425" lIns="91425" spcFirstLastPara="1" rIns="91425" wrap="square" tIns="91425">
+          <a:bodyPr spcFirstLastPara="1" wrap="square" lIns="91425" tIns="91425" rIns="91425" bIns="91425" anchor="t" anchorCtr="0">
             <a:noAutofit/>
           </a:bodyPr>
           <a:lstStyle/>
           <a:p>
-            <a:pPr indent="0" lvl="0" marL="0" rtl="0" algn="l">
+            <a:pPr marL="0" lvl="0" indent="0" algn="l" rtl="0">
               <a:spcBef>
                 <a:spcPts val="0"/>
               </a:spcBef>
@@ -1176,9 +1219,6 @@
               </a:spcAft>
               <a:buNone/>
             </a:pPr>
-            <a:r>
-              <a:t/>
-            </a:r>
             <a:endParaRPr/>
           </a:p>
         </p:txBody>
@@ -1192,11 +1232,11 @@
 </file>
 
 <file path=ppt/notesSlides/notesSlide4.xml><?xml version="1.0" encoding="utf-8"?>
-<p:notes xmlns:a="http://schemas.openxmlformats.org/drawingml/2006/main" xmlns:r="http://schemas.openxmlformats.org/officeDocument/2006/relationships" xmlns:mc="http://schemas.openxmlformats.org/markup-compatibility/2006" xmlns:mv="urn:schemas-microsoft-com:mac:vml" xmlns:p="http://schemas.openxmlformats.org/presentationml/2006/main" xmlns:c="http://schemas.openxmlformats.org/drawingml/2006/chart" xmlns:dgm="http://schemas.openxmlformats.org/drawingml/2006/diagram" xmlns:o="urn:schemas-microsoft-com:office:office" xmlns:v="urn:schemas-microsoft-com:vml" xmlns:pvml="urn:schemas-microsoft-com:office:powerpoint" xmlns:com="http://schemas.openxmlformats.org/drawingml/2006/compatibility" xmlns:p14="http://schemas.microsoft.com/office/powerpoint/2010/main" xmlns:p15="http://schemas.microsoft.com/office/powerpoint/2012/main" xmlns:ahyp="http://schemas.microsoft.com/office/drawing/2018/hyperlinkcolor" showMasterPhAnim="0" showMasterSp="0">
+<p:notes xmlns:a="http://schemas.openxmlformats.org/drawingml/2006/main" xmlns:r="http://schemas.openxmlformats.org/officeDocument/2006/relationships" xmlns:p="http://schemas.openxmlformats.org/presentationml/2006/main" showMasterSp="0" showMasterPhAnim="0">
   <p:cSld>
     <p:spTree>
       <p:nvGrpSpPr>
-        <p:cNvPr id="70" name="Shape 70"/>
+        <p:cNvPr id="1" name="Shape 70"/>
         <p:cNvGrpSpPr/>
         <p:nvPr/>
       </p:nvGrpSpPr>
@@ -1211,9 +1251,11 @@
       <p:sp>
         <p:nvSpPr>
           <p:cNvPr id="71" name="Google Shape;71;g23b5c1f9546_0_12:notes"/>
-          <p:cNvSpPr/>
+          <p:cNvSpPr>
+            <a:spLocks noGrp="1" noRot="1" noChangeAspect="1"/>
+          </p:cNvSpPr>
           <p:nvPr>
-            <p:ph idx="2" type="sldImg"/>
+            <p:ph type="sldImg" idx="2"/>
           </p:nvPr>
         </p:nvSpPr>
         <p:spPr>
@@ -1222,9 +1264,13 @@
             <a:ext cx="6096000" cy="3429000"/>
           </a:xfrm>
           <a:custGeom>
-            <a:rect b="b" l="l" r="r" t="t"/>
+            <a:avLst/>
+            <a:gdLst/>
+            <a:ahLst/>
+            <a:cxnLst/>
+            <a:rect l="l" t="t" r="r" b="b"/>
             <a:pathLst>
-              <a:path extrusionOk="0" h="120000" w="120000">
+              <a:path w="120000" h="120000" extrusionOk="0">
                 <a:moveTo>
                   <a:pt x="0" y="0"/>
                 </a:moveTo>
@@ -1246,9 +1292,11 @@
       <p:sp>
         <p:nvSpPr>
           <p:cNvPr id="72" name="Google Shape;72;g23b5c1f9546_0_12:notes"/>
-          <p:cNvSpPr txBox="1"/>
+          <p:cNvSpPr txBox="1">
+            <a:spLocks noGrp="1"/>
+          </p:cNvSpPr>
           <p:nvPr>
-            <p:ph idx="1" type="body"/>
+            <p:ph type="body" idx="1"/>
           </p:nvPr>
         </p:nvSpPr>
         <p:spPr>
@@ -1261,12 +1309,12 @@
           </a:prstGeom>
         </p:spPr>
         <p:txBody>
-          <a:bodyPr anchorCtr="0" anchor="t" bIns="91425" lIns="91425" spcFirstLastPara="1" rIns="91425" wrap="square" tIns="91425">
+          <a:bodyPr spcFirstLastPara="1" wrap="square" lIns="91425" tIns="91425" rIns="91425" bIns="91425" anchor="t" anchorCtr="0">
             <a:noAutofit/>
           </a:bodyPr>
           <a:lstStyle/>
           <a:p>
-            <a:pPr indent="0" lvl="0" marL="0" rtl="0" algn="l">
+            <a:pPr marL="0" lvl="0" indent="0" algn="l" rtl="0">
               <a:spcBef>
                 <a:spcPts val="0"/>
               </a:spcBef>
@@ -1275,9 +1323,6 @@
               </a:spcAft>
               <a:buNone/>
             </a:pPr>
-            <a:r>
-              <a:t/>
-            </a:r>
             <a:endParaRPr/>
           </a:p>
         </p:txBody>
@@ -1291,11 +1336,11 @@
 </file>
 
 <file path=ppt/notesSlides/notesSlide5.xml><?xml version="1.0" encoding="utf-8"?>
-<p:notes xmlns:a="http://schemas.openxmlformats.org/drawingml/2006/main" xmlns:r="http://schemas.openxmlformats.org/officeDocument/2006/relationships" xmlns:mc="http://schemas.openxmlformats.org/markup-compatibility/2006" xmlns:mv="urn:schemas-microsoft-com:mac:vml" xmlns:p="http://schemas.openxmlformats.org/presentationml/2006/main" xmlns:c="http://schemas.openxmlformats.org/drawingml/2006/chart" xmlns:dgm="http://schemas.openxmlformats.org/drawingml/2006/diagram" xmlns:o="urn:schemas-microsoft-com:office:office" xmlns:v="urn:schemas-microsoft-com:vml" xmlns:pvml="urn:schemas-microsoft-com:office:powerpoint" xmlns:com="http://schemas.openxmlformats.org/drawingml/2006/compatibility" xmlns:p14="http://schemas.microsoft.com/office/powerpoint/2010/main" xmlns:p15="http://schemas.microsoft.com/office/powerpoint/2012/main" xmlns:ahyp="http://schemas.microsoft.com/office/drawing/2018/hyperlinkcolor" showMasterPhAnim="0" showMasterSp="0">
+<p:notes xmlns:a="http://schemas.openxmlformats.org/drawingml/2006/main" xmlns:r="http://schemas.openxmlformats.org/officeDocument/2006/relationships" xmlns:p="http://schemas.openxmlformats.org/presentationml/2006/main" showMasterSp="0" showMasterPhAnim="0">
   <p:cSld>
     <p:spTree>
       <p:nvGrpSpPr>
-        <p:cNvPr id="78" name="Shape 78"/>
+        <p:cNvPr id="1" name="Shape 78"/>
         <p:cNvGrpSpPr/>
         <p:nvPr/>
       </p:nvGrpSpPr>
@@ -1310,9 +1355,11 @@
       <p:sp>
         <p:nvSpPr>
           <p:cNvPr id="79" name="Google Shape;79;g23b5c1f9546_0_18:notes"/>
-          <p:cNvSpPr/>
+          <p:cNvSpPr>
+            <a:spLocks noGrp="1" noRot="1" noChangeAspect="1"/>
+          </p:cNvSpPr>
           <p:nvPr>
-            <p:ph idx="2" type="sldImg"/>
+            <p:ph type="sldImg" idx="2"/>
           </p:nvPr>
         </p:nvSpPr>
         <p:spPr>
@@ -1321,9 +1368,13 @@
             <a:ext cx="6096000" cy="3429000"/>
           </a:xfrm>
           <a:custGeom>
-            <a:rect b="b" l="l" r="r" t="t"/>
+            <a:avLst/>
+            <a:gdLst/>
+            <a:ahLst/>
+            <a:cxnLst/>
+            <a:rect l="l" t="t" r="r" b="b"/>
             <a:pathLst>
-              <a:path extrusionOk="0" h="120000" w="120000">
+              <a:path w="120000" h="120000" extrusionOk="0">
                 <a:moveTo>
                   <a:pt x="0" y="0"/>
                 </a:moveTo>
@@ -1345,9 +1396,11 @@
       <p:sp>
         <p:nvSpPr>
           <p:cNvPr id="80" name="Google Shape;80;g23b5c1f9546_0_18:notes"/>
-          <p:cNvSpPr txBox="1"/>
+          <p:cNvSpPr txBox="1">
+            <a:spLocks noGrp="1"/>
+          </p:cNvSpPr>
           <p:nvPr>
-            <p:ph idx="1" type="body"/>
+            <p:ph type="body" idx="1"/>
           </p:nvPr>
         </p:nvSpPr>
         <p:spPr>
@@ -1360,12 +1413,12 @@
           </a:prstGeom>
         </p:spPr>
         <p:txBody>
-          <a:bodyPr anchorCtr="0" anchor="t" bIns="91425" lIns="91425" spcFirstLastPara="1" rIns="91425" wrap="square" tIns="91425">
+          <a:bodyPr spcFirstLastPara="1" wrap="square" lIns="91425" tIns="91425" rIns="91425" bIns="91425" anchor="t" anchorCtr="0">
             <a:noAutofit/>
           </a:bodyPr>
           <a:lstStyle/>
           <a:p>
-            <a:pPr indent="0" lvl="0" marL="0" rtl="0" algn="l">
+            <a:pPr marL="0" lvl="0" indent="0" algn="l" rtl="0">
               <a:spcBef>
                 <a:spcPts val="0"/>
               </a:spcBef>
@@ -1374,9 +1427,6 @@
               </a:spcAft>
               <a:buNone/>
             </a:pPr>
-            <a:r>
-              <a:t/>
-            </a:r>
             <a:endParaRPr/>
           </a:p>
         </p:txBody>
@@ -1390,11 +1440,11 @@
 </file>
 
 <file path=ppt/notesSlides/notesSlide6.xml><?xml version="1.0" encoding="utf-8"?>
-<p:notes xmlns:a="http://schemas.openxmlformats.org/drawingml/2006/main" xmlns:r="http://schemas.openxmlformats.org/officeDocument/2006/relationships" xmlns:mc="http://schemas.openxmlformats.org/markup-compatibility/2006" xmlns:mv="urn:schemas-microsoft-com:mac:vml" xmlns:p="http://schemas.openxmlformats.org/presentationml/2006/main" xmlns:c="http://schemas.openxmlformats.org/drawingml/2006/chart" xmlns:dgm="http://schemas.openxmlformats.org/drawingml/2006/diagram" xmlns:o="urn:schemas-microsoft-com:office:office" xmlns:v="urn:schemas-microsoft-com:vml" xmlns:pvml="urn:schemas-microsoft-com:office:powerpoint" xmlns:com="http://schemas.openxmlformats.org/drawingml/2006/compatibility" xmlns:p14="http://schemas.microsoft.com/office/powerpoint/2010/main" xmlns:p15="http://schemas.microsoft.com/office/powerpoint/2012/main" xmlns:ahyp="http://schemas.microsoft.com/office/drawing/2018/hyperlinkcolor" showMasterPhAnim="0" showMasterSp="0">
+<p:notes xmlns:a="http://schemas.openxmlformats.org/drawingml/2006/main" xmlns:r="http://schemas.openxmlformats.org/officeDocument/2006/relationships" xmlns:p="http://schemas.openxmlformats.org/presentationml/2006/main" showMasterSp="0" showMasterPhAnim="0">
   <p:cSld>
     <p:spTree>
       <p:nvGrpSpPr>
-        <p:cNvPr id="84" name="Shape 84"/>
+        <p:cNvPr id="1" name="Shape 84"/>
         <p:cNvGrpSpPr/>
         <p:nvPr/>
       </p:nvGrpSpPr>
@@ -1409,20 +1459,26 @@
       <p:sp>
         <p:nvSpPr>
           <p:cNvPr id="85" name="Google Shape;85;g23b5c1f9546_0_23:notes"/>
-          <p:cNvSpPr/>
+          <p:cNvSpPr>
+            <a:spLocks noGrp="1" noRot="1" noChangeAspect="1"/>
+          </p:cNvSpPr>
           <p:nvPr>
-            <p:ph idx="2" type="sldImg"/>
+            <p:ph type="sldImg" idx="2"/>
           </p:nvPr>
         </p:nvSpPr>
         <p:spPr>
           <a:xfrm>
-            <a:off x="381300" y="685800"/>
+            <a:off x="381000" y="685800"/>
             <a:ext cx="6096000" cy="3429000"/>
           </a:xfrm>
           <a:custGeom>
-            <a:rect b="b" l="l" r="r" t="t"/>
+            <a:avLst/>
+            <a:gdLst/>
+            <a:ahLst/>
+            <a:cxnLst/>
+            <a:rect l="l" t="t" r="r" b="b"/>
             <a:pathLst>
-              <a:path extrusionOk="0" h="120000" w="120000">
+              <a:path w="120000" h="120000" extrusionOk="0">
                 <a:moveTo>
                   <a:pt x="0" y="0"/>
                 </a:moveTo>
@@ -1444,9 +1500,11 @@
       <p:sp>
         <p:nvSpPr>
           <p:cNvPr id="86" name="Google Shape;86;g23b5c1f9546_0_23:notes"/>
-          <p:cNvSpPr txBox="1"/>
+          <p:cNvSpPr txBox="1">
+            <a:spLocks noGrp="1"/>
+          </p:cNvSpPr>
           <p:nvPr>
-            <p:ph idx="1" type="body"/>
+            <p:ph type="body" idx="1"/>
           </p:nvPr>
         </p:nvSpPr>
         <p:spPr>
@@ -1459,12 +1517,12 @@
           </a:prstGeom>
         </p:spPr>
         <p:txBody>
-          <a:bodyPr anchorCtr="0" anchor="t" bIns="91425" lIns="91425" spcFirstLastPara="1" rIns="91425" wrap="square" tIns="91425">
+          <a:bodyPr spcFirstLastPara="1" wrap="square" lIns="91425" tIns="91425" rIns="91425" bIns="91425" anchor="t" anchorCtr="0">
             <a:noAutofit/>
           </a:bodyPr>
           <a:lstStyle/>
           <a:p>
-            <a:pPr indent="0" lvl="0" marL="0" rtl="0" algn="l">
+            <a:pPr marL="0" lvl="0" indent="0" algn="l" rtl="0">
               <a:spcBef>
                 <a:spcPts val="0"/>
               </a:spcBef>
@@ -1473,9 +1531,6 @@
               </a:spcAft>
               <a:buNone/>
             </a:pPr>
-            <a:r>
-              <a:t/>
-            </a:r>
             <a:endParaRPr/>
           </a:p>
         </p:txBody>
@@ -1489,11 +1544,11 @@
 </file>
 
 <file path=ppt/notesSlides/notesSlide7.xml><?xml version="1.0" encoding="utf-8"?>
-<p:notes xmlns:a="http://schemas.openxmlformats.org/drawingml/2006/main" xmlns:r="http://schemas.openxmlformats.org/officeDocument/2006/relationships" xmlns:mc="http://schemas.openxmlformats.org/markup-compatibility/2006" xmlns:mv="urn:schemas-microsoft-com:mac:vml" xmlns:p="http://schemas.openxmlformats.org/presentationml/2006/main" xmlns:c="http://schemas.openxmlformats.org/drawingml/2006/chart" xmlns:dgm="http://schemas.openxmlformats.org/drawingml/2006/diagram" xmlns:o="urn:schemas-microsoft-com:office:office" xmlns:v="urn:schemas-microsoft-com:vml" xmlns:pvml="urn:schemas-microsoft-com:office:powerpoint" xmlns:com="http://schemas.openxmlformats.org/drawingml/2006/compatibility" xmlns:p14="http://schemas.microsoft.com/office/powerpoint/2010/main" xmlns:p15="http://schemas.microsoft.com/office/powerpoint/2012/main" xmlns:ahyp="http://schemas.microsoft.com/office/drawing/2018/hyperlinkcolor" showMasterPhAnim="0" showMasterSp="0">
+<p:notes xmlns:a="http://schemas.openxmlformats.org/drawingml/2006/main" xmlns:r="http://schemas.openxmlformats.org/officeDocument/2006/relationships" xmlns:p="http://schemas.openxmlformats.org/presentationml/2006/main" showMasterSp="0" showMasterPhAnim="0">
   <p:cSld>
     <p:spTree>
       <p:nvGrpSpPr>
-        <p:cNvPr id="90" name="Shape 90"/>
+        <p:cNvPr id="1" name="Shape 90"/>
         <p:cNvGrpSpPr/>
         <p:nvPr/>
       </p:nvGrpSpPr>
@@ -1508,9 +1563,11 @@
       <p:sp>
         <p:nvSpPr>
           <p:cNvPr id="91" name="Google Shape;91;g23c2a7c20ac_0_0:notes"/>
-          <p:cNvSpPr/>
+          <p:cNvSpPr>
+            <a:spLocks noGrp="1" noRot="1" noChangeAspect="1"/>
+          </p:cNvSpPr>
           <p:nvPr>
-            <p:ph idx="2" type="sldImg"/>
+            <p:ph type="sldImg" idx="2"/>
           </p:nvPr>
         </p:nvSpPr>
         <p:spPr>
@@ -1519,9 +1576,13 @@
             <a:ext cx="6096000" cy="3429000"/>
           </a:xfrm>
           <a:custGeom>
-            <a:rect b="b" l="l" r="r" t="t"/>
+            <a:avLst/>
+            <a:gdLst/>
+            <a:ahLst/>
+            <a:cxnLst/>
+            <a:rect l="l" t="t" r="r" b="b"/>
             <a:pathLst>
-              <a:path extrusionOk="0" h="120000" w="120000">
+              <a:path w="120000" h="120000" extrusionOk="0">
                 <a:moveTo>
                   <a:pt x="0" y="0"/>
                 </a:moveTo>
@@ -1543,9 +1604,11 @@
       <p:sp>
         <p:nvSpPr>
           <p:cNvPr id="92" name="Google Shape;92;g23c2a7c20ac_0_0:notes"/>
-          <p:cNvSpPr txBox="1"/>
+          <p:cNvSpPr txBox="1">
+            <a:spLocks noGrp="1"/>
+          </p:cNvSpPr>
           <p:nvPr>
-            <p:ph idx="1" type="body"/>
+            <p:ph type="body" idx="1"/>
           </p:nvPr>
         </p:nvSpPr>
         <p:spPr>
@@ -1558,12 +1621,12 @@
           </a:prstGeom>
         </p:spPr>
         <p:txBody>
-          <a:bodyPr anchorCtr="0" anchor="t" bIns="91425" lIns="91425" spcFirstLastPara="1" rIns="91425" wrap="square" tIns="91425">
+          <a:bodyPr spcFirstLastPara="1" wrap="square" lIns="91425" tIns="91425" rIns="91425" bIns="91425" anchor="t" anchorCtr="0">
             <a:noAutofit/>
           </a:bodyPr>
           <a:lstStyle/>
           <a:p>
-            <a:pPr indent="0" lvl="0" marL="0" rtl="0" algn="l">
+            <a:pPr marL="0" lvl="0" indent="0" algn="l" rtl="0">
               <a:spcBef>
                 <a:spcPts val="0"/>
               </a:spcBef>
@@ -1589,11 +1652,11 @@
 </file>
 
 <file path=ppt/notesSlides/notesSlide8.xml><?xml version="1.0" encoding="utf-8"?>
-<p:notes xmlns:a="http://schemas.openxmlformats.org/drawingml/2006/main" xmlns:r="http://schemas.openxmlformats.org/officeDocument/2006/relationships" xmlns:mc="http://schemas.openxmlformats.org/markup-compatibility/2006" xmlns:mv="urn:schemas-microsoft-com:mac:vml" xmlns:p="http://schemas.openxmlformats.org/presentationml/2006/main" xmlns:c="http://schemas.openxmlformats.org/drawingml/2006/chart" xmlns:dgm="http://schemas.openxmlformats.org/drawingml/2006/diagram" xmlns:o="urn:schemas-microsoft-com:office:office" xmlns:v="urn:schemas-microsoft-com:vml" xmlns:pvml="urn:schemas-microsoft-com:office:powerpoint" xmlns:com="http://schemas.openxmlformats.org/drawingml/2006/compatibility" xmlns:p14="http://schemas.microsoft.com/office/powerpoint/2010/main" xmlns:p15="http://schemas.microsoft.com/office/powerpoint/2012/main" xmlns:ahyp="http://schemas.microsoft.com/office/drawing/2018/hyperlinkcolor" showMasterPhAnim="0" showMasterSp="0">
+<p:notes xmlns:a="http://schemas.openxmlformats.org/drawingml/2006/main" xmlns:r="http://schemas.openxmlformats.org/officeDocument/2006/relationships" xmlns:p="http://schemas.openxmlformats.org/presentationml/2006/main" showMasterSp="0" showMasterPhAnim="0">
   <p:cSld>
     <p:spTree>
       <p:nvGrpSpPr>
-        <p:cNvPr id="96" name="Shape 96"/>
+        <p:cNvPr id="1" name="Shape 96"/>
         <p:cNvGrpSpPr/>
         <p:nvPr/>
       </p:nvGrpSpPr>
@@ -1608,9 +1671,11 @@
       <p:sp>
         <p:nvSpPr>
           <p:cNvPr id="97" name="Google Shape;97;g23de19531b8_0_0:notes"/>
-          <p:cNvSpPr/>
+          <p:cNvSpPr>
+            <a:spLocks noGrp="1" noRot="1" noChangeAspect="1"/>
+          </p:cNvSpPr>
           <p:nvPr>
-            <p:ph idx="2" type="sldImg"/>
+            <p:ph type="sldImg" idx="2"/>
           </p:nvPr>
         </p:nvSpPr>
         <p:spPr>
@@ -1619,9 +1684,13 @@
             <a:ext cx="6096000" cy="3429000"/>
           </a:xfrm>
           <a:custGeom>
-            <a:rect b="b" l="l" r="r" t="t"/>
+            <a:avLst/>
+            <a:gdLst/>
+            <a:ahLst/>
+            <a:cxnLst/>
+            <a:rect l="l" t="t" r="r" b="b"/>
             <a:pathLst>
-              <a:path extrusionOk="0" h="120000" w="120000">
+              <a:path w="120000" h="120000" extrusionOk="0">
                 <a:moveTo>
                   <a:pt x="0" y="0"/>
                 </a:moveTo>
@@ -1643,9 +1712,11 @@
       <p:sp>
         <p:nvSpPr>
           <p:cNvPr id="98" name="Google Shape;98;g23de19531b8_0_0:notes"/>
-          <p:cNvSpPr txBox="1"/>
+          <p:cNvSpPr txBox="1">
+            <a:spLocks noGrp="1"/>
+          </p:cNvSpPr>
           <p:nvPr>
-            <p:ph idx="1" type="body"/>
+            <p:ph type="body" idx="1"/>
           </p:nvPr>
         </p:nvSpPr>
         <p:spPr>
@@ -1658,12 +1729,12 @@
           </a:prstGeom>
         </p:spPr>
         <p:txBody>
-          <a:bodyPr anchorCtr="0" anchor="t" bIns="91425" lIns="91425" spcFirstLastPara="1" rIns="91425" wrap="square" tIns="91425">
+          <a:bodyPr spcFirstLastPara="1" wrap="square" lIns="91425" tIns="91425" rIns="91425" bIns="91425" anchor="t" anchorCtr="0">
             <a:noAutofit/>
           </a:bodyPr>
           <a:lstStyle/>
           <a:p>
-            <a:pPr indent="0" lvl="0" marL="0" rtl="0" algn="l">
+            <a:pPr marL="0" lvl="0" indent="0" algn="l" rtl="0">
               <a:spcBef>
                 <a:spcPts val="0"/>
               </a:spcBef>
@@ -1672,9 +1743,6 @@
               </a:spcAft>
               <a:buNone/>
             </a:pPr>
-            <a:r>
-              <a:t/>
-            </a:r>
             <a:endParaRPr/>
           </a:p>
         </p:txBody>
@@ -1688,11 +1756,11 @@
 </file>
 
 <file path=ppt/notesSlides/notesSlide9.xml><?xml version="1.0" encoding="utf-8"?>
-<p:notes xmlns:a="http://schemas.openxmlformats.org/drawingml/2006/main" xmlns:r="http://schemas.openxmlformats.org/officeDocument/2006/relationships" xmlns:mc="http://schemas.openxmlformats.org/markup-compatibility/2006" xmlns:mv="urn:schemas-microsoft-com:mac:vml" xmlns:p="http://schemas.openxmlformats.org/presentationml/2006/main" xmlns:c="http://schemas.openxmlformats.org/drawingml/2006/chart" xmlns:dgm="http://schemas.openxmlformats.org/drawingml/2006/diagram" xmlns:o="urn:schemas-microsoft-com:office:office" xmlns:v="urn:schemas-microsoft-com:vml" xmlns:pvml="urn:schemas-microsoft-com:office:powerpoint" xmlns:com="http://schemas.openxmlformats.org/drawingml/2006/compatibility" xmlns:p14="http://schemas.microsoft.com/office/powerpoint/2010/main" xmlns:p15="http://schemas.microsoft.com/office/powerpoint/2012/main" xmlns:ahyp="http://schemas.microsoft.com/office/drawing/2018/hyperlinkcolor" showMasterPhAnim="0" showMasterSp="0">
+<p:notes xmlns:a="http://schemas.openxmlformats.org/drawingml/2006/main" xmlns:r="http://schemas.openxmlformats.org/officeDocument/2006/relationships" xmlns:p="http://schemas.openxmlformats.org/presentationml/2006/main" showMasterSp="0" showMasterPhAnim="0">
   <p:cSld>
     <p:spTree>
       <p:nvGrpSpPr>
-        <p:cNvPr id="103" name="Shape 103"/>
+        <p:cNvPr id="1" name="Shape 103"/>
         <p:cNvGrpSpPr/>
         <p:nvPr/>
       </p:nvGrpSpPr>
@@ -1707,9 +1775,11 @@
       <p:sp>
         <p:nvSpPr>
           <p:cNvPr id="104" name="Google Shape;104;g23c2a7c20ac_0_15:notes"/>
-          <p:cNvSpPr/>
+          <p:cNvSpPr>
+            <a:spLocks noGrp="1" noRot="1" noChangeAspect="1"/>
+          </p:cNvSpPr>
           <p:nvPr>
-            <p:ph idx="2" type="sldImg"/>
+            <p:ph type="sldImg" idx="2"/>
           </p:nvPr>
         </p:nvSpPr>
         <p:spPr>
@@ -1718,9 +1788,13 @@
             <a:ext cx="6096000" cy="3429000"/>
           </a:xfrm>
           <a:custGeom>
-            <a:rect b="b" l="l" r="r" t="t"/>
+            <a:avLst/>
+            <a:gdLst/>
+            <a:ahLst/>
+            <a:cxnLst/>
+            <a:rect l="l" t="t" r="r" b="b"/>
             <a:pathLst>
-              <a:path extrusionOk="0" h="120000" w="120000">
+              <a:path w="120000" h="120000" extrusionOk="0">
                 <a:moveTo>
                   <a:pt x="0" y="0"/>
                 </a:moveTo>
@@ -1742,9 +1816,11 @@
       <p:sp>
         <p:nvSpPr>
           <p:cNvPr id="105" name="Google Shape;105;g23c2a7c20ac_0_15:notes"/>
-          <p:cNvSpPr txBox="1"/>
+          <p:cNvSpPr txBox="1">
+            <a:spLocks noGrp="1"/>
+          </p:cNvSpPr>
           <p:nvPr>
-            <p:ph idx="1" type="body"/>
+            <p:ph type="body" idx="1"/>
           </p:nvPr>
         </p:nvSpPr>
         <p:spPr>
@@ -1757,12 +1833,12 @@
           </a:prstGeom>
         </p:spPr>
         <p:txBody>
-          <a:bodyPr anchorCtr="0" anchor="t" bIns="91425" lIns="91425" spcFirstLastPara="1" rIns="91425" wrap="square" tIns="91425">
+          <a:bodyPr spcFirstLastPara="1" wrap="square" lIns="91425" tIns="91425" rIns="91425" bIns="91425" anchor="t" anchorCtr="0">
             <a:noAutofit/>
           </a:bodyPr>
           <a:lstStyle/>
           <a:p>
-            <a:pPr indent="0" lvl="0" marL="0" rtl="0" algn="l">
+            <a:pPr marL="0" lvl="0" indent="0" algn="l" rtl="0">
               <a:spcBef>
                 <a:spcPts val="0"/>
               </a:spcBef>
@@ -1771,9 +1847,6 @@
               </a:spcAft>
               <a:buNone/>
             </a:pPr>
-            <a:r>
-              <a:t/>
-            </a:r>
             <a:endParaRPr/>
           </a:p>
         </p:txBody>
@@ -1787,11 +1860,11 @@
 </file>
 
 <file path=ppt/slideLayouts/slideLayout1.xml><?xml version="1.0" encoding="utf-8"?>
-<p:sldLayout xmlns:a="http://schemas.openxmlformats.org/drawingml/2006/main" xmlns:r="http://schemas.openxmlformats.org/officeDocument/2006/relationships" xmlns:mc="http://schemas.openxmlformats.org/markup-compatibility/2006" xmlns:mv="urn:schemas-microsoft-com:mac:vml" xmlns:p="http://schemas.openxmlformats.org/presentationml/2006/main" xmlns:c="http://schemas.openxmlformats.org/drawingml/2006/chart" xmlns:dgm="http://schemas.openxmlformats.org/drawingml/2006/diagram" xmlns:o="urn:schemas-microsoft-com:office:office" xmlns:v="urn:schemas-microsoft-com:vml" xmlns:pvml="urn:schemas-microsoft-com:office:powerpoint" xmlns:com="http://schemas.openxmlformats.org/drawingml/2006/compatibility" xmlns:p14="http://schemas.microsoft.com/office/powerpoint/2010/main" xmlns:p15="http://schemas.microsoft.com/office/powerpoint/2012/main" xmlns:ahyp="http://schemas.microsoft.com/office/drawing/2018/hyperlinkcolor" matchingName="Title slide" type="title">
+<p:sldLayout xmlns:a="http://schemas.openxmlformats.org/drawingml/2006/main" xmlns:r="http://schemas.openxmlformats.org/officeDocument/2006/relationships" xmlns:p="http://schemas.openxmlformats.org/presentationml/2006/main" matchingName="Title slide" type="title">
   <p:cSld name="TITLE">
     <p:spTree>
       <p:nvGrpSpPr>
-        <p:cNvPr id="9" name="Shape 9"/>
+        <p:cNvPr id="1" name="Shape 9"/>
         <p:cNvGrpSpPr/>
         <p:nvPr/>
       </p:nvGrpSpPr>
@@ -1806,7 +1879,9 @@
       <p:sp>
         <p:nvSpPr>
           <p:cNvPr id="10" name="Google Shape;10;p2"/>
-          <p:cNvSpPr txBox="1"/>
+          <p:cNvSpPr txBox="1">
+            <a:spLocks noGrp="1"/>
+          </p:cNvSpPr>
           <p:nvPr>
             <p:ph type="ctrTitle"/>
           </p:nvPr>
@@ -1821,7 +1896,7 @@
           </a:prstGeom>
         </p:spPr>
         <p:txBody>
-          <a:bodyPr anchorCtr="0" anchor="b" bIns="91425" lIns="91425" spcFirstLastPara="1" rIns="91425" wrap="square" tIns="91425">
+          <a:bodyPr spcFirstLastPara="1" wrap="square" lIns="91425" tIns="91425" rIns="91425" bIns="91425" anchor="b" anchorCtr="0">
             <a:normAutofit/>
           </a:bodyPr>
           <a:lstStyle>
@@ -1925,15 +2000,19 @@
               <a:defRPr sz="5200"/>
             </a:lvl9pPr>
           </a:lstStyle>
-          <a:p/>
+          <a:p>
+            <a:endParaRPr/>
+          </a:p>
         </p:txBody>
       </p:sp>
       <p:sp>
         <p:nvSpPr>
           <p:cNvPr id="11" name="Google Shape;11;p2"/>
-          <p:cNvSpPr txBox="1"/>
+          <p:cNvSpPr txBox="1">
+            <a:spLocks noGrp="1"/>
+          </p:cNvSpPr>
           <p:nvPr>
-            <p:ph idx="1" type="subTitle"/>
+            <p:ph type="subTitle" idx="1"/>
           </p:nvPr>
         </p:nvSpPr>
         <p:spPr>
@@ -1946,7 +2025,7 @@
           </a:prstGeom>
         </p:spPr>
         <p:txBody>
-          <a:bodyPr anchorCtr="0" anchor="t" bIns="91425" lIns="91425" spcFirstLastPara="1" rIns="91425" wrap="square" tIns="91425">
+          <a:bodyPr spcFirstLastPara="1" wrap="square" lIns="91425" tIns="91425" rIns="91425" bIns="91425" anchor="t" anchorCtr="0">
             <a:normAutofit/>
           </a:bodyPr>
           <a:lstStyle>
@@ -2077,15 +2156,19 @@
               <a:defRPr sz="2800"/>
             </a:lvl9pPr>
           </a:lstStyle>
-          <a:p/>
+          <a:p>
+            <a:endParaRPr/>
+          </a:p>
         </p:txBody>
       </p:sp>
       <p:sp>
         <p:nvSpPr>
           <p:cNvPr id="12" name="Google Shape;12;p2"/>
-          <p:cNvSpPr txBox="1"/>
+          <p:cNvSpPr txBox="1">
+            <a:spLocks noGrp="1"/>
+          </p:cNvSpPr>
           <p:nvPr>
-            <p:ph idx="12" type="sldNum"/>
+            <p:ph type="sldNum" idx="12"/>
           </p:nvPr>
         </p:nvSpPr>
         <p:spPr>
@@ -2098,7 +2181,7 @@
           </a:prstGeom>
         </p:spPr>
         <p:txBody>
-          <a:bodyPr anchorCtr="0" anchor="ctr" bIns="91425" lIns="91425" spcFirstLastPara="1" rIns="91425" wrap="square" tIns="91425">
+          <a:bodyPr spcFirstLastPara="1" wrap="square" lIns="91425" tIns="91425" rIns="91425" bIns="91425" anchor="ctr" anchorCtr="0">
             <a:normAutofit/>
           </a:bodyPr>
           <a:lstStyle>
@@ -2140,7 +2223,7 @@
             </a:lvl9pPr>
           </a:lstStyle>
           <a:p>
-            <a:pPr indent="0" lvl="0" marL="0" rtl="0" algn="r">
+            <a:pPr marL="0" lvl="0" indent="0" algn="r" rtl="0">
               <a:spcBef>
                 <a:spcPts val="0"/>
               </a:spcBef>
@@ -2166,11 +2249,11 @@
 </file>
 
 <file path=ppt/slideLayouts/slideLayout10.xml><?xml version="1.0" encoding="utf-8"?>
-<p:sldLayout xmlns:a="http://schemas.openxmlformats.org/drawingml/2006/main" xmlns:r="http://schemas.openxmlformats.org/officeDocument/2006/relationships" xmlns:mc="http://schemas.openxmlformats.org/markup-compatibility/2006" xmlns:mv="urn:schemas-microsoft-com:mac:vml" xmlns:p="http://schemas.openxmlformats.org/presentationml/2006/main" xmlns:c="http://schemas.openxmlformats.org/drawingml/2006/chart" xmlns:dgm="http://schemas.openxmlformats.org/drawingml/2006/diagram" xmlns:o="urn:schemas-microsoft-com:office:office" xmlns:v="urn:schemas-microsoft-com:vml" xmlns:pvml="urn:schemas-microsoft-com:office:powerpoint" xmlns:com="http://schemas.openxmlformats.org/drawingml/2006/compatibility" xmlns:p14="http://schemas.microsoft.com/office/powerpoint/2010/main" xmlns:p15="http://schemas.microsoft.com/office/powerpoint/2012/main" xmlns:ahyp="http://schemas.microsoft.com/office/drawing/2018/hyperlinkcolor" matchingName="Big number">
+<p:sldLayout xmlns:a="http://schemas.openxmlformats.org/drawingml/2006/main" xmlns:r="http://schemas.openxmlformats.org/officeDocument/2006/relationships" xmlns:p="http://schemas.openxmlformats.org/presentationml/2006/main" matchingName="Big number">
   <p:cSld name="BIG_NUMBER">
     <p:spTree>
       <p:nvGrpSpPr>
-        <p:cNvPr id="44" name="Shape 44"/>
+        <p:cNvPr id="1" name="Shape 44"/>
         <p:cNvGrpSpPr/>
         <p:nvPr/>
       </p:nvGrpSpPr>
@@ -2185,9 +2268,11 @@
       <p:sp>
         <p:nvSpPr>
           <p:cNvPr id="45" name="Google Shape;45;p11"/>
-          <p:cNvSpPr txBox="1"/>
+          <p:cNvSpPr txBox="1">
+            <a:spLocks noGrp="1"/>
+          </p:cNvSpPr>
           <p:nvPr>
-            <p:ph hasCustomPrompt="1" type="title"/>
+            <p:ph type="title" hasCustomPrompt="1"/>
           </p:nvPr>
         </p:nvSpPr>
         <p:spPr>
@@ -2200,7 +2285,7 @@
           </a:prstGeom>
         </p:spPr>
         <p:txBody>
-          <a:bodyPr anchorCtr="0" anchor="b" bIns="91425" lIns="91425" spcFirstLastPara="1" rIns="91425" wrap="square" tIns="91425">
+          <a:bodyPr spcFirstLastPara="1" wrap="square" lIns="91425" tIns="91425" rIns="91425" bIns="91425" anchor="b" anchorCtr="0">
             <a:normAutofit/>
           </a:bodyPr>
           <a:lstStyle>
@@ -2314,9 +2399,11 @@
       <p:sp>
         <p:nvSpPr>
           <p:cNvPr id="46" name="Google Shape;46;p11"/>
-          <p:cNvSpPr txBox="1"/>
+          <p:cNvSpPr txBox="1">
+            <a:spLocks noGrp="1"/>
+          </p:cNvSpPr>
           <p:nvPr>
-            <p:ph idx="1" type="body"/>
+            <p:ph type="body" idx="1"/>
           </p:nvPr>
         </p:nvSpPr>
         <p:spPr>
@@ -2329,11 +2416,11 @@
           </a:prstGeom>
         </p:spPr>
         <p:txBody>
-          <a:bodyPr anchorCtr="0" anchor="t" bIns="91425" lIns="91425" spcFirstLastPara="1" rIns="91425" wrap="square" tIns="91425">
+          <a:bodyPr spcFirstLastPara="1" wrap="square" lIns="91425" tIns="91425" rIns="91425" bIns="91425" anchor="t" anchorCtr="0">
             <a:normAutofit/>
           </a:bodyPr>
           <a:lstStyle>
-            <a:lvl1pPr indent="-342900" lvl="0" marL="457200" algn="ctr">
+            <a:lvl1pPr marL="457200" lvl="0" indent="-342900" algn="ctr">
               <a:spcBef>
                 <a:spcPts val="0"/>
               </a:spcBef>
@@ -2344,7 +2431,7 @@
               <a:buChar char="●"/>
               <a:defRPr/>
             </a:lvl1pPr>
-            <a:lvl2pPr indent="-317500" lvl="1" marL="914400" algn="ctr">
+            <a:lvl2pPr marL="914400" lvl="1" indent="-317500" algn="ctr">
               <a:spcBef>
                 <a:spcPts val="0"/>
               </a:spcBef>
@@ -2355,7 +2442,7 @@
               <a:buChar char="○"/>
               <a:defRPr/>
             </a:lvl2pPr>
-            <a:lvl3pPr indent="-317500" lvl="2" marL="1371600" algn="ctr">
+            <a:lvl3pPr marL="1371600" lvl="2" indent="-317500" algn="ctr">
               <a:spcBef>
                 <a:spcPts val="0"/>
               </a:spcBef>
@@ -2366,7 +2453,7 @@
               <a:buChar char="■"/>
               <a:defRPr/>
             </a:lvl3pPr>
-            <a:lvl4pPr indent="-317500" lvl="3" marL="1828800" algn="ctr">
+            <a:lvl4pPr marL="1828800" lvl="3" indent="-317500" algn="ctr">
               <a:spcBef>
                 <a:spcPts val="0"/>
               </a:spcBef>
@@ -2377,7 +2464,7 @@
               <a:buChar char="●"/>
               <a:defRPr/>
             </a:lvl4pPr>
-            <a:lvl5pPr indent="-317500" lvl="4" marL="2286000" algn="ctr">
+            <a:lvl5pPr marL="2286000" lvl="4" indent="-317500" algn="ctr">
               <a:spcBef>
                 <a:spcPts val="0"/>
               </a:spcBef>
@@ -2388,7 +2475,7 @@
               <a:buChar char="○"/>
               <a:defRPr/>
             </a:lvl5pPr>
-            <a:lvl6pPr indent="-317500" lvl="5" marL="2743200" algn="ctr">
+            <a:lvl6pPr marL="2743200" lvl="5" indent="-317500" algn="ctr">
               <a:spcBef>
                 <a:spcPts val="0"/>
               </a:spcBef>
@@ -2399,7 +2486,7 @@
               <a:buChar char="■"/>
               <a:defRPr/>
             </a:lvl6pPr>
-            <a:lvl7pPr indent="-317500" lvl="6" marL="3200400" algn="ctr">
+            <a:lvl7pPr marL="3200400" lvl="6" indent="-317500" algn="ctr">
               <a:spcBef>
                 <a:spcPts val="0"/>
               </a:spcBef>
@@ -2410,7 +2497,7 @@
               <a:buChar char="●"/>
               <a:defRPr/>
             </a:lvl7pPr>
-            <a:lvl8pPr indent="-317500" lvl="7" marL="3657600" algn="ctr">
+            <a:lvl8pPr marL="3657600" lvl="7" indent="-317500" algn="ctr">
               <a:spcBef>
                 <a:spcPts val="0"/>
               </a:spcBef>
@@ -2421,7 +2508,7 @@
               <a:buChar char="○"/>
               <a:defRPr/>
             </a:lvl8pPr>
-            <a:lvl9pPr indent="-317500" lvl="8" marL="4114800" algn="ctr">
+            <a:lvl9pPr marL="4114800" lvl="8" indent="-317500" algn="ctr">
               <a:spcBef>
                 <a:spcPts val="0"/>
               </a:spcBef>
@@ -2433,15 +2520,19 @@
               <a:defRPr/>
             </a:lvl9pPr>
           </a:lstStyle>
-          <a:p/>
+          <a:p>
+            <a:endParaRPr/>
+          </a:p>
         </p:txBody>
       </p:sp>
       <p:sp>
         <p:nvSpPr>
           <p:cNvPr id="47" name="Google Shape;47;p11"/>
-          <p:cNvSpPr txBox="1"/>
+          <p:cNvSpPr txBox="1">
+            <a:spLocks noGrp="1"/>
+          </p:cNvSpPr>
           <p:nvPr>
-            <p:ph idx="12" type="sldNum"/>
+            <p:ph type="sldNum" idx="12"/>
           </p:nvPr>
         </p:nvSpPr>
         <p:spPr>
@@ -2454,7 +2545,7 @@
           </a:prstGeom>
         </p:spPr>
         <p:txBody>
-          <a:bodyPr anchorCtr="0" anchor="ctr" bIns="91425" lIns="91425" spcFirstLastPara="1" rIns="91425" wrap="square" tIns="91425">
+          <a:bodyPr spcFirstLastPara="1" wrap="square" lIns="91425" tIns="91425" rIns="91425" bIns="91425" anchor="ctr" anchorCtr="0">
             <a:normAutofit/>
           </a:bodyPr>
           <a:lstStyle>
@@ -2496,7 +2587,7 @@
             </a:lvl9pPr>
           </a:lstStyle>
           <a:p>
-            <a:pPr indent="0" lvl="0" marL="0" rtl="0" algn="r">
+            <a:pPr marL="0" lvl="0" indent="0" algn="r" rtl="0">
               <a:spcBef>
                 <a:spcPts val="0"/>
               </a:spcBef>
@@ -2522,11 +2613,11 @@
 </file>
 
 <file path=ppt/slideLayouts/slideLayout11.xml><?xml version="1.0" encoding="utf-8"?>
-<p:sldLayout xmlns:a="http://schemas.openxmlformats.org/drawingml/2006/main" xmlns:r="http://schemas.openxmlformats.org/officeDocument/2006/relationships" xmlns:mc="http://schemas.openxmlformats.org/markup-compatibility/2006" xmlns:mv="urn:schemas-microsoft-com:mac:vml" xmlns:p="http://schemas.openxmlformats.org/presentationml/2006/main" xmlns:c="http://schemas.openxmlformats.org/drawingml/2006/chart" xmlns:dgm="http://schemas.openxmlformats.org/drawingml/2006/diagram" xmlns:o="urn:schemas-microsoft-com:office:office" xmlns:v="urn:schemas-microsoft-com:vml" xmlns:pvml="urn:schemas-microsoft-com:office:powerpoint" xmlns:com="http://schemas.openxmlformats.org/drawingml/2006/compatibility" xmlns:p14="http://schemas.microsoft.com/office/powerpoint/2010/main" xmlns:p15="http://schemas.microsoft.com/office/powerpoint/2012/main" xmlns:ahyp="http://schemas.microsoft.com/office/drawing/2018/hyperlinkcolor" matchingName="Blank" type="blank">
+<p:sldLayout xmlns:a="http://schemas.openxmlformats.org/drawingml/2006/main" xmlns:r="http://schemas.openxmlformats.org/officeDocument/2006/relationships" xmlns:p="http://schemas.openxmlformats.org/presentationml/2006/main" matchingName="Blank" type="blank">
   <p:cSld name="BLANK">
     <p:spTree>
       <p:nvGrpSpPr>
-        <p:cNvPr id="48" name="Shape 48"/>
+        <p:cNvPr id="1" name="Shape 48"/>
         <p:cNvGrpSpPr/>
         <p:nvPr/>
       </p:nvGrpSpPr>
@@ -2541,9 +2632,11 @@
       <p:sp>
         <p:nvSpPr>
           <p:cNvPr id="49" name="Google Shape;49;p12"/>
-          <p:cNvSpPr txBox="1"/>
+          <p:cNvSpPr txBox="1">
+            <a:spLocks noGrp="1"/>
+          </p:cNvSpPr>
           <p:nvPr>
-            <p:ph idx="12" type="sldNum"/>
+            <p:ph type="sldNum" idx="12"/>
           </p:nvPr>
         </p:nvSpPr>
         <p:spPr>
@@ -2556,7 +2649,7 @@
           </a:prstGeom>
         </p:spPr>
         <p:txBody>
-          <a:bodyPr anchorCtr="0" anchor="ctr" bIns="91425" lIns="91425" spcFirstLastPara="1" rIns="91425" wrap="square" tIns="91425">
+          <a:bodyPr spcFirstLastPara="1" wrap="square" lIns="91425" tIns="91425" rIns="91425" bIns="91425" anchor="ctr" anchorCtr="0">
             <a:normAutofit/>
           </a:bodyPr>
           <a:lstStyle>
@@ -2598,7 +2691,7 @@
             </a:lvl9pPr>
           </a:lstStyle>
           <a:p>
-            <a:pPr indent="0" lvl="0" marL="0" rtl="0" algn="r">
+            <a:pPr marL="0" lvl="0" indent="0" algn="r" rtl="0">
               <a:spcBef>
                 <a:spcPts val="0"/>
               </a:spcBef>
@@ -2624,11 +2717,11 @@
 </file>
 
 <file path=ppt/slideLayouts/slideLayout2.xml><?xml version="1.0" encoding="utf-8"?>
-<p:sldLayout xmlns:a="http://schemas.openxmlformats.org/drawingml/2006/main" xmlns:r="http://schemas.openxmlformats.org/officeDocument/2006/relationships" xmlns:mc="http://schemas.openxmlformats.org/markup-compatibility/2006" xmlns:mv="urn:schemas-microsoft-com:mac:vml" xmlns:p="http://schemas.openxmlformats.org/presentationml/2006/main" xmlns:c="http://schemas.openxmlformats.org/drawingml/2006/chart" xmlns:dgm="http://schemas.openxmlformats.org/drawingml/2006/diagram" xmlns:o="urn:schemas-microsoft-com:office:office" xmlns:v="urn:schemas-microsoft-com:vml" xmlns:pvml="urn:schemas-microsoft-com:office:powerpoint" xmlns:com="http://schemas.openxmlformats.org/drawingml/2006/compatibility" xmlns:p14="http://schemas.microsoft.com/office/powerpoint/2010/main" xmlns:p15="http://schemas.microsoft.com/office/powerpoint/2012/main" xmlns:ahyp="http://schemas.microsoft.com/office/drawing/2018/hyperlinkcolor" matchingName="Section header" type="secHead">
+<p:sldLayout xmlns:a="http://schemas.openxmlformats.org/drawingml/2006/main" xmlns:r="http://schemas.openxmlformats.org/officeDocument/2006/relationships" xmlns:p="http://schemas.openxmlformats.org/presentationml/2006/main" matchingName="Section header" type="secHead">
   <p:cSld name="SECTION_HEADER">
     <p:spTree>
       <p:nvGrpSpPr>
-        <p:cNvPr id="13" name="Shape 13"/>
+        <p:cNvPr id="1" name="Shape 13"/>
         <p:cNvGrpSpPr/>
         <p:nvPr/>
       </p:nvGrpSpPr>
@@ -2643,7 +2736,9 @@
       <p:sp>
         <p:nvSpPr>
           <p:cNvPr id="14" name="Google Shape;14;p3"/>
-          <p:cNvSpPr txBox="1"/>
+          <p:cNvSpPr txBox="1">
+            <a:spLocks noGrp="1"/>
+          </p:cNvSpPr>
           <p:nvPr>
             <p:ph type="title"/>
           </p:nvPr>
@@ -2658,7 +2753,7 @@
           </a:prstGeom>
         </p:spPr>
         <p:txBody>
-          <a:bodyPr anchorCtr="0" anchor="ctr" bIns="91425" lIns="91425" spcFirstLastPara="1" rIns="91425" wrap="square" tIns="91425">
+          <a:bodyPr spcFirstLastPara="1" wrap="square" lIns="91425" tIns="91425" rIns="91425" bIns="91425" anchor="ctr" anchorCtr="0">
             <a:normAutofit/>
           </a:bodyPr>
           <a:lstStyle>
@@ -2762,15 +2857,19 @@
               <a:defRPr sz="3600"/>
             </a:lvl9pPr>
           </a:lstStyle>
-          <a:p/>
+          <a:p>
+            <a:endParaRPr/>
+          </a:p>
         </p:txBody>
       </p:sp>
       <p:sp>
         <p:nvSpPr>
           <p:cNvPr id="15" name="Google Shape;15;p3"/>
-          <p:cNvSpPr txBox="1"/>
+          <p:cNvSpPr txBox="1">
+            <a:spLocks noGrp="1"/>
+          </p:cNvSpPr>
           <p:nvPr>
-            <p:ph idx="12" type="sldNum"/>
+            <p:ph type="sldNum" idx="12"/>
           </p:nvPr>
         </p:nvSpPr>
         <p:spPr>
@@ -2783,7 +2882,7 @@
           </a:prstGeom>
         </p:spPr>
         <p:txBody>
-          <a:bodyPr anchorCtr="0" anchor="ctr" bIns="91425" lIns="91425" spcFirstLastPara="1" rIns="91425" wrap="square" tIns="91425">
+          <a:bodyPr spcFirstLastPara="1" wrap="square" lIns="91425" tIns="91425" rIns="91425" bIns="91425" anchor="ctr" anchorCtr="0">
             <a:normAutofit/>
           </a:bodyPr>
           <a:lstStyle>
@@ -2825,7 +2924,7 @@
             </a:lvl9pPr>
           </a:lstStyle>
           <a:p>
-            <a:pPr indent="0" lvl="0" marL="0" rtl="0" algn="r">
+            <a:pPr marL="0" lvl="0" indent="0" algn="r" rtl="0">
               <a:spcBef>
                 <a:spcPts val="0"/>
               </a:spcBef>
@@ -2851,11 +2950,11 @@
 </file>
 
 <file path=ppt/slideLayouts/slideLayout3.xml><?xml version="1.0" encoding="utf-8"?>
-<p:sldLayout xmlns:a="http://schemas.openxmlformats.org/drawingml/2006/main" xmlns:r="http://schemas.openxmlformats.org/officeDocument/2006/relationships" xmlns:mc="http://schemas.openxmlformats.org/markup-compatibility/2006" xmlns:mv="urn:schemas-microsoft-com:mac:vml" xmlns:p="http://schemas.openxmlformats.org/presentationml/2006/main" xmlns:c="http://schemas.openxmlformats.org/drawingml/2006/chart" xmlns:dgm="http://schemas.openxmlformats.org/drawingml/2006/diagram" xmlns:o="urn:schemas-microsoft-com:office:office" xmlns:v="urn:schemas-microsoft-com:vml" xmlns:pvml="urn:schemas-microsoft-com:office:powerpoint" xmlns:com="http://schemas.openxmlformats.org/drawingml/2006/compatibility" xmlns:p14="http://schemas.microsoft.com/office/powerpoint/2010/main" xmlns:p15="http://schemas.microsoft.com/office/powerpoint/2012/main" xmlns:ahyp="http://schemas.microsoft.com/office/drawing/2018/hyperlinkcolor" matchingName="Title and body" type="tx">
+<p:sldLayout xmlns:a="http://schemas.openxmlformats.org/drawingml/2006/main" xmlns:r="http://schemas.openxmlformats.org/officeDocument/2006/relationships" xmlns:p="http://schemas.openxmlformats.org/presentationml/2006/main" matchingName="Title and body" type="tx">
   <p:cSld name="TITLE_AND_BODY">
     <p:spTree>
       <p:nvGrpSpPr>
-        <p:cNvPr id="16" name="Shape 16"/>
+        <p:cNvPr id="1" name="Shape 16"/>
         <p:cNvGrpSpPr/>
         <p:nvPr/>
       </p:nvGrpSpPr>
@@ -2870,7 +2969,9 @@
       <p:sp>
         <p:nvSpPr>
           <p:cNvPr id="17" name="Google Shape;17;p4"/>
-          <p:cNvSpPr txBox="1"/>
+          <p:cNvSpPr txBox="1">
+            <a:spLocks noGrp="1"/>
+          </p:cNvSpPr>
           <p:nvPr>
             <p:ph type="title"/>
           </p:nvPr>
@@ -2885,7 +2986,7 @@
           </a:prstGeom>
         </p:spPr>
         <p:txBody>
-          <a:bodyPr anchorCtr="0" anchor="t" bIns="91425" lIns="91425" spcFirstLastPara="1" rIns="91425" wrap="square" tIns="91425">
+          <a:bodyPr spcFirstLastPara="1" wrap="square" lIns="91425" tIns="91425" rIns="91425" bIns="91425" anchor="t" anchorCtr="0">
             <a:normAutofit/>
           </a:bodyPr>
           <a:lstStyle>
@@ -2989,15 +3090,19 @@
               <a:defRPr/>
             </a:lvl9pPr>
           </a:lstStyle>
-          <a:p/>
+          <a:p>
+            <a:endParaRPr/>
+          </a:p>
         </p:txBody>
       </p:sp>
       <p:sp>
         <p:nvSpPr>
           <p:cNvPr id="18" name="Google Shape;18;p4"/>
-          <p:cNvSpPr txBox="1"/>
+          <p:cNvSpPr txBox="1">
+            <a:spLocks noGrp="1"/>
+          </p:cNvSpPr>
           <p:nvPr>
-            <p:ph idx="1" type="body"/>
+            <p:ph type="body" idx="1"/>
           </p:nvPr>
         </p:nvSpPr>
         <p:spPr>
@@ -3010,11 +3115,11 @@
           </a:prstGeom>
         </p:spPr>
         <p:txBody>
-          <a:bodyPr anchorCtr="0" anchor="t" bIns="91425" lIns="91425" spcFirstLastPara="1" rIns="91425" wrap="square" tIns="91425">
+          <a:bodyPr spcFirstLastPara="1" wrap="square" lIns="91425" tIns="91425" rIns="91425" bIns="91425" anchor="t" anchorCtr="0">
             <a:normAutofit/>
           </a:bodyPr>
           <a:lstStyle>
-            <a:lvl1pPr indent="-342900" lvl="0" marL="457200">
+            <a:lvl1pPr marL="457200" lvl="0" indent="-342900">
               <a:spcBef>
                 <a:spcPts val="0"/>
               </a:spcBef>
@@ -3025,7 +3130,7 @@
               <a:buChar char="●"/>
               <a:defRPr/>
             </a:lvl1pPr>
-            <a:lvl2pPr indent="-317500" lvl="1" marL="914400">
+            <a:lvl2pPr marL="914400" lvl="1" indent="-317500">
               <a:spcBef>
                 <a:spcPts val="0"/>
               </a:spcBef>
@@ -3036,7 +3141,7 @@
               <a:buChar char="○"/>
               <a:defRPr/>
             </a:lvl2pPr>
-            <a:lvl3pPr indent="-317500" lvl="2" marL="1371600">
+            <a:lvl3pPr marL="1371600" lvl="2" indent="-317500">
               <a:spcBef>
                 <a:spcPts val="0"/>
               </a:spcBef>
@@ -3047,7 +3152,7 @@
               <a:buChar char="■"/>
               <a:defRPr/>
             </a:lvl3pPr>
-            <a:lvl4pPr indent="-317500" lvl="3" marL="1828800">
+            <a:lvl4pPr marL="1828800" lvl="3" indent="-317500">
               <a:spcBef>
                 <a:spcPts val="0"/>
               </a:spcBef>
@@ -3058,7 +3163,7 @@
               <a:buChar char="●"/>
               <a:defRPr/>
             </a:lvl4pPr>
-            <a:lvl5pPr indent="-317500" lvl="4" marL="2286000">
+            <a:lvl5pPr marL="2286000" lvl="4" indent="-317500">
               <a:spcBef>
                 <a:spcPts val="0"/>
               </a:spcBef>
@@ -3069,7 +3174,7 @@
               <a:buChar char="○"/>
               <a:defRPr/>
             </a:lvl5pPr>
-            <a:lvl6pPr indent="-317500" lvl="5" marL="2743200">
+            <a:lvl6pPr marL="2743200" lvl="5" indent="-317500">
               <a:spcBef>
                 <a:spcPts val="0"/>
               </a:spcBef>
@@ -3080,7 +3185,7 @@
               <a:buChar char="■"/>
               <a:defRPr/>
             </a:lvl6pPr>
-            <a:lvl7pPr indent="-317500" lvl="6" marL="3200400">
+            <a:lvl7pPr marL="3200400" lvl="6" indent="-317500">
               <a:spcBef>
                 <a:spcPts val="0"/>
               </a:spcBef>
@@ -3091,7 +3196,7 @@
               <a:buChar char="●"/>
               <a:defRPr/>
             </a:lvl7pPr>
-            <a:lvl8pPr indent="-317500" lvl="7" marL="3657600">
+            <a:lvl8pPr marL="3657600" lvl="7" indent="-317500">
               <a:spcBef>
                 <a:spcPts val="0"/>
               </a:spcBef>
@@ -3102,7 +3207,7 @@
               <a:buChar char="○"/>
               <a:defRPr/>
             </a:lvl8pPr>
-            <a:lvl9pPr indent="-317500" lvl="8" marL="4114800">
+            <a:lvl9pPr marL="4114800" lvl="8" indent="-317500">
               <a:spcBef>
                 <a:spcPts val="0"/>
               </a:spcBef>
@@ -3114,15 +3219,19 @@
               <a:defRPr/>
             </a:lvl9pPr>
           </a:lstStyle>
-          <a:p/>
+          <a:p>
+            <a:endParaRPr/>
+          </a:p>
         </p:txBody>
       </p:sp>
       <p:sp>
         <p:nvSpPr>
           <p:cNvPr id="19" name="Google Shape;19;p4"/>
-          <p:cNvSpPr txBox="1"/>
+          <p:cNvSpPr txBox="1">
+            <a:spLocks noGrp="1"/>
+          </p:cNvSpPr>
           <p:nvPr>
-            <p:ph idx="12" type="sldNum"/>
+            <p:ph type="sldNum" idx="12"/>
           </p:nvPr>
         </p:nvSpPr>
         <p:spPr>
@@ -3135,7 +3244,7 @@
           </a:prstGeom>
         </p:spPr>
         <p:txBody>
-          <a:bodyPr anchorCtr="0" anchor="ctr" bIns="91425" lIns="91425" spcFirstLastPara="1" rIns="91425" wrap="square" tIns="91425">
+          <a:bodyPr spcFirstLastPara="1" wrap="square" lIns="91425" tIns="91425" rIns="91425" bIns="91425" anchor="ctr" anchorCtr="0">
             <a:normAutofit/>
           </a:bodyPr>
           <a:lstStyle>
@@ -3177,7 +3286,7 @@
             </a:lvl9pPr>
           </a:lstStyle>
           <a:p>
-            <a:pPr indent="0" lvl="0" marL="0" rtl="0" algn="r">
+            <a:pPr marL="0" lvl="0" indent="0" algn="r" rtl="0">
               <a:spcBef>
                 <a:spcPts val="0"/>
               </a:spcBef>
@@ -3203,11 +3312,11 @@
 </file>
 
 <file path=ppt/slideLayouts/slideLayout4.xml><?xml version="1.0" encoding="utf-8"?>
-<p:sldLayout xmlns:a="http://schemas.openxmlformats.org/drawingml/2006/main" xmlns:r="http://schemas.openxmlformats.org/officeDocument/2006/relationships" xmlns:mc="http://schemas.openxmlformats.org/markup-compatibility/2006" xmlns:mv="urn:schemas-microsoft-com:mac:vml" xmlns:p="http://schemas.openxmlformats.org/presentationml/2006/main" xmlns:c="http://schemas.openxmlformats.org/drawingml/2006/chart" xmlns:dgm="http://schemas.openxmlformats.org/drawingml/2006/diagram" xmlns:o="urn:schemas-microsoft-com:office:office" xmlns:v="urn:schemas-microsoft-com:vml" xmlns:pvml="urn:schemas-microsoft-com:office:powerpoint" xmlns:com="http://schemas.openxmlformats.org/drawingml/2006/compatibility" xmlns:p14="http://schemas.microsoft.com/office/powerpoint/2010/main" xmlns:p15="http://schemas.microsoft.com/office/powerpoint/2012/main" xmlns:ahyp="http://schemas.microsoft.com/office/drawing/2018/hyperlinkcolor" matchingName="Title and two columns" type="twoColTx">
+<p:sldLayout xmlns:a="http://schemas.openxmlformats.org/drawingml/2006/main" xmlns:r="http://schemas.openxmlformats.org/officeDocument/2006/relationships" xmlns:p="http://schemas.openxmlformats.org/presentationml/2006/main" matchingName="Title and two columns" type="twoColTx">
   <p:cSld name="TITLE_AND_TWO_COLUMNS">
     <p:spTree>
       <p:nvGrpSpPr>
-        <p:cNvPr id="20" name="Shape 20"/>
+        <p:cNvPr id="1" name="Shape 20"/>
         <p:cNvGrpSpPr/>
         <p:nvPr/>
       </p:nvGrpSpPr>
@@ -3222,7 +3331,9 @@
       <p:sp>
         <p:nvSpPr>
           <p:cNvPr id="21" name="Google Shape;21;p5"/>
-          <p:cNvSpPr txBox="1"/>
+          <p:cNvSpPr txBox="1">
+            <a:spLocks noGrp="1"/>
+          </p:cNvSpPr>
           <p:nvPr>
             <p:ph type="title"/>
           </p:nvPr>
@@ -3237,7 +3348,7 @@
           </a:prstGeom>
         </p:spPr>
         <p:txBody>
-          <a:bodyPr anchorCtr="0" anchor="t" bIns="91425" lIns="91425" spcFirstLastPara="1" rIns="91425" wrap="square" tIns="91425">
+          <a:bodyPr spcFirstLastPara="1" wrap="square" lIns="91425" tIns="91425" rIns="91425" bIns="91425" anchor="t" anchorCtr="0">
             <a:normAutofit/>
           </a:bodyPr>
           <a:lstStyle>
@@ -3341,15 +3452,19 @@
               <a:defRPr/>
             </a:lvl9pPr>
           </a:lstStyle>
-          <a:p/>
+          <a:p>
+            <a:endParaRPr/>
+          </a:p>
         </p:txBody>
       </p:sp>
       <p:sp>
         <p:nvSpPr>
           <p:cNvPr id="22" name="Google Shape;22;p5"/>
-          <p:cNvSpPr txBox="1"/>
+          <p:cNvSpPr txBox="1">
+            <a:spLocks noGrp="1"/>
+          </p:cNvSpPr>
           <p:nvPr>
-            <p:ph idx="1" type="body"/>
+            <p:ph type="body" idx="1"/>
           </p:nvPr>
         </p:nvSpPr>
         <p:spPr>
@@ -3362,11 +3477,11 @@
           </a:prstGeom>
         </p:spPr>
         <p:txBody>
-          <a:bodyPr anchorCtr="0" anchor="t" bIns="91425" lIns="91425" spcFirstLastPara="1" rIns="91425" wrap="square" tIns="91425">
+          <a:bodyPr spcFirstLastPara="1" wrap="square" lIns="91425" tIns="91425" rIns="91425" bIns="91425" anchor="t" anchorCtr="0">
             <a:normAutofit/>
           </a:bodyPr>
           <a:lstStyle>
-            <a:lvl1pPr indent="-317500" lvl="0" marL="457200">
+            <a:lvl1pPr marL="457200" lvl="0" indent="-317500">
               <a:spcBef>
                 <a:spcPts val="0"/>
               </a:spcBef>
@@ -3377,7 +3492,7 @@
               <a:buChar char="●"/>
               <a:defRPr sz="1400"/>
             </a:lvl1pPr>
-            <a:lvl2pPr indent="-304800" lvl="1" marL="914400">
+            <a:lvl2pPr marL="914400" lvl="1" indent="-304800">
               <a:spcBef>
                 <a:spcPts val="0"/>
               </a:spcBef>
@@ -3388,7 +3503,7 @@
               <a:buChar char="○"/>
               <a:defRPr sz="1200"/>
             </a:lvl2pPr>
-            <a:lvl3pPr indent="-304800" lvl="2" marL="1371600">
+            <a:lvl3pPr marL="1371600" lvl="2" indent="-304800">
               <a:spcBef>
                 <a:spcPts val="0"/>
               </a:spcBef>
@@ -3399,7 +3514,7 @@
               <a:buChar char="■"/>
               <a:defRPr sz="1200"/>
             </a:lvl3pPr>
-            <a:lvl4pPr indent="-304800" lvl="3" marL="1828800">
+            <a:lvl4pPr marL="1828800" lvl="3" indent="-304800">
               <a:spcBef>
                 <a:spcPts val="0"/>
               </a:spcBef>
@@ -3410,7 +3525,7 @@
               <a:buChar char="●"/>
               <a:defRPr sz="1200"/>
             </a:lvl4pPr>
-            <a:lvl5pPr indent="-304800" lvl="4" marL="2286000">
+            <a:lvl5pPr marL="2286000" lvl="4" indent="-304800">
               <a:spcBef>
                 <a:spcPts val="0"/>
               </a:spcBef>
@@ -3421,7 +3536,7 @@
               <a:buChar char="○"/>
               <a:defRPr sz="1200"/>
             </a:lvl5pPr>
-            <a:lvl6pPr indent="-304800" lvl="5" marL="2743200">
+            <a:lvl6pPr marL="2743200" lvl="5" indent="-304800">
               <a:spcBef>
                 <a:spcPts val="0"/>
               </a:spcBef>
@@ -3432,7 +3547,7 @@
               <a:buChar char="■"/>
               <a:defRPr sz="1200"/>
             </a:lvl6pPr>
-            <a:lvl7pPr indent="-304800" lvl="6" marL="3200400">
+            <a:lvl7pPr marL="3200400" lvl="6" indent="-304800">
               <a:spcBef>
                 <a:spcPts val="0"/>
               </a:spcBef>
@@ -3443,7 +3558,7 @@
               <a:buChar char="●"/>
               <a:defRPr sz="1200"/>
             </a:lvl7pPr>
-            <a:lvl8pPr indent="-304800" lvl="7" marL="3657600">
+            <a:lvl8pPr marL="3657600" lvl="7" indent="-304800">
               <a:spcBef>
                 <a:spcPts val="0"/>
               </a:spcBef>
@@ -3454,7 +3569,7 @@
               <a:buChar char="○"/>
               <a:defRPr sz="1200"/>
             </a:lvl8pPr>
-            <a:lvl9pPr indent="-304800" lvl="8" marL="4114800">
+            <a:lvl9pPr marL="4114800" lvl="8" indent="-304800">
               <a:spcBef>
                 <a:spcPts val="0"/>
               </a:spcBef>
@@ -3466,15 +3581,19 @@
               <a:defRPr sz="1200"/>
             </a:lvl9pPr>
           </a:lstStyle>
-          <a:p/>
+          <a:p>
+            <a:endParaRPr/>
+          </a:p>
         </p:txBody>
       </p:sp>
       <p:sp>
         <p:nvSpPr>
           <p:cNvPr id="23" name="Google Shape;23;p5"/>
-          <p:cNvSpPr txBox="1"/>
+          <p:cNvSpPr txBox="1">
+            <a:spLocks noGrp="1"/>
+          </p:cNvSpPr>
           <p:nvPr>
-            <p:ph idx="2" type="body"/>
+            <p:ph type="body" idx="2"/>
           </p:nvPr>
         </p:nvSpPr>
         <p:spPr>
@@ -3487,11 +3606,11 @@
           </a:prstGeom>
         </p:spPr>
         <p:txBody>
-          <a:bodyPr anchorCtr="0" anchor="t" bIns="91425" lIns="91425" spcFirstLastPara="1" rIns="91425" wrap="square" tIns="91425">
+          <a:bodyPr spcFirstLastPara="1" wrap="square" lIns="91425" tIns="91425" rIns="91425" bIns="91425" anchor="t" anchorCtr="0">
             <a:normAutofit/>
           </a:bodyPr>
           <a:lstStyle>
-            <a:lvl1pPr indent="-317500" lvl="0" marL="457200">
+            <a:lvl1pPr marL="457200" lvl="0" indent="-317500">
               <a:spcBef>
                 <a:spcPts val="0"/>
               </a:spcBef>
@@ -3502,7 +3621,7 @@
               <a:buChar char="●"/>
               <a:defRPr sz="1400"/>
             </a:lvl1pPr>
-            <a:lvl2pPr indent="-304800" lvl="1" marL="914400">
+            <a:lvl2pPr marL="914400" lvl="1" indent="-304800">
               <a:spcBef>
                 <a:spcPts val="0"/>
               </a:spcBef>
@@ -3513,7 +3632,7 @@
               <a:buChar char="○"/>
               <a:defRPr sz="1200"/>
             </a:lvl2pPr>
-            <a:lvl3pPr indent="-304800" lvl="2" marL="1371600">
+            <a:lvl3pPr marL="1371600" lvl="2" indent="-304800">
               <a:spcBef>
                 <a:spcPts val="0"/>
               </a:spcBef>
@@ -3524,7 +3643,7 @@
               <a:buChar char="■"/>
               <a:defRPr sz="1200"/>
             </a:lvl3pPr>
-            <a:lvl4pPr indent="-304800" lvl="3" marL="1828800">
+            <a:lvl4pPr marL="1828800" lvl="3" indent="-304800">
               <a:spcBef>
                 <a:spcPts val="0"/>
               </a:spcBef>
@@ -3535,7 +3654,7 @@
               <a:buChar char="●"/>
               <a:defRPr sz="1200"/>
             </a:lvl4pPr>
-            <a:lvl5pPr indent="-304800" lvl="4" marL="2286000">
+            <a:lvl5pPr marL="2286000" lvl="4" indent="-304800">
               <a:spcBef>
                 <a:spcPts val="0"/>
               </a:spcBef>
@@ -3546,7 +3665,7 @@
               <a:buChar char="○"/>
               <a:defRPr sz="1200"/>
             </a:lvl5pPr>
-            <a:lvl6pPr indent="-304800" lvl="5" marL="2743200">
+            <a:lvl6pPr marL="2743200" lvl="5" indent="-304800">
               <a:spcBef>
                 <a:spcPts val="0"/>
               </a:spcBef>
@@ -3557,7 +3676,7 @@
               <a:buChar char="■"/>
               <a:defRPr sz="1200"/>
             </a:lvl6pPr>
-            <a:lvl7pPr indent="-304800" lvl="6" marL="3200400">
+            <a:lvl7pPr marL="3200400" lvl="6" indent="-304800">
               <a:spcBef>
                 <a:spcPts val="0"/>
               </a:spcBef>
@@ -3568,7 +3687,7 @@
               <a:buChar char="●"/>
               <a:defRPr sz="1200"/>
             </a:lvl7pPr>
-            <a:lvl8pPr indent="-304800" lvl="7" marL="3657600">
+            <a:lvl8pPr marL="3657600" lvl="7" indent="-304800">
               <a:spcBef>
                 <a:spcPts val="0"/>
               </a:spcBef>
@@ -3579,7 +3698,7 @@
               <a:buChar char="○"/>
               <a:defRPr sz="1200"/>
             </a:lvl8pPr>
-            <a:lvl9pPr indent="-304800" lvl="8" marL="4114800">
+            <a:lvl9pPr marL="4114800" lvl="8" indent="-304800">
               <a:spcBef>
                 <a:spcPts val="0"/>
               </a:spcBef>
@@ -3591,15 +3710,19 @@
               <a:defRPr sz="1200"/>
             </a:lvl9pPr>
           </a:lstStyle>
-          <a:p/>
+          <a:p>
+            <a:endParaRPr/>
+          </a:p>
         </p:txBody>
       </p:sp>
       <p:sp>
         <p:nvSpPr>
           <p:cNvPr id="24" name="Google Shape;24;p5"/>
-          <p:cNvSpPr txBox="1"/>
+          <p:cNvSpPr txBox="1">
+            <a:spLocks noGrp="1"/>
+          </p:cNvSpPr>
           <p:nvPr>
-            <p:ph idx="12" type="sldNum"/>
+            <p:ph type="sldNum" idx="12"/>
           </p:nvPr>
         </p:nvSpPr>
         <p:spPr>
@@ -3612,7 +3735,7 @@
           </a:prstGeom>
         </p:spPr>
         <p:txBody>
-          <a:bodyPr anchorCtr="0" anchor="ctr" bIns="91425" lIns="91425" spcFirstLastPara="1" rIns="91425" wrap="square" tIns="91425">
+          <a:bodyPr spcFirstLastPara="1" wrap="square" lIns="91425" tIns="91425" rIns="91425" bIns="91425" anchor="ctr" anchorCtr="0">
             <a:normAutofit/>
           </a:bodyPr>
           <a:lstStyle>
@@ -3654,7 +3777,7 @@
             </a:lvl9pPr>
           </a:lstStyle>
           <a:p>
-            <a:pPr indent="0" lvl="0" marL="0" rtl="0" algn="r">
+            <a:pPr marL="0" lvl="0" indent="0" algn="r" rtl="0">
               <a:spcBef>
                 <a:spcPts val="0"/>
               </a:spcBef>
@@ -3680,11 +3803,11 @@
 </file>
 
 <file path=ppt/slideLayouts/slideLayout5.xml><?xml version="1.0" encoding="utf-8"?>
-<p:sldLayout xmlns:a="http://schemas.openxmlformats.org/drawingml/2006/main" xmlns:r="http://schemas.openxmlformats.org/officeDocument/2006/relationships" xmlns:mc="http://schemas.openxmlformats.org/markup-compatibility/2006" xmlns:mv="urn:schemas-microsoft-com:mac:vml" xmlns:p="http://schemas.openxmlformats.org/presentationml/2006/main" xmlns:c="http://schemas.openxmlformats.org/drawingml/2006/chart" xmlns:dgm="http://schemas.openxmlformats.org/drawingml/2006/diagram" xmlns:o="urn:schemas-microsoft-com:office:office" xmlns:v="urn:schemas-microsoft-com:vml" xmlns:pvml="urn:schemas-microsoft-com:office:powerpoint" xmlns:com="http://schemas.openxmlformats.org/drawingml/2006/compatibility" xmlns:p14="http://schemas.microsoft.com/office/powerpoint/2010/main" xmlns:p15="http://schemas.microsoft.com/office/powerpoint/2012/main" xmlns:ahyp="http://schemas.microsoft.com/office/drawing/2018/hyperlinkcolor" matchingName="Title only" type="titleOnly">
+<p:sldLayout xmlns:a="http://schemas.openxmlformats.org/drawingml/2006/main" xmlns:r="http://schemas.openxmlformats.org/officeDocument/2006/relationships" xmlns:p="http://schemas.openxmlformats.org/presentationml/2006/main" matchingName="Title only" type="titleOnly">
   <p:cSld name="TITLE_ONLY">
     <p:spTree>
       <p:nvGrpSpPr>
-        <p:cNvPr id="25" name="Shape 25"/>
+        <p:cNvPr id="1" name="Shape 25"/>
         <p:cNvGrpSpPr/>
         <p:nvPr/>
       </p:nvGrpSpPr>
@@ -3699,7 +3822,9 @@
       <p:sp>
         <p:nvSpPr>
           <p:cNvPr id="26" name="Google Shape;26;p6"/>
-          <p:cNvSpPr txBox="1"/>
+          <p:cNvSpPr txBox="1">
+            <a:spLocks noGrp="1"/>
+          </p:cNvSpPr>
           <p:nvPr>
             <p:ph type="title"/>
           </p:nvPr>
@@ -3714,7 +3839,7 @@
           </a:prstGeom>
         </p:spPr>
         <p:txBody>
-          <a:bodyPr anchorCtr="0" anchor="t" bIns="91425" lIns="91425" spcFirstLastPara="1" rIns="91425" wrap="square" tIns="91425">
+          <a:bodyPr spcFirstLastPara="1" wrap="square" lIns="91425" tIns="91425" rIns="91425" bIns="91425" anchor="t" anchorCtr="0">
             <a:normAutofit/>
           </a:bodyPr>
           <a:lstStyle>
@@ -3818,15 +3943,19 @@
               <a:defRPr/>
             </a:lvl9pPr>
           </a:lstStyle>
-          <a:p/>
+          <a:p>
+            <a:endParaRPr/>
+          </a:p>
         </p:txBody>
       </p:sp>
       <p:sp>
         <p:nvSpPr>
           <p:cNvPr id="27" name="Google Shape;27;p6"/>
-          <p:cNvSpPr txBox="1"/>
+          <p:cNvSpPr txBox="1">
+            <a:spLocks noGrp="1"/>
+          </p:cNvSpPr>
           <p:nvPr>
-            <p:ph idx="12" type="sldNum"/>
+            <p:ph type="sldNum" idx="12"/>
           </p:nvPr>
         </p:nvSpPr>
         <p:spPr>
@@ -3839,7 +3968,7 @@
           </a:prstGeom>
         </p:spPr>
         <p:txBody>
-          <a:bodyPr anchorCtr="0" anchor="ctr" bIns="91425" lIns="91425" spcFirstLastPara="1" rIns="91425" wrap="square" tIns="91425">
+          <a:bodyPr spcFirstLastPara="1" wrap="square" lIns="91425" tIns="91425" rIns="91425" bIns="91425" anchor="ctr" anchorCtr="0">
             <a:normAutofit/>
           </a:bodyPr>
           <a:lstStyle>
@@ -3881,7 +4010,7 @@
             </a:lvl9pPr>
           </a:lstStyle>
           <a:p>
-            <a:pPr indent="0" lvl="0" marL="0" rtl="0" algn="r">
+            <a:pPr marL="0" lvl="0" indent="0" algn="r" rtl="0">
               <a:spcBef>
                 <a:spcPts val="0"/>
               </a:spcBef>
@@ -3907,11 +4036,11 @@
 </file>
 
 <file path=ppt/slideLayouts/slideLayout6.xml><?xml version="1.0" encoding="utf-8"?>
-<p:sldLayout xmlns:a="http://schemas.openxmlformats.org/drawingml/2006/main" xmlns:r="http://schemas.openxmlformats.org/officeDocument/2006/relationships" xmlns:mc="http://schemas.openxmlformats.org/markup-compatibility/2006" xmlns:mv="urn:schemas-microsoft-com:mac:vml" xmlns:p="http://schemas.openxmlformats.org/presentationml/2006/main" xmlns:c="http://schemas.openxmlformats.org/drawingml/2006/chart" xmlns:dgm="http://schemas.openxmlformats.org/drawingml/2006/diagram" xmlns:o="urn:schemas-microsoft-com:office:office" xmlns:v="urn:schemas-microsoft-com:vml" xmlns:pvml="urn:schemas-microsoft-com:office:powerpoint" xmlns:com="http://schemas.openxmlformats.org/drawingml/2006/compatibility" xmlns:p14="http://schemas.microsoft.com/office/powerpoint/2010/main" xmlns:p15="http://schemas.microsoft.com/office/powerpoint/2012/main" xmlns:ahyp="http://schemas.microsoft.com/office/drawing/2018/hyperlinkcolor" matchingName="One column text">
+<p:sldLayout xmlns:a="http://schemas.openxmlformats.org/drawingml/2006/main" xmlns:r="http://schemas.openxmlformats.org/officeDocument/2006/relationships" xmlns:p="http://schemas.openxmlformats.org/presentationml/2006/main" matchingName="One column text">
   <p:cSld name="ONE_COLUMN_TEXT">
     <p:spTree>
       <p:nvGrpSpPr>
-        <p:cNvPr id="28" name="Shape 28"/>
+        <p:cNvPr id="1" name="Shape 28"/>
         <p:cNvGrpSpPr/>
         <p:nvPr/>
       </p:nvGrpSpPr>
@@ -3926,7 +4055,9 @@
       <p:sp>
         <p:nvSpPr>
           <p:cNvPr id="29" name="Google Shape;29;p7"/>
-          <p:cNvSpPr txBox="1"/>
+          <p:cNvSpPr txBox="1">
+            <a:spLocks noGrp="1"/>
+          </p:cNvSpPr>
           <p:nvPr>
             <p:ph type="title"/>
           </p:nvPr>
@@ -3941,7 +4072,7 @@
           </a:prstGeom>
         </p:spPr>
         <p:txBody>
-          <a:bodyPr anchorCtr="0" anchor="b" bIns="91425" lIns="91425" spcFirstLastPara="1" rIns="91425" wrap="square" tIns="91425">
+          <a:bodyPr spcFirstLastPara="1" wrap="square" lIns="91425" tIns="91425" rIns="91425" bIns="91425" anchor="b" anchorCtr="0">
             <a:normAutofit/>
           </a:bodyPr>
           <a:lstStyle>
@@ -4045,15 +4176,19 @@
               <a:defRPr sz="2400"/>
             </a:lvl9pPr>
           </a:lstStyle>
-          <a:p/>
+          <a:p>
+            <a:endParaRPr/>
+          </a:p>
         </p:txBody>
       </p:sp>
       <p:sp>
         <p:nvSpPr>
           <p:cNvPr id="30" name="Google Shape;30;p7"/>
-          <p:cNvSpPr txBox="1"/>
+          <p:cNvSpPr txBox="1">
+            <a:spLocks noGrp="1"/>
+          </p:cNvSpPr>
           <p:nvPr>
-            <p:ph idx="1" type="body"/>
+            <p:ph type="body" idx="1"/>
           </p:nvPr>
         </p:nvSpPr>
         <p:spPr>
@@ -4066,11 +4201,11 @@
           </a:prstGeom>
         </p:spPr>
         <p:txBody>
-          <a:bodyPr anchorCtr="0" anchor="t" bIns="91425" lIns="91425" spcFirstLastPara="1" rIns="91425" wrap="square" tIns="91425">
+          <a:bodyPr spcFirstLastPara="1" wrap="square" lIns="91425" tIns="91425" rIns="91425" bIns="91425" anchor="t" anchorCtr="0">
             <a:normAutofit/>
           </a:bodyPr>
           <a:lstStyle>
-            <a:lvl1pPr indent="-304800" lvl="0" marL="457200">
+            <a:lvl1pPr marL="457200" lvl="0" indent="-304800">
               <a:spcBef>
                 <a:spcPts val="0"/>
               </a:spcBef>
@@ -4081,7 +4216,7 @@
               <a:buChar char="●"/>
               <a:defRPr sz="1200"/>
             </a:lvl1pPr>
-            <a:lvl2pPr indent="-304800" lvl="1" marL="914400">
+            <a:lvl2pPr marL="914400" lvl="1" indent="-304800">
               <a:spcBef>
                 <a:spcPts val="0"/>
               </a:spcBef>
@@ -4092,7 +4227,7 @@
               <a:buChar char="○"/>
               <a:defRPr sz="1200"/>
             </a:lvl2pPr>
-            <a:lvl3pPr indent="-304800" lvl="2" marL="1371600">
+            <a:lvl3pPr marL="1371600" lvl="2" indent="-304800">
               <a:spcBef>
                 <a:spcPts val="0"/>
               </a:spcBef>
@@ -4103,7 +4238,7 @@
               <a:buChar char="■"/>
               <a:defRPr sz="1200"/>
             </a:lvl3pPr>
-            <a:lvl4pPr indent="-304800" lvl="3" marL="1828800">
+            <a:lvl4pPr marL="1828800" lvl="3" indent="-304800">
               <a:spcBef>
                 <a:spcPts val="0"/>
               </a:spcBef>
@@ -4114,7 +4249,7 @@
               <a:buChar char="●"/>
               <a:defRPr sz="1200"/>
             </a:lvl4pPr>
-            <a:lvl5pPr indent="-304800" lvl="4" marL="2286000">
+            <a:lvl5pPr marL="2286000" lvl="4" indent="-304800">
               <a:spcBef>
                 <a:spcPts val="0"/>
               </a:spcBef>
@@ -4125,7 +4260,7 @@
               <a:buChar char="○"/>
               <a:defRPr sz="1200"/>
             </a:lvl5pPr>
-            <a:lvl6pPr indent="-304800" lvl="5" marL="2743200">
+            <a:lvl6pPr marL="2743200" lvl="5" indent="-304800">
               <a:spcBef>
                 <a:spcPts val="0"/>
               </a:spcBef>
@@ -4136,7 +4271,7 @@
               <a:buChar char="■"/>
               <a:defRPr sz="1200"/>
             </a:lvl6pPr>
-            <a:lvl7pPr indent="-304800" lvl="6" marL="3200400">
+            <a:lvl7pPr marL="3200400" lvl="6" indent="-304800">
               <a:spcBef>
                 <a:spcPts val="0"/>
               </a:spcBef>
@@ -4147,7 +4282,7 @@
               <a:buChar char="●"/>
               <a:defRPr sz="1200"/>
             </a:lvl7pPr>
-            <a:lvl8pPr indent="-304800" lvl="7" marL="3657600">
+            <a:lvl8pPr marL="3657600" lvl="7" indent="-304800">
               <a:spcBef>
                 <a:spcPts val="0"/>
               </a:spcBef>
@@ -4158,7 +4293,7 @@
               <a:buChar char="○"/>
               <a:defRPr sz="1200"/>
             </a:lvl8pPr>
-            <a:lvl9pPr indent="-304800" lvl="8" marL="4114800">
+            <a:lvl9pPr marL="4114800" lvl="8" indent="-304800">
               <a:spcBef>
                 <a:spcPts val="0"/>
               </a:spcBef>
@@ -4170,15 +4305,19 @@
               <a:defRPr sz="1200"/>
             </a:lvl9pPr>
           </a:lstStyle>
-          <a:p/>
+          <a:p>
+            <a:endParaRPr/>
+          </a:p>
         </p:txBody>
       </p:sp>
       <p:sp>
         <p:nvSpPr>
           <p:cNvPr id="31" name="Google Shape;31;p7"/>
-          <p:cNvSpPr txBox="1"/>
+          <p:cNvSpPr txBox="1">
+            <a:spLocks noGrp="1"/>
+          </p:cNvSpPr>
           <p:nvPr>
-            <p:ph idx="12" type="sldNum"/>
+            <p:ph type="sldNum" idx="12"/>
           </p:nvPr>
         </p:nvSpPr>
         <p:spPr>
@@ -4191,7 +4330,7 @@
           </a:prstGeom>
         </p:spPr>
         <p:txBody>
-          <a:bodyPr anchorCtr="0" anchor="ctr" bIns="91425" lIns="91425" spcFirstLastPara="1" rIns="91425" wrap="square" tIns="91425">
+          <a:bodyPr spcFirstLastPara="1" wrap="square" lIns="91425" tIns="91425" rIns="91425" bIns="91425" anchor="ctr" anchorCtr="0">
             <a:normAutofit/>
           </a:bodyPr>
           <a:lstStyle>
@@ -4233,7 +4372,7 @@
             </a:lvl9pPr>
           </a:lstStyle>
           <a:p>
-            <a:pPr indent="0" lvl="0" marL="0" rtl="0" algn="r">
+            <a:pPr marL="0" lvl="0" indent="0" algn="r" rtl="0">
               <a:spcBef>
                 <a:spcPts val="0"/>
               </a:spcBef>
@@ -4259,11 +4398,11 @@
 </file>
 
 <file path=ppt/slideLayouts/slideLayout7.xml><?xml version="1.0" encoding="utf-8"?>
-<p:sldLayout xmlns:a="http://schemas.openxmlformats.org/drawingml/2006/main" xmlns:r="http://schemas.openxmlformats.org/officeDocument/2006/relationships" xmlns:mc="http://schemas.openxmlformats.org/markup-compatibility/2006" xmlns:mv="urn:schemas-microsoft-com:mac:vml" xmlns:p="http://schemas.openxmlformats.org/presentationml/2006/main" xmlns:c="http://schemas.openxmlformats.org/drawingml/2006/chart" xmlns:dgm="http://schemas.openxmlformats.org/drawingml/2006/diagram" xmlns:o="urn:schemas-microsoft-com:office:office" xmlns:v="urn:schemas-microsoft-com:vml" xmlns:pvml="urn:schemas-microsoft-com:office:powerpoint" xmlns:com="http://schemas.openxmlformats.org/drawingml/2006/compatibility" xmlns:p14="http://schemas.microsoft.com/office/powerpoint/2010/main" xmlns:p15="http://schemas.microsoft.com/office/powerpoint/2012/main" xmlns:ahyp="http://schemas.microsoft.com/office/drawing/2018/hyperlinkcolor" matchingName="Main point">
+<p:sldLayout xmlns:a="http://schemas.openxmlformats.org/drawingml/2006/main" xmlns:r="http://schemas.openxmlformats.org/officeDocument/2006/relationships" xmlns:p="http://schemas.openxmlformats.org/presentationml/2006/main" matchingName="Main point">
   <p:cSld name="MAIN_POINT">
     <p:spTree>
       <p:nvGrpSpPr>
-        <p:cNvPr id="32" name="Shape 32"/>
+        <p:cNvPr id="1" name="Shape 32"/>
         <p:cNvGrpSpPr/>
         <p:nvPr/>
       </p:nvGrpSpPr>
@@ -4278,7 +4417,9 @@
       <p:sp>
         <p:nvSpPr>
           <p:cNvPr id="33" name="Google Shape;33;p8"/>
-          <p:cNvSpPr txBox="1"/>
+          <p:cNvSpPr txBox="1">
+            <a:spLocks noGrp="1"/>
+          </p:cNvSpPr>
           <p:nvPr>
             <p:ph type="title"/>
           </p:nvPr>
@@ -4293,7 +4434,7 @@
           </a:prstGeom>
         </p:spPr>
         <p:txBody>
-          <a:bodyPr anchorCtr="0" anchor="ctr" bIns="91425" lIns="91425" spcFirstLastPara="1" rIns="91425" wrap="square" tIns="91425">
+          <a:bodyPr spcFirstLastPara="1" wrap="square" lIns="91425" tIns="91425" rIns="91425" bIns="91425" anchor="ctr" anchorCtr="0">
             <a:normAutofit/>
           </a:bodyPr>
           <a:lstStyle>
@@ -4397,15 +4538,19 @@
               <a:defRPr sz="4800"/>
             </a:lvl9pPr>
           </a:lstStyle>
-          <a:p/>
+          <a:p>
+            <a:endParaRPr/>
+          </a:p>
         </p:txBody>
       </p:sp>
       <p:sp>
         <p:nvSpPr>
           <p:cNvPr id="34" name="Google Shape;34;p8"/>
-          <p:cNvSpPr txBox="1"/>
+          <p:cNvSpPr txBox="1">
+            <a:spLocks noGrp="1"/>
+          </p:cNvSpPr>
           <p:nvPr>
-            <p:ph idx="12" type="sldNum"/>
+            <p:ph type="sldNum" idx="12"/>
           </p:nvPr>
         </p:nvSpPr>
         <p:spPr>
@@ -4418,7 +4563,7 @@
           </a:prstGeom>
         </p:spPr>
         <p:txBody>
-          <a:bodyPr anchorCtr="0" anchor="ctr" bIns="91425" lIns="91425" spcFirstLastPara="1" rIns="91425" wrap="square" tIns="91425">
+          <a:bodyPr spcFirstLastPara="1" wrap="square" lIns="91425" tIns="91425" rIns="91425" bIns="91425" anchor="ctr" anchorCtr="0">
             <a:normAutofit/>
           </a:bodyPr>
           <a:lstStyle>
@@ -4460,7 +4605,7 @@
             </a:lvl9pPr>
           </a:lstStyle>
           <a:p>
-            <a:pPr indent="0" lvl="0" marL="0" rtl="0" algn="r">
+            <a:pPr marL="0" lvl="0" indent="0" algn="r" rtl="0">
               <a:spcBef>
                 <a:spcPts val="0"/>
               </a:spcBef>
@@ -4486,11 +4631,11 @@
 </file>
 
 <file path=ppt/slideLayouts/slideLayout8.xml><?xml version="1.0" encoding="utf-8"?>
-<p:sldLayout xmlns:a="http://schemas.openxmlformats.org/drawingml/2006/main" xmlns:r="http://schemas.openxmlformats.org/officeDocument/2006/relationships" xmlns:mc="http://schemas.openxmlformats.org/markup-compatibility/2006" xmlns:mv="urn:schemas-microsoft-com:mac:vml" xmlns:p="http://schemas.openxmlformats.org/presentationml/2006/main" xmlns:c="http://schemas.openxmlformats.org/drawingml/2006/chart" xmlns:dgm="http://schemas.openxmlformats.org/drawingml/2006/diagram" xmlns:o="urn:schemas-microsoft-com:office:office" xmlns:v="urn:schemas-microsoft-com:vml" xmlns:pvml="urn:schemas-microsoft-com:office:powerpoint" xmlns:com="http://schemas.openxmlformats.org/drawingml/2006/compatibility" xmlns:p14="http://schemas.microsoft.com/office/powerpoint/2010/main" xmlns:p15="http://schemas.microsoft.com/office/powerpoint/2012/main" xmlns:ahyp="http://schemas.microsoft.com/office/drawing/2018/hyperlinkcolor" matchingName="Section title and description">
+<p:sldLayout xmlns:a="http://schemas.openxmlformats.org/drawingml/2006/main" xmlns:r="http://schemas.openxmlformats.org/officeDocument/2006/relationships" xmlns:p="http://schemas.openxmlformats.org/presentationml/2006/main" matchingName="Section title and description">
   <p:cSld name="SECTION_TITLE_AND_DESCRIPTION">
     <p:spTree>
       <p:nvGrpSpPr>
-        <p:cNvPr id="35" name="Shape 35"/>
+        <p:cNvPr id="1" name="Shape 35"/>
         <p:cNvGrpSpPr/>
         <p:nvPr/>
       </p:nvGrpSpPr>
@@ -4524,12 +4669,12 @@
           </a:ln>
         </p:spPr>
         <p:txBody>
-          <a:bodyPr anchorCtr="0" anchor="ctr" bIns="91425" lIns="91425" spcFirstLastPara="1" rIns="91425" wrap="square" tIns="91425">
+          <a:bodyPr spcFirstLastPara="1" wrap="square" lIns="91425" tIns="91425" rIns="91425" bIns="91425" anchor="ctr" anchorCtr="0">
             <a:noAutofit/>
           </a:bodyPr>
           <a:lstStyle/>
           <a:p>
-            <a:pPr indent="0" lvl="0" marL="0" rtl="0" algn="l">
+            <a:pPr marL="0" lvl="0" indent="0" algn="l" rtl="0">
               <a:spcBef>
                 <a:spcPts val="0"/>
               </a:spcBef>
@@ -4538,9 +4683,6 @@
               </a:spcAft>
               <a:buNone/>
             </a:pPr>
-            <a:r>
-              <a:t/>
-            </a:r>
             <a:endParaRPr/>
           </a:p>
         </p:txBody>
@@ -4548,7 +4690,9 @@
       <p:sp>
         <p:nvSpPr>
           <p:cNvPr id="37" name="Google Shape;37;p9"/>
-          <p:cNvSpPr txBox="1"/>
+          <p:cNvSpPr txBox="1">
+            <a:spLocks noGrp="1"/>
+          </p:cNvSpPr>
           <p:nvPr>
             <p:ph type="title"/>
           </p:nvPr>
@@ -4563,7 +4707,7 @@
           </a:prstGeom>
         </p:spPr>
         <p:txBody>
-          <a:bodyPr anchorCtr="0" anchor="b" bIns="91425" lIns="91425" spcFirstLastPara="1" rIns="91425" wrap="square" tIns="91425">
+          <a:bodyPr spcFirstLastPara="1" wrap="square" lIns="91425" tIns="91425" rIns="91425" bIns="91425" anchor="b" anchorCtr="0">
             <a:normAutofit/>
           </a:bodyPr>
           <a:lstStyle>
@@ -4667,15 +4811,19 @@
               <a:defRPr sz="4200"/>
             </a:lvl9pPr>
           </a:lstStyle>
-          <a:p/>
+          <a:p>
+            <a:endParaRPr/>
+          </a:p>
         </p:txBody>
       </p:sp>
       <p:sp>
         <p:nvSpPr>
           <p:cNvPr id="38" name="Google Shape;38;p9"/>
-          <p:cNvSpPr txBox="1"/>
+          <p:cNvSpPr txBox="1">
+            <a:spLocks noGrp="1"/>
+          </p:cNvSpPr>
           <p:nvPr>
-            <p:ph idx="1" type="subTitle"/>
+            <p:ph type="subTitle" idx="1"/>
           </p:nvPr>
         </p:nvSpPr>
         <p:spPr>
@@ -4688,7 +4836,7 @@
           </a:prstGeom>
         </p:spPr>
         <p:txBody>
-          <a:bodyPr anchorCtr="0" anchor="t" bIns="91425" lIns="91425" spcFirstLastPara="1" rIns="91425" wrap="square" tIns="91425">
+          <a:bodyPr spcFirstLastPara="1" wrap="square" lIns="91425" tIns="91425" rIns="91425" bIns="91425" anchor="t" anchorCtr="0">
             <a:normAutofit/>
           </a:bodyPr>
           <a:lstStyle>
@@ -4819,15 +4967,19 @@
               <a:defRPr sz="2100"/>
             </a:lvl9pPr>
           </a:lstStyle>
-          <a:p/>
+          <a:p>
+            <a:endParaRPr/>
+          </a:p>
         </p:txBody>
       </p:sp>
       <p:sp>
         <p:nvSpPr>
           <p:cNvPr id="39" name="Google Shape;39;p9"/>
-          <p:cNvSpPr txBox="1"/>
+          <p:cNvSpPr txBox="1">
+            <a:spLocks noGrp="1"/>
+          </p:cNvSpPr>
           <p:nvPr>
-            <p:ph idx="2" type="body"/>
+            <p:ph type="body" idx="2"/>
           </p:nvPr>
         </p:nvSpPr>
         <p:spPr>
@@ -4840,11 +4992,11 @@
           </a:prstGeom>
         </p:spPr>
         <p:txBody>
-          <a:bodyPr anchorCtr="0" anchor="ctr" bIns="91425" lIns="91425" spcFirstLastPara="1" rIns="91425" wrap="square" tIns="91425">
+          <a:bodyPr spcFirstLastPara="1" wrap="square" lIns="91425" tIns="91425" rIns="91425" bIns="91425" anchor="ctr" anchorCtr="0">
             <a:normAutofit/>
           </a:bodyPr>
           <a:lstStyle>
-            <a:lvl1pPr indent="-342900" lvl="0" marL="457200">
+            <a:lvl1pPr marL="457200" lvl="0" indent="-342900">
               <a:spcBef>
                 <a:spcPts val="0"/>
               </a:spcBef>
@@ -4855,7 +5007,7 @@
               <a:buChar char="●"/>
               <a:defRPr/>
             </a:lvl1pPr>
-            <a:lvl2pPr indent="-317500" lvl="1" marL="914400">
+            <a:lvl2pPr marL="914400" lvl="1" indent="-317500">
               <a:spcBef>
                 <a:spcPts val="0"/>
               </a:spcBef>
@@ -4866,7 +5018,7 @@
               <a:buChar char="○"/>
               <a:defRPr/>
             </a:lvl2pPr>
-            <a:lvl3pPr indent="-317500" lvl="2" marL="1371600">
+            <a:lvl3pPr marL="1371600" lvl="2" indent="-317500">
               <a:spcBef>
                 <a:spcPts val="0"/>
               </a:spcBef>
@@ -4877,7 +5029,7 @@
               <a:buChar char="■"/>
               <a:defRPr/>
             </a:lvl3pPr>
-            <a:lvl4pPr indent="-317500" lvl="3" marL="1828800">
+            <a:lvl4pPr marL="1828800" lvl="3" indent="-317500">
               <a:spcBef>
                 <a:spcPts val="0"/>
               </a:spcBef>
@@ -4888,7 +5040,7 @@
               <a:buChar char="●"/>
               <a:defRPr/>
             </a:lvl4pPr>
-            <a:lvl5pPr indent="-317500" lvl="4" marL="2286000">
+            <a:lvl5pPr marL="2286000" lvl="4" indent="-317500">
               <a:spcBef>
                 <a:spcPts val="0"/>
               </a:spcBef>
@@ -4899,7 +5051,7 @@
               <a:buChar char="○"/>
               <a:defRPr/>
             </a:lvl5pPr>
-            <a:lvl6pPr indent="-317500" lvl="5" marL="2743200">
+            <a:lvl6pPr marL="2743200" lvl="5" indent="-317500">
               <a:spcBef>
                 <a:spcPts val="0"/>
               </a:spcBef>
@@ -4910,7 +5062,7 @@
               <a:buChar char="■"/>
               <a:defRPr/>
             </a:lvl6pPr>
-            <a:lvl7pPr indent="-317500" lvl="6" marL="3200400">
+            <a:lvl7pPr marL="3200400" lvl="6" indent="-317500">
               <a:spcBef>
                 <a:spcPts val="0"/>
               </a:spcBef>
@@ -4921,7 +5073,7 @@
               <a:buChar char="●"/>
               <a:defRPr/>
             </a:lvl7pPr>
-            <a:lvl8pPr indent="-317500" lvl="7" marL="3657600">
+            <a:lvl8pPr marL="3657600" lvl="7" indent="-317500">
               <a:spcBef>
                 <a:spcPts val="0"/>
               </a:spcBef>
@@ -4932,7 +5084,7 @@
               <a:buChar char="○"/>
               <a:defRPr/>
             </a:lvl8pPr>
-            <a:lvl9pPr indent="-317500" lvl="8" marL="4114800">
+            <a:lvl9pPr marL="4114800" lvl="8" indent="-317500">
               <a:spcBef>
                 <a:spcPts val="0"/>
               </a:spcBef>
@@ -4944,15 +5096,19 @@
               <a:defRPr/>
             </a:lvl9pPr>
           </a:lstStyle>
-          <a:p/>
+          <a:p>
+            <a:endParaRPr/>
+          </a:p>
         </p:txBody>
       </p:sp>
       <p:sp>
         <p:nvSpPr>
           <p:cNvPr id="40" name="Google Shape;40;p9"/>
-          <p:cNvSpPr txBox="1"/>
+          <p:cNvSpPr txBox="1">
+            <a:spLocks noGrp="1"/>
+          </p:cNvSpPr>
           <p:nvPr>
-            <p:ph idx="12" type="sldNum"/>
+            <p:ph type="sldNum" idx="12"/>
           </p:nvPr>
         </p:nvSpPr>
         <p:spPr>
@@ -4965,7 +5121,7 @@
           </a:prstGeom>
         </p:spPr>
         <p:txBody>
-          <a:bodyPr anchorCtr="0" anchor="ctr" bIns="91425" lIns="91425" spcFirstLastPara="1" rIns="91425" wrap="square" tIns="91425">
+          <a:bodyPr spcFirstLastPara="1" wrap="square" lIns="91425" tIns="91425" rIns="91425" bIns="91425" anchor="ctr" anchorCtr="0">
             <a:normAutofit/>
           </a:bodyPr>
           <a:lstStyle>
@@ -5007,7 +5163,7 @@
             </a:lvl9pPr>
           </a:lstStyle>
           <a:p>
-            <a:pPr indent="0" lvl="0" marL="0" rtl="0" algn="r">
+            <a:pPr marL="0" lvl="0" indent="0" algn="r" rtl="0">
               <a:spcBef>
                 <a:spcPts val="0"/>
               </a:spcBef>
@@ -5033,11 +5189,11 @@
 </file>
 
 <file path=ppt/slideLayouts/slideLayout9.xml><?xml version="1.0" encoding="utf-8"?>
-<p:sldLayout xmlns:a="http://schemas.openxmlformats.org/drawingml/2006/main" xmlns:r="http://schemas.openxmlformats.org/officeDocument/2006/relationships" xmlns:mc="http://schemas.openxmlformats.org/markup-compatibility/2006" xmlns:mv="urn:schemas-microsoft-com:mac:vml" xmlns:p="http://schemas.openxmlformats.org/presentationml/2006/main" xmlns:c="http://schemas.openxmlformats.org/drawingml/2006/chart" xmlns:dgm="http://schemas.openxmlformats.org/drawingml/2006/diagram" xmlns:o="urn:schemas-microsoft-com:office:office" xmlns:v="urn:schemas-microsoft-com:vml" xmlns:pvml="urn:schemas-microsoft-com:office:powerpoint" xmlns:com="http://schemas.openxmlformats.org/drawingml/2006/compatibility" xmlns:p14="http://schemas.microsoft.com/office/powerpoint/2010/main" xmlns:p15="http://schemas.microsoft.com/office/powerpoint/2012/main" xmlns:ahyp="http://schemas.microsoft.com/office/drawing/2018/hyperlinkcolor" matchingName="Caption">
+<p:sldLayout xmlns:a="http://schemas.openxmlformats.org/drawingml/2006/main" xmlns:r="http://schemas.openxmlformats.org/officeDocument/2006/relationships" xmlns:p="http://schemas.openxmlformats.org/presentationml/2006/main" matchingName="Caption">
   <p:cSld name="CAPTION_ONLY">
     <p:spTree>
       <p:nvGrpSpPr>
-        <p:cNvPr id="41" name="Shape 41"/>
+        <p:cNvPr id="1" name="Shape 41"/>
         <p:cNvGrpSpPr/>
         <p:nvPr/>
       </p:nvGrpSpPr>
@@ -5052,9 +5208,11 @@
       <p:sp>
         <p:nvSpPr>
           <p:cNvPr id="42" name="Google Shape;42;p10"/>
-          <p:cNvSpPr txBox="1"/>
+          <p:cNvSpPr txBox="1">
+            <a:spLocks noGrp="1"/>
+          </p:cNvSpPr>
           <p:nvPr>
-            <p:ph idx="1" type="body"/>
+            <p:ph type="body" idx="1"/>
           </p:nvPr>
         </p:nvSpPr>
         <p:spPr>
@@ -5067,11 +5225,11 @@
           </a:prstGeom>
         </p:spPr>
         <p:txBody>
-          <a:bodyPr anchorCtr="0" anchor="ctr" bIns="91425" lIns="91425" spcFirstLastPara="1" rIns="91425" wrap="square" tIns="91425">
+          <a:bodyPr spcFirstLastPara="1" wrap="square" lIns="91425" tIns="91425" rIns="91425" bIns="91425" anchor="ctr" anchorCtr="0">
             <a:normAutofit/>
           </a:bodyPr>
           <a:lstStyle>
-            <a:lvl1pPr indent="-228600" lvl="0" marL="457200">
+            <a:lvl1pPr marL="457200" lvl="0" indent="-228600">
               <a:lnSpc>
                 <a:spcPct val="100000"/>
               </a:lnSpc>
@@ -5086,15 +5244,19 @@
               <a:defRPr/>
             </a:lvl1pPr>
           </a:lstStyle>
-          <a:p/>
+          <a:p>
+            <a:endParaRPr/>
+          </a:p>
         </p:txBody>
       </p:sp>
       <p:sp>
         <p:nvSpPr>
           <p:cNvPr id="43" name="Google Shape;43;p10"/>
-          <p:cNvSpPr txBox="1"/>
+          <p:cNvSpPr txBox="1">
+            <a:spLocks noGrp="1"/>
+          </p:cNvSpPr>
           <p:nvPr>
-            <p:ph idx="12" type="sldNum"/>
+            <p:ph type="sldNum" idx="12"/>
           </p:nvPr>
         </p:nvSpPr>
         <p:spPr>
@@ -5107,7 +5269,7 @@
           </a:prstGeom>
         </p:spPr>
         <p:txBody>
-          <a:bodyPr anchorCtr="0" anchor="ctr" bIns="91425" lIns="91425" spcFirstLastPara="1" rIns="91425" wrap="square" tIns="91425">
+          <a:bodyPr spcFirstLastPara="1" wrap="square" lIns="91425" tIns="91425" rIns="91425" bIns="91425" anchor="ctr" anchorCtr="0">
             <a:normAutofit/>
           </a:bodyPr>
           <a:lstStyle>
@@ -5149,7 +5311,7 @@
             </a:lvl9pPr>
           </a:lstStyle>
           <a:p>
-            <a:pPr indent="0" lvl="0" marL="0" rtl="0" algn="r">
+            <a:pPr marL="0" lvl="0" indent="0" algn="r" rtl="0">
               <a:spcBef>
                 <a:spcPts val="0"/>
               </a:spcBef>
@@ -5175,18 +5337,19 @@
 </file>
 
 <file path=ppt/slideMasters/slideMaster1.xml><?xml version="1.0" encoding="utf-8"?>
-<p:sldMaster xmlns:a="http://schemas.openxmlformats.org/drawingml/2006/main" xmlns:r="http://schemas.openxmlformats.org/officeDocument/2006/relationships" xmlns:mc="http://schemas.openxmlformats.org/markup-compatibility/2006" xmlns:mv="urn:schemas-microsoft-com:mac:vml" xmlns:p="http://schemas.openxmlformats.org/presentationml/2006/main" xmlns:c="http://schemas.openxmlformats.org/drawingml/2006/chart" xmlns:dgm="http://schemas.openxmlformats.org/drawingml/2006/diagram" xmlns:o="urn:schemas-microsoft-com:office:office" xmlns:v="urn:schemas-microsoft-com:vml" xmlns:pvml="urn:schemas-microsoft-com:office:powerpoint" xmlns:com="http://schemas.openxmlformats.org/drawingml/2006/compatibility" xmlns:p14="http://schemas.microsoft.com/office/powerpoint/2010/main" xmlns:p15="http://schemas.microsoft.com/office/powerpoint/2012/main" xmlns:ahyp="http://schemas.microsoft.com/office/drawing/2018/hyperlinkcolor">
+<p:sldMaster xmlns:a="http://schemas.openxmlformats.org/drawingml/2006/main" xmlns:r="http://schemas.openxmlformats.org/officeDocument/2006/relationships" xmlns:p="http://schemas.openxmlformats.org/presentationml/2006/main">
   <p:cSld name="simple-light-2">
     <p:bg>
       <p:bgPr>
         <a:solidFill>
           <a:schemeClr val="lt1"/>
         </a:solidFill>
+        <a:effectLst/>
       </p:bgPr>
     </p:bg>
     <p:spTree>
       <p:nvGrpSpPr>
-        <p:cNvPr id="5" name="Shape 5"/>
+        <p:cNvPr id="1" name="Shape 5"/>
         <p:cNvGrpSpPr/>
         <p:nvPr/>
       </p:nvGrpSpPr>
@@ -5201,7 +5364,9 @@
       <p:sp>
         <p:nvSpPr>
           <p:cNvPr id="6" name="Google Shape;6;p1"/>
-          <p:cNvSpPr txBox="1"/>
+          <p:cNvSpPr txBox="1">
+            <a:spLocks noGrp="1"/>
+          </p:cNvSpPr>
           <p:nvPr>
             <p:ph type="title"/>
           </p:nvPr>
@@ -5220,7 +5385,7 @@
           </a:ln>
         </p:spPr>
         <p:txBody>
-          <a:bodyPr anchorCtr="0" anchor="t" bIns="91425" lIns="91425" spcFirstLastPara="1" rIns="91425" wrap="square" tIns="91425">
+          <a:bodyPr spcFirstLastPara="1" wrap="square" lIns="91425" tIns="91425" rIns="91425" bIns="91425" anchor="t" anchorCtr="0">
             <a:normAutofit/>
           </a:bodyPr>
           <a:lstStyle>
@@ -5387,15 +5552,19 @@
               </a:defRPr>
             </a:lvl9pPr>
           </a:lstStyle>
-          <a:p/>
+          <a:p>
+            <a:endParaRPr/>
+          </a:p>
         </p:txBody>
       </p:sp>
       <p:sp>
         <p:nvSpPr>
           <p:cNvPr id="7" name="Google Shape;7;p1"/>
-          <p:cNvSpPr txBox="1"/>
+          <p:cNvSpPr txBox="1">
+            <a:spLocks noGrp="1"/>
+          </p:cNvSpPr>
           <p:nvPr>
-            <p:ph idx="1" type="body"/>
+            <p:ph type="body" idx="1"/>
           </p:nvPr>
         </p:nvSpPr>
         <p:spPr>
@@ -5412,11 +5581,11 @@
           </a:ln>
         </p:spPr>
         <p:txBody>
-          <a:bodyPr anchorCtr="0" anchor="t" bIns="91425" lIns="91425" spcFirstLastPara="1" rIns="91425" wrap="square" tIns="91425">
+          <a:bodyPr spcFirstLastPara="1" wrap="square" lIns="91425" tIns="91425" rIns="91425" bIns="91425" anchor="t" anchorCtr="0">
             <a:normAutofit/>
           </a:bodyPr>
           <a:lstStyle>
-            <a:lvl1pPr indent="-342900" lvl="0" marL="457200">
+            <a:lvl1pPr marL="457200" lvl="0" indent="-342900">
               <a:lnSpc>
                 <a:spcPct val="115000"/>
               </a:lnSpc>
@@ -5437,7 +5606,7 @@
                 </a:solidFill>
               </a:defRPr>
             </a:lvl1pPr>
-            <a:lvl2pPr indent="-317500" lvl="1" marL="914400">
+            <a:lvl2pPr marL="914400" lvl="1" indent="-317500">
               <a:lnSpc>
                 <a:spcPct val="115000"/>
               </a:lnSpc>
@@ -5458,7 +5627,7 @@
                 </a:solidFill>
               </a:defRPr>
             </a:lvl2pPr>
-            <a:lvl3pPr indent="-317500" lvl="2" marL="1371600">
+            <a:lvl3pPr marL="1371600" lvl="2" indent="-317500">
               <a:lnSpc>
                 <a:spcPct val="115000"/>
               </a:lnSpc>
@@ -5479,7 +5648,7 @@
                 </a:solidFill>
               </a:defRPr>
             </a:lvl3pPr>
-            <a:lvl4pPr indent="-317500" lvl="3" marL="1828800">
+            <a:lvl4pPr marL="1828800" lvl="3" indent="-317500">
               <a:lnSpc>
                 <a:spcPct val="115000"/>
               </a:lnSpc>
@@ -5500,7 +5669,7 @@
                 </a:solidFill>
               </a:defRPr>
             </a:lvl4pPr>
-            <a:lvl5pPr indent="-317500" lvl="4" marL="2286000">
+            <a:lvl5pPr marL="2286000" lvl="4" indent="-317500">
               <a:lnSpc>
                 <a:spcPct val="115000"/>
               </a:lnSpc>
@@ -5521,7 +5690,7 @@
                 </a:solidFill>
               </a:defRPr>
             </a:lvl5pPr>
-            <a:lvl6pPr indent="-317500" lvl="5" marL="2743200">
+            <a:lvl6pPr marL="2743200" lvl="5" indent="-317500">
               <a:lnSpc>
                 <a:spcPct val="115000"/>
               </a:lnSpc>
@@ -5542,7 +5711,7 @@
                 </a:solidFill>
               </a:defRPr>
             </a:lvl6pPr>
-            <a:lvl7pPr indent="-317500" lvl="6" marL="3200400">
+            <a:lvl7pPr marL="3200400" lvl="6" indent="-317500">
               <a:lnSpc>
                 <a:spcPct val="115000"/>
               </a:lnSpc>
@@ -5563,7 +5732,7 @@
                 </a:solidFill>
               </a:defRPr>
             </a:lvl7pPr>
-            <a:lvl8pPr indent="-317500" lvl="7" marL="3657600">
+            <a:lvl8pPr marL="3657600" lvl="7" indent="-317500">
               <a:lnSpc>
                 <a:spcPct val="115000"/>
               </a:lnSpc>
@@ -5584,7 +5753,7 @@
                 </a:solidFill>
               </a:defRPr>
             </a:lvl8pPr>
-            <a:lvl9pPr indent="-317500" lvl="8" marL="4114800">
+            <a:lvl9pPr marL="4114800" lvl="8" indent="-317500">
               <a:lnSpc>
                 <a:spcPct val="115000"/>
               </a:lnSpc>
@@ -5606,15 +5775,19 @@
               </a:defRPr>
             </a:lvl9pPr>
           </a:lstStyle>
-          <a:p/>
+          <a:p>
+            <a:endParaRPr/>
+          </a:p>
         </p:txBody>
       </p:sp>
       <p:sp>
         <p:nvSpPr>
           <p:cNvPr id="8" name="Google Shape;8;p1"/>
-          <p:cNvSpPr txBox="1"/>
+          <p:cNvSpPr txBox="1">
+            <a:spLocks noGrp="1"/>
+          </p:cNvSpPr>
           <p:nvPr>
-            <p:ph idx="12" type="sldNum"/>
+            <p:ph type="sldNum" idx="12"/>
           </p:nvPr>
         </p:nvSpPr>
         <p:spPr>
@@ -5631,7 +5804,7 @@
           </a:ln>
         </p:spPr>
         <p:txBody>
-          <a:bodyPr anchorCtr="0" anchor="ctr" bIns="91425" lIns="91425" spcFirstLastPara="1" rIns="91425" wrap="square" tIns="91425">
+          <a:bodyPr spcFirstLastPara="1" wrap="square" lIns="91425" tIns="91425" rIns="91425" bIns="91425" anchor="ctr" anchorCtr="0">
             <a:normAutofit/>
           </a:bodyPr>
           <a:lstStyle>
@@ -5709,7 +5882,7 @@
             </a:lvl9pPr>
           </a:lstStyle>
           <a:p>
-            <a:pPr indent="0" lvl="0" marL="0" rtl="0" algn="r">
+            <a:pPr marL="0" lvl="0" indent="0" algn="r" rtl="0">
               <a:spcBef>
                 <a:spcPts val="0"/>
               </a:spcBef>
@@ -5728,7 +5901,7 @@
       </p:sp>
     </p:spTree>
   </p:cSld>
-  <p:clrMap accent1="accent1" accent2="accent2" accent3="accent3" accent4="accent4" accent5="accent5" accent6="accent6" bg1="lt1" bg2="dk2" tx1="dk1" tx2="lt2" folHlink="folHlink" hlink="hlink"/>
+  <p:clrMap bg1="lt1" tx1="dk1" bg2="dk2" tx2="lt2" accent1="accent1" accent2="accent2" accent3="accent3" accent4="accent4" accent5="accent5" accent6="accent6" hlink="hlink" folHlink="folHlink"/>
   <p:sldLayoutIdLst>
     <p:sldLayoutId id="2147483648" r:id="rId1"/>
     <p:sldLayoutId id="2147483649" r:id="rId2"/>
@@ -5742,10 +5915,10 @@
     <p:sldLayoutId id="2147483657" r:id="rId10"/>
     <p:sldLayoutId id="2147483658" r:id="rId11"/>
   </p:sldLayoutIdLst>
-  <p:hf dt="0" ftr="0" hdr="0" sldNum="0"/>
+  <p:hf sldNum="0" hdr="0" ftr="0" dt="0"/>
   <p:txStyles>
     <p:titleStyle>
-      <a:defPPr lvl="0" marR="0" rtl="0" algn="l">
+      <a:defPPr marR="0" lvl="0" algn="l" rtl="0">
         <a:lnSpc>
           <a:spcPct val="100000"/>
         </a:lnSpc>
@@ -5756,7 +5929,7 @@
           <a:spcPts val="0"/>
         </a:spcAft>
       </a:defPPr>
-      <a:lvl1pPr lvl="0" marR="0" rtl="0" algn="l">
+      <a:lvl1pPr marR="0" lvl="0" algn="l" rtl="0">
         <a:lnSpc>
           <a:spcPct val="100000"/>
         </a:lnSpc>
@@ -5770,7 +5943,7 @@
           <a:srgbClr val="000000"/>
         </a:buClr>
         <a:buFont typeface="Arial"/>
-        <a:defRPr b="0" i="0" sz="1400" u="none" cap="none" strike="noStrike">
+        <a:defRPr sz="1400" b="0" i="0" u="none" strike="noStrike" cap="none">
           <a:solidFill>
             <a:srgbClr val="000000"/>
           </a:solidFill>
@@ -5780,7 +5953,7 @@
           <a:sym typeface="Arial"/>
         </a:defRPr>
       </a:lvl1pPr>
-      <a:lvl2pPr lvl="1" marR="0" rtl="0" algn="l">
+      <a:lvl2pPr marR="0" lvl="1" algn="l" rtl="0">
         <a:lnSpc>
           <a:spcPct val="100000"/>
         </a:lnSpc>
@@ -5794,7 +5967,7 @@
           <a:srgbClr val="000000"/>
         </a:buClr>
         <a:buFont typeface="Arial"/>
-        <a:defRPr b="0" i="0" sz="1400" u="none" cap="none" strike="noStrike">
+        <a:defRPr sz="1400" b="0" i="0" u="none" strike="noStrike" cap="none">
           <a:solidFill>
             <a:srgbClr val="000000"/>
           </a:solidFill>
@@ -5804,7 +5977,7 @@
           <a:sym typeface="Arial"/>
         </a:defRPr>
       </a:lvl2pPr>
-      <a:lvl3pPr lvl="2" marR="0" rtl="0" algn="l">
+      <a:lvl3pPr marR="0" lvl="2" algn="l" rtl="0">
         <a:lnSpc>
           <a:spcPct val="100000"/>
         </a:lnSpc>
@@ -5818,7 +5991,7 @@
           <a:srgbClr val="000000"/>
         </a:buClr>
         <a:buFont typeface="Arial"/>
-        <a:defRPr b="0" i="0" sz="1400" u="none" cap="none" strike="noStrike">
+        <a:defRPr sz="1400" b="0" i="0" u="none" strike="noStrike" cap="none">
           <a:solidFill>
             <a:srgbClr val="000000"/>
           </a:solidFill>
@@ -5828,7 +6001,7 @@
           <a:sym typeface="Arial"/>
         </a:defRPr>
       </a:lvl3pPr>
-      <a:lvl4pPr lvl="3" marR="0" rtl="0" algn="l">
+      <a:lvl4pPr marR="0" lvl="3" algn="l" rtl="0">
         <a:lnSpc>
           <a:spcPct val="100000"/>
         </a:lnSpc>
@@ -5842,7 +6015,7 @@
           <a:srgbClr val="000000"/>
         </a:buClr>
         <a:buFont typeface="Arial"/>
-        <a:defRPr b="0" i="0" sz="1400" u="none" cap="none" strike="noStrike">
+        <a:defRPr sz="1400" b="0" i="0" u="none" strike="noStrike" cap="none">
           <a:solidFill>
             <a:srgbClr val="000000"/>
           </a:solidFill>
@@ -5852,7 +6025,7 @@
           <a:sym typeface="Arial"/>
         </a:defRPr>
       </a:lvl4pPr>
-      <a:lvl5pPr lvl="4" marR="0" rtl="0" algn="l">
+      <a:lvl5pPr marR="0" lvl="4" algn="l" rtl="0">
         <a:lnSpc>
           <a:spcPct val="100000"/>
         </a:lnSpc>
@@ -5866,7 +6039,7 @@
           <a:srgbClr val="000000"/>
         </a:buClr>
         <a:buFont typeface="Arial"/>
-        <a:defRPr b="0" i="0" sz="1400" u="none" cap="none" strike="noStrike">
+        <a:defRPr sz="1400" b="0" i="0" u="none" strike="noStrike" cap="none">
           <a:solidFill>
             <a:srgbClr val="000000"/>
           </a:solidFill>
@@ -5876,7 +6049,7 @@
           <a:sym typeface="Arial"/>
         </a:defRPr>
       </a:lvl5pPr>
-      <a:lvl6pPr lvl="5" marR="0" rtl="0" algn="l">
+      <a:lvl6pPr marR="0" lvl="5" algn="l" rtl="0">
         <a:lnSpc>
           <a:spcPct val="100000"/>
         </a:lnSpc>
@@ -5890,7 +6063,7 @@
           <a:srgbClr val="000000"/>
         </a:buClr>
         <a:buFont typeface="Arial"/>
-        <a:defRPr b="0" i="0" sz="1400" u="none" cap="none" strike="noStrike">
+        <a:defRPr sz="1400" b="0" i="0" u="none" strike="noStrike" cap="none">
           <a:solidFill>
             <a:srgbClr val="000000"/>
           </a:solidFill>
@@ -5900,7 +6073,7 @@
           <a:sym typeface="Arial"/>
         </a:defRPr>
       </a:lvl6pPr>
-      <a:lvl7pPr lvl="6" marR="0" rtl="0" algn="l">
+      <a:lvl7pPr marR="0" lvl="6" algn="l" rtl="0">
         <a:lnSpc>
           <a:spcPct val="100000"/>
         </a:lnSpc>
@@ -5914,7 +6087,7 @@
           <a:srgbClr val="000000"/>
         </a:buClr>
         <a:buFont typeface="Arial"/>
-        <a:defRPr b="0" i="0" sz="1400" u="none" cap="none" strike="noStrike">
+        <a:defRPr sz="1400" b="0" i="0" u="none" strike="noStrike" cap="none">
           <a:solidFill>
             <a:srgbClr val="000000"/>
           </a:solidFill>
@@ -5924,7 +6097,7 @@
           <a:sym typeface="Arial"/>
         </a:defRPr>
       </a:lvl7pPr>
-      <a:lvl8pPr lvl="7" marR="0" rtl="0" algn="l">
+      <a:lvl8pPr marR="0" lvl="7" algn="l" rtl="0">
         <a:lnSpc>
           <a:spcPct val="100000"/>
         </a:lnSpc>
@@ -5938,7 +6111,7 @@
           <a:srgbClr val="000000"/>
         </a:buClr>
         <a:buFont typeface="Arial"/>
-        <a:defRPr b="0" i="0" sz="1400" u="none" cap="none" strike="noStrike">
+        <a:defRPr sz="1400" b="0" i="0" u="none" strike="noStrike" cap="none">
           <a:solidFill>
             <a:srgbClr val="000000"/>
           </a:solidFill>
@@ -5948,7 +6121,7 @@
           <a:sym typeface="Arial"/>
         </a:defRPr>
       </a:lvl8pPr>
-      <a:lvl9pPr lvl="8" marR="0" rtl="0" algn="l">
+      <a:lvl9pPr marR="0" lvl="8" algn="l" rtl="0">
         <a:lnSpc>
           <a:spcPct val="100000"/>
         </a:lnSpc>
@@ -5962,7 +6135,7 @@
           <a:srgbClr val="000000"/>
         </a:buClr>
         <a:buFont typeface="Arial"/>
-        <a:defRPr b="0" i="0" sz="1400" u="none" cap="none" strike="noStrike">
+        <a:defRPr sz="1400" b="0" i="0" u="none" strike="noStrike" cap="none">
           <a:solidFill>
             <a:srgbClr val="000000"/>
           </a:solidFill>
@@ -5974,7 +6147,7 @@
       </a:lvl9pPr>
     </p:titleStyle>
     <p:bodyStyle>
-      <a:defPPr lvl="0" marR="0" rtl="0" algn="l">
+      <a:defPPr marR="0" lvl="0" algn="l" rtl="0">
         <a:lnSpc>
           <a:spcPct val="100000"/>
         </a:lnSpc>
@@ -5985,7 +6158,7 @@
           <a:spcPts val="0"/>
         </a:spcAft>
       </a:defPPr>
-      <a:lvl1pPr lvl="0" marR="0" rtl="0" algn="l">
+      <a:lvl1pPr marR="0" lvl="0" algn="l" rtl="0">
         <a:lnSpc>
           <a:spcPct val="100000"/>
         </a:lnSpc>
@@ -5999,7 +6172,7 @@
           <a:srgbClr val="000000"/>
         </a:buClr>
         <a:buFont typeface="Arial"/>
-        <a:defRPr b="0" i="0" sz="1400" u="none" cap="none" strike="noStrike">
+        <a:defRPr sz="1400" b="0" i="0" u="none" strike="noStrike" cap="none">
           <a:solidFill>
             <a:srgbClr val="000000"/>
           </a:solidFill>
@@ -6009,7 +6182,7 @@
           <a:sym typeface="Arial"/>
         </a:defRPr>
       </a:lvl1pPr>
-      <a:lvl2pPr lvl="1" marR="0" rtl="0" algn="l">
+      <a:lvl2pPr marR="0" lvl="1" algn="l" rtl="0">
         <a:lnSpc>
           <a:spcPct val="100000"/>
         </a:lnSpc>
@@ -6023,7 +6196,7 @@
           <a:srgbClr val="000000"/>
         </a:buClr>
         <a:buFont typeface="Arial"/>
-        <a:defRPr b="0" i="0" sz="1400" u="none" cap="none" strike="noStrike">
+        <a:defRPr sz="1400" b="0" i="0" u="none" strike="noStrike" cap="none">
           <a:solidFill>
             <a:srgbClr val="000000"/>
           </a:solidFill>
@@ -6033,7 +6206,7 @@
           <a:sym typeface="Arial"/>
         </a:defRPr>
       </a:lvl2pPr>
-      <a:lvl3pPr lvl="2" marR="0" rtl="0" algn="l">
+      <a:lvl3pPr marR="0" lvl="2" algn="l" rtl="0">
         <a:lnSpc>
           <a:spcPct val="100000"/>
         </a:lnSpc>
@@ -6047,7 +6220,7 @@
           <a:srgbClr val="000000"/>
         </a:buClr>
         <a:buFont typeface="Arial"/>
-        <a:defRPr b="0" i="0" sz="1400" u="none" cap="none" strike="noStrike">
+        <a:defRPr sz="1400" b="0" i="0" u="none" strike="noStrike" cap="none">
           <a:solidFill>
             <a:srgbClr val="000000"/>
           </a:solidFill>
@@ -6057,7 +6230,7 @@
           <a:sym typeface="Arial"/>
         </a:defRPr>
       </a:lvl3pPr>
-      <a:lvl4pPr lvl="3" marR="0" rtl="0" algn="l">
+      <a:lvl4pPr marR="0" lvl="3" algn="l" rtl="0">
         <a:lnSpc>
           <a:spcPct val="100000"/>
         </a:lnSpc>
@@ -6071,7 +6244,7 @@
           <a:srgbClr val="000000"/>
         </a:buClr>
         <a:buFont typeface="Arial"/>
-        <a:defRPr b="0" i="0" sz="1400" u="none" cap="none" strike="noStrike">
+        <a:defRPr sz="1400" b="0" i="0" u="none" strike="noStrike" cap="none">
           <a:solidFill>
             <a:srgbClr val="000000"/>
           </a:solidFill>
@@ -6081,7 +6254,7 @@
           <a:sym typeface="Arial"/>
         </a:defRPr>
       </a:lvl4pPr>
-      <a:lvl5pPr lvl="4" marR="0" rtl="0" algn="l">
+      <a:lvl5pPr marR="0" lvl="4" algn="l" rtl="0">
         <a:lnSpc>
           <a:spcPct val="100000"/>
         </a:lnSpc>
@@ -6095,7 +6268,7 @@
           <a:srgbClr val="000000"/>
         </a:buClr>
         <a:buFont typeface="Arial"/>
-        <a:defRPr b="0" i="0" sz="1400" u="none" cap="none" strike="noStrike">
+        <a:defRPr sz="1400" b="0" i="0" u="none" strike="noStrike" cap="none">
           <a:solidFill>
             <a:srgbClr val="000000"/>
           </a:solidFill>
@@ -6105,7 +6278,7 @@
           <a:sym typeface="Arial"/>
         </a:defRPr>
       </a:lvl5pPr>
-      <a:lvl6pPr lvl="5" marR="0" rtl="0" algn="l">
+      <a:lvl6pPr marR="0" lvl="5" algn="l" rtl="0">
         <a:lnSpc>
           <a:spcPct val="100000"/>
         </a:lnSpc>
@@ -6119,7 +6292,7 @@
           <a:srgbClr val="000000"/>
         </a:buClr>
         <a:buFont typeface="Arial"/>
-        <a:defRPr b="0" i="0" sz="1400" u="none" cap="none" strike="noStrike">
+        <a:defRPr sz="1400" b="0" i="0" u="none" strike="noStrike" cap="none">
           <a:solidFill>
             <a:srgbClr val="000000"/>
           </a:solidFill>
@@ -6129,7 +6302,7 @@
           <a:sym typeface="Arial"/>
         </a:defRPr>
       </a:lvl6pPr>
-      <a:lvl7pPr lvl="6" marR="0" rtl="0" algn="l">
+      <a:lvl7pPr marR="0" lvl="6" algn="l" rtl="0">
         <a:lnSpc>
           <a:spcPct val="100000"/>
         </a:lnSpc>
@@ -6143,7 +6316,7 @@
           <a:srgbClr val="000000"/>
         </a:buClr>
         <a:buFont typeface="Arial"/>
-        <a:defRPr b="0" i="0" sz="1400" u="none" cap="none" strike="noStrike">
+        <a:defRPr sz="1400" b="0" i="0" u="none" strike="noStrike" cap="none">
           <a:solidFill>
             <a:srgbClr val="000000"/>
           </a:solidFill>
@@ -6153,7 +6326,7 @@
           <a:sym typeface="Arial"/>
         </a:defRPr>
       </a:lvl7pPr>
-      <a:lvl8pPr lvl="7" marR="0" rtl="0" algn="l">
+      <a:lvl8pPr marR="0" lvl="7" algn="l" rtl="0">
         <a:lnSpc>
           <a:spcPct val="100000"/>
         </a:lnSpc>
@@ -6167,7 +6340,7 @@
           <a:srgbClr val="000000"/>
         </a:buClr>
         <a:buFont typeface="Arial"/>
-        <a:defRPr b="0" i="0" sz="1400" u="none" cap="none" strike="noStrike">
+        <a:defRPr sz="1400" b="0" i="0" u="none" strike="noStrike" cap="none">
           <a:solidFill>
             <a:srgbClr val="000000"/>
           </a:solidFill>
@@ -6177,7 +6350,7 @@
           <a:sym typeface="Arial"/>
         </a:defRPr>
       </a:lvl8pPr>
-      <a:lvl9pPr lvl="8" marR="0" rtl="0" algn="l">
+      <a:lvl9pPr marR="0" lvl="8" algn="l" rtl="0">
         <a:lnSpc>
           <a:spcPct val="100000"/>
         </a:lnSpc>
@@ -6191,7 +6364,7 @@
           <a:srgbClr val="000000"/>
         </a:buClr>
         <a:buFont typeface="Arial"/>
-        <a:defRPr b="0" i="0" sz="1400" u="none" cap="none" strike="noStrike">
+        <a:defRPr sz="1400" b="0" i="0" u="none" strike="noStrike" cap="none">
           <a:solidFill>
             <a:srgbClr val="000000"/>
           </a:solidFill>
@@ -6203,7 +6376,7 @@
       </a:lvl9pPr>
     </p:bodyStyle>
     <p:otherStyle>
-      <a:defPPr lvl="0" marR="0" rtl="0" algn="l">
+      <a:defPPr marR="0" lvl="0" algn="l" rtl="0">
         <a:lnSpc>
           <a:spcPct val="100000"/>
         </a:lnSpc>
@@ -6214,7 +6387,7 @@
           <a:spcPts val="0"/>
         </a:spcAft>
       </a:defPPr>
-      <a:lvl1pPr lvl="0" marR="0" rtl="0" algn="l">
+      <a:lvl1pPr marR="0" lvl="0" algn="l" rtl="0">
         <a:lnSpc>
           <a:spcPct val="100000"/>
         </a:lnSpc>
@@ -6228,7 +6401,7 @@
           <a:srgbClr val="000000"/>
         </a:buClr>
         <a:buFont typeface="Arial"/>
-        <a:defRPr b="0" i="0" sz="1400" u="none" cap="none" strike="noStrike">
+        <a:defRPr sz="1400" b="0" i="0" u="none" strike="noStrike" cap="none">
           <a:solidFill>
             <a:srgbClr val="000000"/>
           </a:solidFill>
@@ -6238,7 +6411,7 @@
           <a:sym typeface="Arial"/>
         </a:defRPr>
       </a:lvl1pPr>
-      <a:lvl2pPr lvl="1" marR="0" rtl="0" algn="l">
+      <a:lvl2pPr marR="0" lvl="1" algn="l" rtl="0">
         <a:lnSpc>
           <a:spcPct val="100000"/>
         </a:lnSpc>
@@ -6252,7 +6425,7 @@
           <a:srgbClr val="000000"/>
         </a:buClr>
         <a:buFont typeface="Arial"/>
-        <a:defRPr b="0" i="0" sz="1400" u="none" cap="none" strike="noStrike">
+        <a:defRPr sz="1400" b="0" i="0" u="none" strike="noStrike" cap="none">
           <a:solidFill>
             <a:srgbClr val="000000"/>
           </a:solidFill>
@@ -6262,7 +6435,7 @@
           <a:sym typeface="Arial"/>
         </a:defRPr>
       </a:lvl2pPr>
-      <a:lvl3pPr lvl="2" marR="0" rtl="0" algn="l">
+      <a:lvl3pPr marR="0" lvl="2" algn="l" rtl="0">
         <a:lnSpc>
           <a:spcPct val="100000"/>
         </a:lnSpc>
@@ -6276,7 +6449,7 @@
           <a:srgbClr val="000000"/>
         </a:buClr>
         <a:buFont typeface="Arial"/>
-        <a:defRPr b="0" i="0" sz="1400" u="none" cap="none" strike="noStrike">
+        <a:defRPr sz="1400" b="0" i="0" u="none" strike="noStrike" cap="none">
           <a:solidFill>
             <a:srgbClr val="000000"/>
           </a:solidFill>
@@ -6286,7 +6459,7 @@
           <a:sym typeface="Arial"/>
         </a:defRPr>
       </a:lvl3pPr>
-      <a:lvl4pPr lvl="3" marR="0" rtl="0" algn="l">
+      <a:lvl4pPr marR="0" lvl="3" algn="l" rtl="0">
         <a:lnSpc>
           <a:spcPct val="100000"/>
         </a:lnSpc>
@@ -6300,7 +6473,7 @@
           <a:srgbClr val="000000"/>
         </a:buClr>
         <a:buFont typeface="Arial"/>
-        <a:defRPr b="0" i="0" sz="1400" u="none" cap="none" strike="noStrike">
+        <a:defRPr sz="1400" b="0" i="0" u="none" strike="noStrike" cap="none">
           <a:solidFill>
             <a:srgbClr val="000000"/>
           </a:solidFill>
@@ -6310,7 +6483,7 @@
           <a:sym typeface="Arial"/>
         </a:defRPr>
       </a:lvl4pPr>
-      <a:lvl5pPr lvl="4" marR="0" rtl="0" algn="l">
+      <a:lvl5pPr marR="0" lvl="4" algn="l" rtl="0">
         <a:lnSpc>
           <a:spcPct val="100000"/>
         </a:lnSpc>
@@ -6324,7 +6497,7 @@
           <a:srgbClr val="000000"/>
         </a:buClr>
         <a:buFont typeface="Arial"/>
-        <a:defRPr b="0" i="0" sz="1400" u="none" cap="none" strike="noStrike">
+        <a:defRPr sz="1400" b="0" i="0" u="none" strike="noStrike" cap="none">
           <a:solidFill>
             <a:srgbClr val="000000"/>
           </a:solidFill>
@@ -6334,7 +6507,7 @@
           <a:sym typeface="Arial"/>
         </a:defRPr>
       </a:lvl5pPr>
-      <a:lvl6pPr lvl="5" marR="0" rtl="0" algn="l">
+      <a:lvl6pPr marR="0" lvl="5" algn="l" rtl="0">
         <a:lnSpc>
           <a:spcPct val="100000"/>
         </a:lnSpc>
@@ -6348,7 +6521,7 @@
           <a:srgbClr val="000000"/>
         </a:buClr>
         <a:buFont typeface="Arial"/>
-        <a:defRPr b="0" i="0" sz="1400" u="none" cap="none" strike="noStrike">
+        <a:defRPr sz="1400" b="0" i="0" u="none" strike="noStrike" cap="none">
           <a:solidFill>
             <a:srgbClr val="000000"/>
           </a:solidFill>
@@ -6358,7 +6531,7 @@
           <a:sym typeface="Arial"/>
         </a:defRPr>
       </a:lvl6pPr>
-      <a:lvl7pPr lvl="6" marR="0" rtl="0" algn="l">
+      <a:lvl7pPr marR="0" lvl="6" algn="l" rtl="0">
         <a:lnSpc>
           <a:spcPct val="100000"/>
         </a:lnSpc>
@@ -6372,7 +6545,7 @@
           <a:srgbClr val="000000"/>
         </a:buClr>
         <a:buFont typeface="Arial"/>
-        <a:defRPr b="0" i="0" sz="1400" u="none" cap="none" strike="noStrike">
+        <a:defRPr sz="1400" b="0" i="0" u="none" strike="noStrike" cap="none">
           <a:solidFill>
             <a:srgbClr val="000000"/>
           </a:solidFill>
@@ -6382,7 +6555,7 @@
           <a:sym typeface="Arial"/>
         </a:defRPr>
       </a:lvl7pPr>
-      <a:lvl8pPr lvl="7" marR="0" rtl="0" algn="l">
+      <a:lvl8pPr marR="0" lvl="7" algn="l" rtl="0">
         <a:lnSpc>
           <a:spcPct val="100000"/>
         </a:lnSpc>
@@ -6396,7 +6569,7 @@
           <a:srgbClr val="000000"/>
         </a:buClr>
         <a:buFont typeface="Arial"/>
-        <a:defRPr b="0" i="0" sz="1400" u="none" cap="none" strike="noStrike">
+        <a:defRPr sz="1400" b="0" i="0" u="none" strike="noStrike" cap="none">
           <a:solidFill>
             <a:srgbClr val="000000"/>
           </a:solidFill>
@@ -6406,7 +6579,7 @@
           <a:sym typeface="Arial"/>
         </a:defRPr>
       </a:lvl8pPr>
-      <a:lvl9pPr lvl="8" marR="0" rtl="0" algn="l">
+      <a:lvl9pPr marR="0" lvl="8" algn="l" rtl="0">
         <a:lnSpc>
           <a:spcPct val="100000"/>
         </a:lnSpc>
@@ -6420,7 +6593,7 @@
           <a:srgbClr val="000000"/>
         </a:buClr>
         <a:buFont typeface="Arial"/>
-        <a:defRPr b="0" i="0" sz="1400" u="none" cap="none" strike="noStrike">
+        <a:defRPr sz="1400" b="0" i="0" u="none" strike="noStrike" cap="none">
           <a:solidFill>
             <a:srgbClr val="000000"/>
           </a:solidFill>
@@ -6436,11 +6609,11 @@
 </file>
 
 <file path=ppt/slides/slide1.xml><?xml version="1.0" encoding="utf-8"?>
-<p:sld xmlns:a="http://schemas.openxmlformats.org/drawingml/2006/main" xmlns:r="http://schemas.openxmlformats.org/officeDocument/2006/relationships" xmlns:mc="http://schemas.openxmlformats.org/markup-compatibility/2006" xmlns:mv="urn:schemas-microsoft-com:mac:vml" xmlns:p="http://schemas.openxmlformats.org/presentationml/2006/main" xmlns:c="http://schemas.openxmlformats.org/drawingml/2006/chart" xmlns:dgm="http://schemas.openxmlformats.org/drawingml/2006/diagram" xmlns:o="urn:schemas-microsoft-com:office:office" xmlns:v="urn:schemas-microsoft-com:vml" xmlns:pvml="urn:schemas-microsoft-com:office:powerpoint" xmlns:com="http://schemas.openxmlformats.org/drawingml/2006/compatibility" xmlns:p14="http://schemas.microsoft.com/office/powerpoint/2010/main" xmlns:p15="http://schemas.microsoft.com/office/powerpoint/2012/main" xmlns:ahyp="http://schemas.microsoft.com/office/drawing/2018/hyperlinkcolor">
+<p:sld xmlns:a="http://schemas.openxmlformats.org/drawingml/2006/main" xmlns:r="http://schemas.openxmlformats.org/officeDocument/2006/relationships" xmlns:p="http://schemas.openxmlformats.org/presentationml/2006/main">
   <p:cSld>
     <p:spTree>
       <p:nvGrpSpPr>
-        <p:cNvPr id="53" name="Shape 53"/>
+        <p:cNvPr id="1" name="Shape 53"/>
         <p:cNvGrpSpPr/>
         <p:nvPr/>
       </p:nvGrpSpPr>
@@ -6455,7 +6628,9 @@
       <p:sp>
         <p:nvSpPr>
           <p:cNvPr id="54" name="Google Shape;54;p13"/>
-          <p:cNvSpPr txBox="1"/>
+          <p:cNvSpPr txBox="1">
+            <a:spLocks noGrp="1"/>
+          </p:cNvSpPr>
           <p:nvPr>
             <p:ph type="ctrTitle"/>
           </p:nvPr>
@@ -6470,12 +6645,12 @@
           </a:prstGeom>
         </p:spPr>
         <p:txBody>
-          <a:bodyPr anchorCtr="0" anchor="b" bIns="91425" lIns="91425" spcFirstLastPara="1" rIns="91425" wrap="square" tIns="91425">
+          <a:bodyPr spcFirstLastPara="1" wrap="square" lIns="91425" tIns="91425" rIns="91425" bIns="91425" anchor="b" anchorCtr="0">
             <a:normAutofit/>
           </a:bodyPr>
           <a:lstStyle/>
           <a:p>
-            <a:pPr indent="0" lvl="0" marL="0" rtl="0" algn="ctr">
+            <a:pPr marL="0" lvl="0" indent="0" algn="ctr" rtl="0">
               <a:spcBef>
                 <a:spcPts val="0"/>
               </a:spcBef>
@@ -6495,9 +6670,11 @@
       <p:sp>
         <p:nvSpPr>
           <p:cNvPr id="55" name="Google Shape;55;p13"/>
-          <p:cNvSpPr txBox="1"/>
+          <p:cNvSpPr txBox="1">
+            <a:spLocks noGrp="1"/>
+          </p:cNvSpPr>
           <p:nvPr>
-            <p:ph idx="1" type="subTitle"/>
+            <p:ph type="subTitle" idx="1"/>
           </p:nvPr>
         </p:nvSpPr>
         <p:spPr>
@@ -6510,12 +6687,12 @@
           </a:prstGeom>
         </p:spPr>
         <p:txBody>
-          <a:bodyPr anchorCtr="0" anchor="t" bIns="91425" lIns="91425" spcFirstLastPara="1" rIns="91425" wrap="square" tIns="91425">
+          <a:bodyPr spcFirstLastPara="1" wrap="square" lIns="91425" tIns="91425" rIns="91425" bIns="91425" anchor="t" anchorCtr="0">
             <a:normAutofit/>
           </a:bodyPr>
           <a:lstStyle/>
           <a:p>
-            <a:pPr indent="0" lvl="0" marL="0" rtl="0" algn="ctr">
+            <a:pPr marL="0" lvl="0" indent="0" algn="ctr" rtl="0">
               <a:spcBef>
                 <a:spcPts val="0"/>
               </a:spcBef>
@@ -6541,11 +6718,11 @@
 </file>
 
 <file path=ppt/slides/slide10.xml><?xml version="1.0" encoding="utf-8"?>
-<p:sld xmlns:a="http://schemas.openxmlformats.org/drawingml/2006/main" xmlns:r="http://schemas.openxmlformats.org/officeDocument/2006/relationships" xmlns:mc="http://schemas.openxmlformats.org/markup-compatibility/2006" xmlns:mv="urn:schemas-microsoft-com:mac:vml" xmlns:p="http://schemas.openxmlformats.org/presentationml/2006/main" xmlns:c="http://schemas.openxmlformats.org/drawingml/2006/chart" xmlns:dgm="http://schemas.openxmlformats.org/drawingml/2006/diagram" xmlns:o="urn:schemas-microsoft-com:office:office" xmlns:v="urn:schemas-microsoft-com:vml" xmlns:pvml="urn:schemas-microsoft-com:office:powerpoint" xmlns:com="http://schemas.openxmlformats.org/drawingml/2006/compatibility" xmlns:p14="http://schemas.microsoft.com/office/powerpoint/2010/main" xmlns:p15="http://schemas.microsoft.com/office/powerpoint/2012/main" xmlns:ahyp="http://schemas.microsoft.com/office/drawing/2018/hyperlinkcolor">
+<p:sld xmlns:a="http://schemas.openxmlformats.org/drawingml/2006/main" xmlns:r="http://schemas.openxmlformats.org/officeDocument/2006/relationships" xmlns:p="http://schemas.openxmlformats.org/presentationml/2006/main">
   <p:cSld>
     <p:spTree>
       <p:nvGrpSpPr>
-        <p:cNvPr id="112" name="Shape 112"/>
+        <p:cNvPr id="1" name="Shape 112"/>
         <p:cNvGrpSpPr/>
         <p:nvPr/>
       </p:nvGrpSpPr>
@@ -6560,7 +6737,9 @@
       <p:sp>
         <p:nvSpPr>
           <p:cNvPr id="113" name="Google Shape;113;p22"/>
-          <p:cNvSpPr txBox="1"/>
+          <p:cNvSpPr txBox="1">
+            <a:spLocks noGrp="1"/>
+          </p:cNvSpPr>
           <p:nvPr>
             <p:ph type="title"/>
           </p:nvPr>
@@ -6575,12 +6754,12 @@
           </a:prstGeom>
         </p:spPr>
         <p:txBody>
-          <a:bodyPr anchorCtr="0" anchor="t" bIns="91425" lIns="91425" spcFirstLastPara="1" rIns="91425" wrap="square" tIns="91425">
+          <a:bodyPr spcFirstLastPara="1" wrap="square" lIns="91425" tIns="91425" rIns="91425" bIns="91425" anchor="t" anchorCtr="0">
             <a:normAutofit fontScale="90000"/>
           </a:bodyPr>
           <a:lstStyle/>
           <a:p>
-            <a:pPr indent="0" lvl="0" marL="0" rtl="0" algn="l">
+            <a:pPr marL="0" lvl="0" indent="0" algn="l" rtl="0">
               <a:spcBef>
                 <a:spcPts val="0"/>
               </a:spcBef>
@@ -6600,9 +6779,11 @@
       <p:sp>
         <p:nvSpPr>
           <p:cNvPr id="114" name="Google Shape;114;p22"/>
-          <p:cNvSpPr txBox="1"/>
+          <p:cNvSpPr txBox="1">
+            <a:spLocks noGrp="1"/>
+          </p:cNvSpPr>
           <p:nvPr>
-            <p:ph idx="1" type="body"/>
+            <p:ph type="body" idx="1"/>
           </p:nvPr>
         </p:nvSpPr>
         <p:spPr>
@@ -6615,12 +6796,12 @@
           </a:prstGeom>
         </p:spPr>
         <p:txBody>
-          <a:bodyPr anchorCtr="0" anchor="t" bIns="91425" lIns="91425" spcFirstLastPara="1" rIns="91425" wrap="square" tIns="91425">
+          <a:bodyPr spcFirstLastPara="1" wrap="square" lIns="91425" tIns="91425" rIns="91425" bIns="91425" anchor="t" anchorCtr="0">
             <a:normAutofit/>
           </a:bodyPr>
           <a:lstStyle/>
           <a:p>
-            <a:pPr indent="0" lvl="0" marL="0" rtl="0" algn="l">
+            <a:pPr marL="0" lvl="0" indent="0" algn="l" rtl="0">
               <a:spcBef>
                 <a:spcPts val="0"/>
               </a:spcBef>
@@ -6636,7 +6817,7 @@
             <a:endParaRPr/>
           </a:p>
           <a:p>
-            <a:pPr indent="0" lvl="0" marL="0" rtl="0" algn="l">
+            <a:pPr marL="0" lvl="0" indent="0" algn="l" rtl="0">
               <a:spcBef>
                 <a:spcPts val="1200"/>
               </a:spcBef>
@@ -6652,7 +6833,7 @@
             <a:endParaRPr/>
           </a:p>
           <a:p>
-            <a:pPr indent="0" lvl="0" marL="0" rtl="0" algn="l">
+            <a:pPr marL="0" lvl="0" indent="0" algn="l" rtl="0">
               <a:spcBef>
                 <a:spcPts val="1200"/>
               </a:spcBef>
@@ -6661,13 +6842,10 @@
               </a:spcAft>
               <a:buNone/>
             </a:pPr>
-            <a:r>
-              <a:t/>
-            </a:r>
-            <a:endParaRPr/>
-          </a:p>
-          <a:p>
-            <a:pPr indent="0" lvl="0" marL="0" rtl="0" algn="l">
+            <a:endParaRPr/>
+          </a:p>
+          <a:p>
+            <a:pPr marL="0" lvl="0" indent="0" algn="l" rtl="0">
               <a:spcBef>
                 <a:spcPts val="1200"/>
               </a:spcBef>
@@ -6749,11 +6927,11 @@
 </file>
 
 <file path=ppt/slides/slide11.xml><?xml version="1.0" encoding="utf-8"?>
-<p:sld xmlns:a="http://schemas.openxmlformats.org/drawingml/2006/main" xmlns:r="http://schemas.openxmlformats.org/officeDocument/2006/relationships" xmlns:mc="http://schemas.openxmlformats.org/markup-compatibility/2006" xmlns:mv="urn:schemas-microsoft-com:mac:vml" xmlns:p="http://schemas.openxmlformats.org/presentationml/2006/main" xmlns:c="http://schemas.openxmlformats.org/drawingml/2006/chart" xmlns:dgm="http://schemas.openxmlformats.org/drawingml/2006/diagram" xmlns:o="urn:schemas-microsoft-com:office:office" xmlns:v="urn:schemas-microsoft-com:vml" xmlns:pvml="urn:schemas-microsoft-com:office:powerpoint" xmlns:com="http://schemas.openxmlformats.org/drawingml/2006/compatibility" xmlns:p14="http://schemas.microsoft.com/office/powerpoint/2010/main" xmlns:p15="http://schemas.microsoft.com/office/powerpoint/2012/main" xmlns:ahyp="http://schemas.microsoft.com/office/drawing/2018/hyperlinkcolor">
+<p:sld xmlns:a="http://schemas.openxmlformats.org/drawingml/2006/main" xmlns:r="http://schemas.openxmlformats.org/officeDocument/2006/relationships" xmlns:p="http://schemas.openxmlformats.org/presentationml/2006/main">
   <p:cSld>
     <p:spTree>
       <p:nvGrpSpPr>
-        <p:cNvPr id="120" name="Shape 120"/>
+        <p:cNvPr id="1" name="Shape 120"/>
         <p:cNvGrpSpPr/>
         <p:nvPr/>
       </p:nvGrpSpPr>
@@ -6768,7 +6946,9 @@
       <p:sp>
         <p:nvSpPr>
           <p:cNvPr id="121" name="Google Shape;121;p23"/>
-          <p:cNvSpPr txBox="1"/>
+          <p:cNvSpPr txBox="1">
+            <a:spLocks noGrp="1"/>
+          </p:cNvSpPr>
           <p:nvPr>
             <p:ph type="title"/>
           </p:nvPr>
@@ -6783,12 +6963,12 @@
           </a:prstGeom>
         </p:spPr>
         <p:txBody>
-          <a:bodyPr anchorCtr="0" anchor="t" bIns="91425" lIns="91425" spcFirstLastPara="1" rIns="91425" wrap="square" tIns="91425">
+          <a:bodyPr spcFirstLastPara="1" wrap="square" lIns="91425" tIns="91425" rIns="91425" bIns="91425" anchor="t" anchorCtr="0">
             <a:normAutofit fontScale="90000"/>
           </a:bodyPr>
           <a:lstStyle/>
           <a:p>
-            <a:pPr indent="0" lvl="0" marL="0" rtl="0" algn="l">
+            <a:pPr marL="0" lvl="0" indent="0" algn="l" rtl="0">
               <a:spcBef>
                 <a:spcPts val="0"/>
               </a:spcBef>
@@ -6808,9 +6988,11 @@
       <p:sp>
         <p:nvSpPr>
           <p:cNvPr id="122" name="Google Shape;122;p23"/>
-          <p:cNvSpPr txBox="1"/>
+          <p:cNvSpPr txBox="1">
+            <a:spLocks noGrp="1"/>
+          </p:cNvSpPr>
           <p:nvPr>
-            <p:ph idx="1" type="body"/>
+            <p:ph type="body" idx="1"/>
           </p:nvPr>
         </p:nvSpPr>
         <p:spPr>
@@ -6823,12 +7005,12 @@
           </a:prstGeom>
         </p:spPr>
         <p:txBody>
-          <a:bodyPr anchorCtr="0" anchor="t" bIns="91425" lIns="91425" spcFirstLastPara="1" rIns="91425" wrap="square" tIns="91425">
+          <a:bodyPr spcFirstLastPara="1" wrap="square" lIns="91425" tIns="91425" rIns="91425" bIns="91425" anchor="t" anchorCtr="0">
             <a:normAutofit/>
           </a:bodyPr>
           <a:lstStyle/>
           <a:p>
-            <a:pPr indent="0" lvl="0" marL="0" rtl="0" algn="l">
+            <a:pPr marL="0" lvl="0" indent="0" algn="l" rtl="0">
               <a:spcBef>
                 <a:spcPts val="0"/>
               </a:spcBef>
@@ -6837,9 +7019,6 @@
               </a:spcAft>
               <a:buNone/>
             </a:pPr>
-            <a:r>
-              <a:t/>
-            </a:r>
             <a:endParaRPr/>
           </a:p>
         </p:txBody>
@@ -6881,11 +7060,11 @@
 </file>
 
 <file path=ppt/slides/slide2.xml><?xml version="1.0" encoding="utf-8"?>
-<p:sld xmlns:a="http://schemas.openxmlformats.org/drawingml/2006/main" xmlns:r="http://schemas.openxmlformats.org/officeDocument/2006/relationships" xmlns:mc="http://schemas.openxmlformats.org/markup-compatibility/2006" xmlns:mv="urn:schemas-microsoft-com:mac:vml" xmlns:p="http://schemas.openxmlformats.org/presentationml/2006/main" xmlns:c="http://schemas.openxmlformats.org/drawingml/2006/chart" xmlns:dgm="http://schemas.openxmlformats.org/drawingml/2006/diagram" xmlns:o="urn:schemas-microsoft-com:office:office" xmlns:v="urn:schemas-microsoft-com:vml" xmlns:pvml="urn:schemas-microsoft-com:office:powerpoint" xmlns:com="http://schemas.openxmlformats.org/drawingml/2006/compatibility" xmlns:p14="http://schemas.microsoft.com/office/powerpoint/2010/main" xmlns:p15="http://schemas.microsoft.com/office/powerpoint/2012/main" xmlns:ahyp="http://schemas.microsoft.com/office/drawing/2018/hyperlinkcolor">
+<p:sld xmlns:a="http://schemas.openxmlformats.org/drawingml/2006/main" xmlns:r="http://schemas.openxmlformats.org/officeDocument/2006/relationships" xmlns:p="http://schemas.openxmlformats.org/presentationml/2006/main">
   <p:cSld>
     <p:spTree>
       <p:nvGrpSpPr>
-        <p:cNvPr id="59" name="Shape 59"/>
+        <p:cNvPr id="1" name="Shape 59"/>
         <p:cNvGrpSpPr/>
         <p:nvPr/>
       </p:nvGrpSpPr>
@@ -6900,7 +7079,9 @@
       <p:sp>
         <p:nvSpPr>
           <p:cNvPr id="60" name="Google Shape;60;p14"/>
-          <p:cNvSpPr txBox="1"/>
+          <p:cNvSpPr txBox="1">
+            <a:spLocks noGrp="1"/>
+          </p:cNvSpPr>
           <p:nvPr>
             <p:ph type="title"/>
           </p:nvPr>
@@ -6915,12 +7096,12 @@
           </a:prstGeom>
         </p:spPr>
         <p:txBody>
-          <a:bodyPr anchorCtr="0" anchor="t" bIns="91425" lIns="91425" spcFirstLastPara="1" rIns="91425" wrap="square" tIns="91425">
+          <a:bodyPr spcFirstLastPara="1" wrap="square" lIns="91425" tIns="91425" rIns="91425" bIns="91425" anchor="t" anchorCtr="0">
             <a:normAutofit fontScale="90000"/>
           </a:bodyPr>
           <a:lstStyle/>
           <a:p>
-            <a:pPr indent="0" lvl="0" marL="0" rtl="0" algn="l">
+            <a:pPr marL="0" lvl="0" indent="0" algn="l" rtl="0">
               <a:spcBef>
                 <a:spcPts val="0"/>
               </a:spcBef>
@@ -6940,9 +7121,11 @@
       <p:sp>
         <p:nvSpPr>
           <p:cNvPr id="61" name="Google Shape;61;p14"/>
-          <p:cNvSpPr txBox="1"/>
+          <p:cNvSpPr txBox="1">
+            <a:spLocks noGrp="1"/>
+          </p:cNvSpPr>
           <p:nvPr>
-            <p:ph idx="1" type="body"/>
+            <p:ph type="body" idx="1"/>
           </p:nvPr>
         </p:nvSpPr>
         <p:spPr>
@@ -6955,12 +7138,12 @@
           </a:prstGeom>
         </p:spPr>
         <p:txBody>
-          <a:bodyPr anchorCtr="0" anchor="t" bIns="91425" lIns="91425" spcFirstLastPara="1" rIns="91425" wrap="square" tIns="91425">
+          <a:bodyPr spcFirstLastPara="1" wrap="square" lIns="91425" tIns="91425" rIns="91425" bIns="91425" anchor="t" anchorCtr="0">
             <a:normAutofit/>
           </a:bodyPr>
           <a:lstStyle/>
           <a:p>
-            <a:pPr indent="-342900" lvl="0" marL="457200" rtl="0" algn="l">
+            <a:pPr marL="457200" lvl="0" indent="-342900" algn="l" rtl="0">
               <a:spcBef>
                 <a:spcPts val="0"/>
               </a:spcBef>
@@ -6977,7 +7160,7 @@
             <a:endParaRPr/>
           </a:p>
           <a:p>
-            <a:pPr indent="-317500" lvl="1" marL="914400" rtl="0" algn="l">
+            <a:pPr marL="914400" lvl="1" indent="-317500" algn="l" rtl="0">
               <a:spcBef>
                 <a:spcPts val="0"/>
               </a:spcBef>
@@ -6994,7 +7177,7 @@
             <a:endParaRPr/>
           </a:p>
           <a:p>
-            <a:pPr indent="-342900" lvl="0" marL="457200" rtl="0" algn="l">
+            <a:pPr marL="457200" lvl="0" indent="-342900" algn="l" rtl="0">
               <a:spcBef>
                 <a:spcPts val="0"/>
               </a:spcBef>
@@ -7011,7 +7194,7 @@
             <a:endParaRPr/>
           </a:p>
           <a:p>
-            <a:pPr indent="-317500" lvl="1" marL="914400" rtl="0" algn="l">
+            <a:pPr marL="914400" lvl="1" indent="-317500" algn="l" rtl="0">
               <a:spcBef>
                 <a:spcPts val="0"/>
               </a:spcBef>
@@ -7028,7 +7211,7 @@
             <a:endParaRPr/>
           </a:p>
           <a:p>
-            <a:pPr indent="-317500" lvl="1" marL="914400" rtl="0" algn="l">
+            <a:pPr marL="914400" lvl="1" indent="-317500" algn="l" rtl="0">
               <a:spcBef>
                 <a:spcPts val="0"/>
               </a:spcBef>
@@ -7055,11 +7238,11 @@
 </file>
 
 <file path=ppt/slides/slide3.xml><?xml version="1.0" encoding="utf-8"?>
-<p:sld xmlns:a="http://schemas.openxmlformats.org/drawingml/2006/main" xmlns:r="http://schemas.openxmlformats.org/officeDocument/2006/relationships" xmlns:mc="http://schemas.openxmlformats.org/markup-compatibility/2006" xmlns:mv="urn:schemas-microsoft-com:mac:vml" xmlns:p="http://schemas.openxmlformats.org/presentationml/2006/main" xmlns:c="http://schemas.openxmlformats.org/drawingml/2006/chart" xmlns:dgm="http://schemas.openxmlformats.org/drawingml/2006/diagram" xmlns:o="urn:schemas-microsoft-com:office:office" xmlns:v="urn:schemas-microsoft-com:vml" xmlns:pvml="urn:schemas-microsoft-com:office:powerpoint" xmlns:com="http://schemas.openxmlformats.org/drawingml/2006/compatibility" xmlns:p14="http://schemas.microsoft.com/office/powerpoint/2010/main" xmlns:p15="http://schemas.microsoft.com/office/powerpoint/2012/main" xmlns:ahyp="http://schemas.microsoft.com/office/drawing/2018/hyperlinkcolor">
+<p:sld xmlns:a="http://schemas.openxmlformats.org/drawingml/2006/main" xmlns:r="http://schemas.openxmlformats.org/officeDocument/2006/relationships" xmlns:p="http://schemas.openxmlformats.org/presentationml/2006/main">
   <p:cSld>
     <p:spTree>
       <p:nvGrpSpPr>
-        <p:cNvPr id="65" name="Shape 65"/>
+        <p:cNvPr id="1" name="Shape 65"/>
         <p:cNvGrpSpPr/>
         <p:nvPr/>
       </p:nvGrpSpPr>
@@ -7074,7 +7257,9 @@
       <p:sp>
         <p:nvSpPr>
           <p:cNvPr id="66" name="Google Shape;66;p15"/>
-          <p:cNvSpPr txBox="1"/>
+          <p:cNvSpPr txBox="1">
+            <a:spLocks noGrp="1"/>
+          </p:cNvSpPr>
           <p:nvPr>
             <p:ph type="title"/>
           </p:nvPr>
@@ -7089,12 +7274,12 @@
           </a:prstGeom>
         </p:spPr>
         <p:txBody>
-          <a:bodyPr anchorCtr="0" anchor="t" bIns="91425" lIns="91425" spcFirstLastPara="1" rIns="91425" wrap="square" tIns="91425">
+          <a:bodyPr spcFirstLastPara="1" wrap="square" lIns="91425" tIns="91425" rIns="91425" bIns="91425" anchor="t" anchorCtr="0">
             <a:normAutofit fontScale="90000"/>
           </a:bodyPr>
           <a:lstStyle/>
           <a:p>
-            <a:pPr indent="0" lvl="0" marL="0" rtl="0" algn="l">
+            <a:pPr marL="0" lvl="0" indent="0" algn="l" rtl="0">
               <a:spcBef>
                 <a:spcPts val="0"/>
               </a:spcBef>
@@ -7114,9 +7299,11 @@
       <p:sp>
         <p:nvSpPr>
           <p:cNvPr id="67" name="Google Shape;67;p15"/>
-          <p:cNvSpPr txBox="1"/>
+          <p:cNvSpPr txBox="1">
+            <a:spLocks noGrp="1"/>
+          </p:cNvSpPr>
           <p:nvPr>
-            <p:ph idx="1" type="body"/>
+            <p:ph type="body" idx="1"/>
           </p:nvPr>
         </p:nvSpPr>
         <p:spPr>
@@ -7129,12 +7316,12 @@
           </a:prstGeom>
         </p:spPr>
         <p:txBody>
-          <a:bodyPr anchorCtr="0" anchor="t" bIns="91425" lIns="91425" spcFirstLastPara="1" rIns="91425" wrap="square" tIns="91425">
-            <a:normAutofit lnSpcReduction="10000"/>
+          <a:bodyPr spcFirstLastPara="1" wrap="square" lIns="91425" tIns="91425" rIns="91425" bIns="91425" anchor="t" anchorCtr="0">
+            <a:normAutofit/>
           </a:bodyPr>
           <a:lstStyle/>
           <a:p>
-            <a:pPr indent="0" lvl="0" marL="0" rtl="0" algn="l">
+            <a:pPr marL="0" lvl="0" indent="0" algn="l" rtl="0">
               <a:spcBef>
                 <a:spcPts val="0"/>
               </a:spcBef>
@@ -7150,7 +7337,7 @@
             <a:endParaRPr/>
           </a:p>
           <a:p>
-            <a:pPr indent="0" lvl="0" marL="0" rtl="0" algn="l">
+            <a:pPr marL="0" lvl="0" indent="0" algn="l" rtl="0">
               <a:spcBef>
                 <a:spcPts val="1200"/>
               </a:spcBef>
@@ -7159,13 +7346,10 @@
               </a:spcAft>
               <a:buNone/>
             </a:pPr>
-            <a:r>
-              <a:t/>
-            </a:r>
-            <a:endParaRPr/>
-          </a:p>
-          <a:p>
-            <a:pPr indent="0" lvl="0" marL="0" rtl="0" algn="l">
+            <a:endParaRPr/>
+          </a:p>
+          <a:p>
+            <a:pPr marL="0" lvl="0" indent="0" algn="l" rtl="0">
               <a:spcBef>
                 <a:spcPts val="1200"/>
               </a:spcBef>
@@ -7174,13 +7358,10 @@
               </a:spcAft>
               <a:buNone/>
             </a:pPr>
-            <a:r>
-              <a:t/>
-            </a:r>
-            <a:endParaRPr/>
-          </a:p>
-          <a:p>
-            <a:pPr indent="0" lvl="0" marL="0" rtl="0" algn="l">
+            <a:endParaRPr/>
+          </a:p>
+          <a:p>
+            <a:pPr marL="0" lvl="0" indent="0" algn="l" rtl="0">
               <a:spcBef>
                 <a:spcPts val="1200"/>
               </a:spcBef>
@@ -7196,7 +7377,7 @@
             <a:endParaRPr/>
           </a:p>
           <a:p>
-            <a:pPr indent="0" lvl="0" marL="0" rtl="0" algn="l">
+            <a:pPr marL="0" lvl="0" indent="0" algn="l" rtl="0">
               <a:spcBef>
                 <a:spcPts val="1200"/>
               </a:spcBef>
@@ -7212,7 +7393,7 @@
             <a:endParaRPr/>
           </a:p>
           <a:p>
-            <a:pPr indent="0" lvl="0" marL="0" rtl="0" algn="l">
+            <a:pPr marL="0" lvl="0" indent="0" algn="l" rtl="0">
               <a:spcBef>
                 <a:spcPts val="1200"/>
               </a:spcBef>
@@ -7221,13 +7402,10 @@
               </a:spcAft>
               <a:buNone/>
             </a:pPr>
-            <a:r>
-              <a:t/>
-            </a:r>
-            <a:endParaRPr/>
-          </a:p>
-          <a:p>
-            <a:pPr indent="0" lvl="0" marL="0" rtl="0" algn="l">
+            <a:endParaRPr/>
+          </a:p>
+          <a:p>
+            <a:pPr marL="0" lvl="0" indent="0" algn="l" rtl="0">
               <a:spcBef>
                 <a:spcPts val="1200"/>
               </a:spcBef>
@@ -7236,9 +7414,6 @@
               </a:spcAft>
               <a:buNone/>
             </a:pPr>
-            <a:r>
-              <a:t/>
-            </a:r>
             <a:endParaRPr/>
           </a:p>
         </p:txBody>
@@ -7308,11 +7483,11 @@
 </file>
 
 <file path=ppt/slides/slide4.xml><?xml version="1.0" encoding="utf-8"?>
-<p:sld xmlns:a="http://schemas.openxmlformats.org/drawingml/2006/main" xmlns:r="http://schemas.openxmlformats.org/officeDocument/2006/relationships" xmlns:mc="http://schemas.openxmlformats.org/markup-compatibility/2006" xmlns:mv="urn:schemas-microsoft-com:mac:vml" xmlns:p="http://schemas.openxmlformats.org/presentationml/2006/main" xmlns:c="http://schemas.openxmlformats.org/drawingml/2006/chart" xmlns:dgm="http://schemas.openxmlformats.org/drawingml/2006/diagram" xmlns:o="urn:schemas-microsoft-com:office:office" xmlns:v="urn:schemas-microsoft-com:vml" xmlns:pvml="urn:schemas-microsoft-com:office:powerpoint" xmlns:com="http://schemas.openxmlformats.org/drawingml/2006/compatibility" xmlns:p14="http://schemas.microsoft.com/office/powerpoint/2010/main" xmlns:p15="http://schemas.microsoft.com/office/powerpoint/2012/main" xmlns:ahyp="http://schemas.microsoft.com/office/drawing/2018/hyperlinkcolor">
+<p:sld xmlns:a="http://schemas.openxmlformats.org/drawingml/2006/main" xmlns:r="http://schemas.openxmlformats.org/officeDocument/2006/relationships" xmlns:p="http://schemas.openxmlformats.org/presentationml/2006/main">
   <p:cSld>
     <p:spTree>
       <p:nvGrpSpPr>
-        <p:cNvPr id="73" name="Shape 73"/>
+        <p:cNvPr id="1" name="Shape 73"/>
         <p:cNvGrpSpPr/>
         <p:nvPr/>
       </p:nvGrpSpPr>
@@ -7327,7 +7502,9 @@
       <p:sp>
         <p:nvSpPr>
           <p:cNvPr id="74" name="Google Shape;74;p16"/>
-          <p:cNvSpPr txBox="1"/>
+          <p:cNvSpPr txBox="1">
+            <a:spLocks noGrp="1"/>
+          </p:cNvSpPr>
           <p:nvPr>
             <p:ph type="title"/>
           </p:nvPr>
@@ -7342,12 +7519,12 @@
           </a:prstGeom>
         </p:spPr>
         <p:txBody>
-          <a:bodyPr anchorCtr="0" anchor="t" bIns="91425" lIns="91425" spcFirstLastPara="1" rIns="91425" wrap="square" tIns="91425">
+          <a:bodyPr spcFirstLastPara="1" wrap="square" lIns="91425" tIns="91425" rIns="91425" bIns="91425" anchor="t" anchorCtr="0">
             <a:normAutofit fontScale="90000"/>
           </a:bodyPr>
           <a:lstStyle/>
           <a:p>
-            <a:pPr indent="0" lvl="0" marL="0" rtl="0" algn="l">
+            <a:pPr marL="0" lvl="0" indent="0" algn="l" rtl="0">
               <a:spcBef>
                 <a:spcPts val="0"/>
               </a:spcBef>
@@ -7367,9 +7544,11 @@
       <p:sp>
         <p:nvSpPr>
           <p:cNvPr id="75" name="Google Shape;75;p16"/>
-          <p:cNvSpPr txBox="1"/>
+          <p:cNvSpPr txBox="1">
+            <a:spLocks noGrp="1"/>
+          </p:cNvSpPr>
           <p:nvPr>
-            <p:ph idx="1" type="body"/>
+            <p:ph type="body" idx="1"/>
           </p:nvPr>
         </p:nvSpPr>
         <p:spPr>
@@ -7382,12 +7561,12 @@
           </a:prstGeom>
         </p:spPr>
         <p:txBody>
-          <a:bodyPr anchorCtr="0" anchor="t" bIns="91425" lIns="91425" spcFirstLastPara="1" rIns="91425" wrap="square" tIns="91425">
+          <a:bodyPr spcFirstLastPara="1" wrap="square" lIns="91425" tIns="91425" rIns="91425" bIns="91425" anchor="t" anchorCtr="0">
             <a:normAutofit/>
           </a:bodyPr>
           <a:lstStyle/>
           <a:p>
-            <a:pPr indent="0" lvl="0" marL="0" rtl="0" algn="l">
+            <a:pPr marL="0" lvl="0" indent="0" algn="l" rtl="0">
               <a:spcBef>
                 <a:spcPts val="0"/>
               </a:spcBef>
@@ -7403,7 +7582,7 @@
             <a:endParaRPr/>
           </a:p>
           <a:p>
-            <a:pPr indent="0" lvl="0" marL="0" rtl="0" algn="l">
+            <a:pPr marL="0" lvl="0" indent="0" algn="l" rtl="0">
               <a:spcBef>
                 <a:spcPts val="1200"/>
               </a:spcBef>
@@ -7412,13 +7591,10 @@
               </a:spcAft>
               <a:buNone/>
             </a:pPr>
-            <a:r>
-              <a:t/>
-            </a:r>
-            <a:endParaRPr/>
-          </a:p>
-          <a:p>
-            <a:pPr indent="0" lvl="0" marL="0" rtl="0" algn="l">
+            <a:endParaRPr/>
+          </a:p>
+          <a:p>
+            <a:pPr marL="0" lvl="0" indent="0" algn="l" rtl="0">
               <a:spcBef>
                 <a:spcPts val="1200"/>
               </a:spcBef>
@@ -7434,7 +7610,7 @@
             <a:endParaRPr/>
           </a:p>
           <a:p>
-            <a:pPr indent="0" lvl="0" marL="0" rtl="0" algn="l">
+            <a:pPr marL="0" lvl="0" indent="0" algn="l" rtl="0">
               <a:spcBef>
                 <a:spcPts val="1200"/>
               </a:spcBef>
@@ -7443,13 +7619,10 @@
               </a:spcAft>
               <a:buNone/>
             </a:pPr>
-            <a:r>
-              <a:t/>
-            </a:r>
-            <a:endParaRPr/>
-          </a:p>
-          <a:p>
-            <a:pPr indent="0" lvl="0" marL="0" rtl="0" algn="l">
+            <a:endParaRPr/>
+          </a:p>
+          <a:p>
+            <a:pPr marL="0" lvl="0" indent="0" algn="l" rtl="0">
               <a:spcBef>
                 <a:spcPts val="1200"/>
               </a:spcBef>
@@ -7458,9 +7631,6 @@
               </a:spcAft>
               <a:buNone/>
             </a:pPr>
-            <a:r>
-              <a:t/>
-            </a:r>
             <a:endParaRPr/>
           </a:p>
         </p:txBody>
@@ -7530,11 +7700,11 @@
 </file>
 
 <file path=ppt/slides/slide5.xml><?xml version="1.0" encoding="utf-8"?>
-<p:sld xmlns:a="http://schemas.openxmlformats.org/drawingml/2006/main" xmlns:r="http://schemas.openxmlformats.org/officeDocument/2006/relationships" xmlns:mc="http://schemas.openxmlformats.org/markup-compatibility/2006" xmlns:mv="urn:schemas-microsoft-com:mac:vml" xmlns:p="http://schemas.openxmlformats.org/presentationml/2006/main" xmlns:c="http://schemas.openxmlformats.org/drawingml/2006/chart" xmlns:dgm="http://schemas.openxmlformats.org/drawingml/2006/diagram" xmlns:o="urn:schemas-microsoft-com:office:office" xmlns:v="urn:schemas-microsoft-com:vml" xmlns:pvml="urn:schemas-microsoft-com:office:powerpoint" xmlns:com="http://schemas.openxmlformats.org/drawingml/2006/compatibility" xmlns:p14="http://schemas.microsoft.com/office/powerpoint/2010/main" xmlns:p15="http://schemas.microsoft.com/office/powerpoint/2012/main" xmlns:ahyp="http://schemas.microsoft.com/office/drawing/2018/hyperlinkcolor">
+<p:sld xmlns:a="http://schemas.openxmlformats.org/drawingml/2006/main" xmlns:r="http://schemas.openxmlformats.org/officeDocument/2006/relationships" xmlns:p="http://schemas.openxmlformats.org/presentationml/2006/main">
   <p:cSld>
     <p:spTree>
       <p:nvGrpSpPr>
-        <p:cNvPr id="81" name="Shape 81"/>
+        <p:cNvPr id="1" name="Shape 81"/>
         <p:cNvGrpSpPr/>
         <p:nvPr/>
       </p:nvGrpSpPr>
@@ -7549,7 +7719,9 @@
       <p:sp>
         <p:nvSpPr>
           <p:cNvPr id="82" name="Google Shape;82;p17"/>
-          <p:cNvSpPr txBox="1"/>
+          <p:cNvSpPr txBox="1">
+            <a:spLocks noGrp="1"/>
+          </p:cNvSpPr>
           <p:nvPr>
             <p:ph type="title"/>
           </p:nvPr>
@@ -7564,12 +7736,12 @@
           </a:prstGeom>
         </p:spPr>
         <p:txBody>
-          <a:bodyPr anchorCtr="0" anchor="t" bIns="91425" lIns="91425" spcFirstLastPara="1" rIns="91425" wrap="square" tIns="91425">
+          <a:bodyPr spcFirstLastPara="1" wrap="square" lIns="91425" tIns="91425" rIns="91425" bIns="91425" anchor="t" anchorCtr="0">
             <a:normAutofit fontScale="90000"/>
           </a:bodyPr>
           <a:lstStyle/>
           <a:p>
-            <a:pPr indent="0" lvl="0" marL="0" rtl="0" algn="l">
+            <a:pPr marL="0" lvl="0" indent="0" algn="l" rtl="0">
               <a:spcBef>
                 <a:spcPts val="0"/>
               </a:spcBef>
@@ -7589,9 +7761,11 @@
       <p:sp>
         <p:nvSpPr>
           <p:cNvPr id="83" name="Google Shape;83;p17"/>
-          <p:cNvSpPr txBox="1"/>
+          <p:cNvSpPr txBox="1">
+            <a:spLocks noGrp="1"/>
+          </p:cNvSpPr>
           <p:nvPr>
-            <p:ph idx="1" type="body"/>
+            <p:ph type="body" idx="1"/>
           </p:nvPr>
         </p:nvSpPr>
         <p:spPr>
@@ -7604,12 +7778,12 @@
           </a:prstGeom>
         </p:spPr>
         <p:txBody>
-          <a:bodyPr anchorCtr="0" anchor="t" bIns="91425" lIns="91425" spcFirstLastPara="1" rIns="91425" wrap="square" tIns="91425">
+          <a:bodyPr spcFirstLastPara="1" wrap="square" lIns="91425" tIns="91425" rIns="91425" bIns="91425" anchor="t" anchorCtr="0">
             <a:normAutofit/>
           </a:bodyPr>
           <a:lstStyle/>
           <a:p>
-            <a:pPr indent="0" lvl="0" marL="0" rtl="0" algn="l">
+            <a:pPr marL="0" lvl="0" indent="0" algn="l" rtl="0">
               <a:spcBef>
                 <a:spcPts val="0"/>
               </a:spcBef>
@@ -7625,7 +7799,7 @@
             <a:endParaRPr/>
           </a:p>
           <a:p>
-            <a:pPr indent="-342900" lvl="0" marL="457200" rtl="0" algn="l">
+            <a:pPr marL="457200" lvl="0" indent="-342900" algn="l" rtl="0">
               <a:spcBef>
                 <a:spcPts val="1200"/>
               </a:spcBef>
@@ -7642,7 +7816,7 @@
             <a:endParaRPr/>
           </a:p>
           <a:p>
-            <a:pPr indent="-342900" lvl="0" marL="457200" rtl="0" algn="l">
+            <a:pPr marL="457200" lvl="0" indent="-342900" algn="l" rtl="0">
               <a:spcBef>
                 <a:spcPts val="0"/>
               </a:spcBef>
@@ -7659,7 +7833,7 @@
             <a:endParaRPr/>
           </a:p>
           <a:p>
-            <a:pPr indent="-342900" lvl="0" marL="457200" rtl="0" algn="l">
+            <a:pPr marL="457200" lvl="0" indent="-342900" algn="l" rtl="0">
               <a:spcBef>
                 <a:spcPts val="0"/>
               </a:spcBef>
@@ -7676,7 +7850,7 @@
             <a:endParaRPr/>
           </a:p>
           <a:p>
-            <a:pPr indent="-342900" lvl="0" marL="457200" rtl="0" algn="l">
+            <a:pPr marL="457200" lvl="0" indent="-342900" algn="l" rtl="0">
               <a:spcBef>
                 <a:spcPts val="0"/>
               </a:spcBef>
@@ -7703,11 +7877,11 @@
 </file>
 
 <file path=ppt/slides/slide6.xml><?xml version="1.0" encoding="utf-8"?>
-<p:sld xmlns:a="http://schemas.openxmlformats.org/drawingml/2006/main" xmlns:r="http://schemas.openxmlformats.org/officeDocument/2006/relationships" xmlns:mc="http://schemas.openxmlformats.org/markup-compatibility/2006" xmlns:mv="urn:schemas-microsoft-com:mac:vml" xmlns:p="http://schemas.openxmlformats.org/presentationml/2006/main" xmlns:c="http://schemas.openxmlformats.org/drawingml/2006/chart" xmlns:dgm="http://schemas.openxmlformats.org/drawingml/2006/diagram" xmlns:o="urn:schemas-microsoft-com:office:office" xmlns:v="urn:schemas-microsoft-com:vml" xmlns:pvml="urn:schemas-microsoft-com:office:powerpoint" xmlns:com="http://schemas.openxmlformats.org/drawingml/2006/compatibility" xmlns:p14="http://schemas.microsoft.com/office/powerpoint/2010/main" xmlns:p15="http://schemas.microsoft.com/office/powerpoint/2012/main" xmlns:ahyp="http://schemas.microsoft.com/office/drawing/2018/hyperlinkcolor">
+<p:sld xmlns:a="http://schemas.openxmlformats.org/drawingml/2006/main" xmlns:r="http://schemas.openxmlformats.org/officeDocument/2006/relationships" xmlns:p="http://schemas.openxmlformats.org/presentationml/2006/main">
   <p:cSld>
     <p:spTree>
       <p:nvGrpSpPr>
-        <p:cNvPr id="87" name="Shape 87"/>
+        <p:cNvPr id="1" name="Shape 87"/>
         <p:cNvGrpSpPr/>
         <p:nvPr/>
       </p:nvGrpSpPr>
@@ -7722,7 +7896,9 @@
       <p:sp>
         <p:nvSpPr>
           <p:cNvPr id="88" name="Google Shape;88;p18"/>
-          <p:cNvSpPr txBox="1"/>
+          <p:cNvSpPr txBox="1">
+            <a:spLocks noGrp="1"/>
+          </p:cNvSpPr>
           <p:nvPr>
             <p:ph type="title"/>
           </p:nvPr>
@@ -7737,12 +7913,12 @@
           </a:prstGeom>
         </p:spPr>
         <p:txBody>
-          <a:bodyPr anchorCtr="0" anchor="t" bIns="91425" lIns="91425" spcFirstLastPara="1" rIns="91425" wrap="square" tIns="91425">
+          <a:bodyPr spcFirstLastPara="1" wrap="square" lIns="91425" tIns="91425" rIns="91425" bIns="91425" anchor="t" anchorCtr="0">
             <a:normAutofit fontScale="90000"/>
           </a:bodyPr>
           <a:lstStyle/>
           <a:p>
-            <a:pPr indent="0" lvl="0" marL="0" rtl="0" algn="l">
+            <a:pPr marL="0" lvl="0" indent="0" algn="l" rtl="0">
               <a:spcBef>
                 <a:spcPts val="0"/>
               </a:spcBef>
@@ -7762,9 +7938,11 @@
       <p:sp>
         <p:nvSpPr>
           <p:cNvPr id="89" name="Google Shape;89;p18"/>
-          <p:cNvSpPr txBox="1"/>
+          <p:cNvSpPr txBox="1">
+            <a:spLocks noGrp="1"/>
+          </p:cNvSpPr>
           <p:nvPr>
-            <p:ph idx="1" type="body"/>
+            <p:ph type="body" idx="1"/>
           </p:nvPr>
         </p:nvSpPr>
         <p:spPr>
@@ -7777,12 +7955,12 @@
           </a:prstGeom>
         </p:spPr>
         <p:txBody>
-          <a:bodyPr anchorCtr="0" anchor="t" bIns="91425" lIns="91425" spcFirstLastPara="1" rIns="91425" wrap="square" tIns="91425">
+          <a:bodyPr spcFirstLastPara="1" wrap="square" lIns="91425" tIns="91425" rIns="91425" bIns="91425" anchor="t" anchorCtr="0">
             <a:normAutofit/>
           </a:bodyPr>
           <a:lstStyle/>
           <a:p>
-            <a:pPr indent="0" lvl="0" marL="0" rtl="0" algn="l">
+            <a:pPr marL="0" lvl="0" indent="0" algn="l" rtl="0">
               <a:spcBef>
                 <a:spcPts val="0"/>
               </a:spcBef>
@@ -7792,75 +7970,60 @@
               <a:buNone/>
             </a:pPr>
             <a:r>
-              <a:rPr lang="en"/>
-              <a:t>I wrote this slide at 6 am on exactly 0 hours of sleep. I do not remember what a Certifier Process is.</a:t>
+              <a:rPr lang="en-US" dirty="0"/>
+              <a:t>Our certifier is encapsulated in the verify(option) method</a:t>
             </a:r>
-            <a:endParaRPr/>
-          </a:p>
-          <a:p>
-            <a:pPr indent="0" lvl="0" marL="0" rtl="0" algn="l">
-              <a:spcBef>
-                <a:spcPts val="1200"/>
-              </a:spcBef>
-              <a:spcAft>
-                <a:spcPts val="0"/>
-              </a:spcAft>
-              <a:buNone/>
-            </a:pPr>
-            <a:r>
-              <a:t/>
-            </a:r>
-            <a:endParaRPr/>
-          </a:p>
-          <a:p>
-            <a:pPr indent="0" lvl="0" marL="0" rtl="0" algn="l">
-              <a:spcBef>
-                <a:spcPts val="1200"/>
-              </a:spcBef>
-              <a:spcAft>
-                <a:spcPts val="0"/>
-              </a:spcAft>
-              <a:buNone/>
-            </a:pPr>
-            <a:r>
-              <a:rPr lang="en"/>
-              <a:t>I am sorry for whatever ends up here, because God knows it isn’t what’s supposed to be here.</a:t>
-            </a:r>
-            <a:endParaRPr/>
-          </a:p>
-          <a:p>
-            <a:pPr indent="0" lvl="0" marL="0" rtl="0" algn="l">
-              <a:spcBef>
-                <a:spcPts val="1200"/>
-              </a:spcBef>
-              <a:spcAft>
-                <a:spcPts val="0"/>
-              </a:spcAft>
-              <a:buNone/>
-            </a:pPr>
-            <a:r>
-              <a:t/>
-            </a:r>
-            <a:endParaRPr/>
-          </a:p>
-          <a:p>
-            <a:pPr indent="0" lvl="0" marL="0" rtl="0" algn="l">
-              <a:spcBef>
-                <a:spcPts val="1200"/>
-              </a:spcBef>
-              <a:spcAft>
-                <a:spcPts val="1200"/>
-              </a:spcAft>
-              <a:buNone/>
-            </a:pPr>
-            <a:r>
-              <a:rPr lang="en"/>
-              <a:t>I genuinely cannot for the life of me figure out what a certifier process is but I’m supposed to have one here.</a:t>
-            </a:r>
-            <a:endParaRPr/>
+            <a:endParaRPr dirty="0"/>
           </a:p>
         </p:txBody>
       </p:sp>
+      <p:pic>
+        <p:nvPicPr>
+          <p:cNvPr id="1026" name="Picture 2">
+            <a:extLst>
+              <a:ext uri="{FF2B5EF4-FFF2-40B4-BE49-F238E27FC236}">
+                <a16:creationId xmlns:a16="http://schemas.microsoft.com/office/drawing/2014/main" id="{B2D9DBF3-2D2E-FA78-16FC-B349B1F4A9B6}"/>
+              </a:ext>
+            </a:extLst>
+          </p:cNvPr>
+          <p:cNvPicPr>
+            <a:picLocks noChangeAspect="1" noChangeArrowheads="1"/>
+          </p:cNvPicPr>
+          <p:nvPr/>
+        </p:nvPicPr>
+        <p:blipFill>
+          <a:blip r:embed="rId3">
+            <a:extLst>
+              <a:ext uri="{28A0092B-C50C-407E-A947-70E740481C1C}">
+                <a14:useLocalDpi xmlns:a14="http://schemas.microsoft.com/office/drawing/2010/main" val="0"/>
+              </a:ext>
+            </a:extLst>
+          </a:blip>
+          <a:srcRect/>
+          <a:stretch>
+            <a:fillRect/>
+          </a:stretch>
+        </p:blipFill>
+        <p:spPr bwMode="auto">
+          <a:xfrm>
+            <a:off x="1773140" y="1697106"/>
+            <a:ext cx="6225871" cy="3112936"/>
+          </a:xfrm>
+          <a:prstGeom prst="rect">
+            <a:avLst/>
+          </a:prstGeom>
+          <a:noFill/>
+          <a:extLst>
+            <a:ext uri="{909E8E84-426E-40DD-AFC4-6F175D3DCCD1}">
+              <a14:hiddenFill xmlns:a14="http://schemas.microsoft.com/office/drawing/2010/main">
+                <a:solidFill>
+                  <a:srgbClr val="FFFFFF"/>
+                </a:solidFill>
+              </a14:hiddenFill>
+            </a:ext>
+          </a:extLst>
+        </p:spPr>
+      </p:pic>
     </p:spTree>
   </p:cSld>
   <p:clrMapOvr>
@@ -7870,11 +8033,11 @@
 </file>
 
 <file path=ppt/slides/slide7.xml><?xml version="1.0" encoding="utf-8"?>
-<p:sld xmlns:a="http://schemas.openxmlformats.org/drawingml/2006/main" xmlns:r="http://schemas.openxmlformats.org/officeDocument/2006/relationships" xmlns:mc="http://schemas.openxmlformats.org/markup-compatibility/2006" xmlns:mv="urn:schemas-microsoft-com:mac:vml" xmlns:p="http://schemas.openxmlformats.org/presentationml/2006/main" xmlns:c="http://schemas.openxmlformats.org/drawingml/2006/chart" xmlns:dgm="http://schemas.openxmlformats.org/drawingml/2006/diagram" xmlns:o="urn:schemas-microsoft-com:office:office" xmlns:v="urn:schemas-microsoft-com:vml" xmlns:pvml="urn:schemas-microsoft-com:office:powerpoint" xmlns:com="http://schemas.openxmlformats.org/drawingml/2006/compatibility" xmlns:p14="http://schemas.microsoft.com/office/powerpoint/2010/main" xmlns:p15="http://schemas.microsoft.com/office/powerpoint/2012/main" xmlns:ahyp="http://schemas.microsoft.com/office/drawing/2018/hyperlinkcolor">
+<p:sld xmlns:a="http://schemas.openxmlformats.org/drawingml/2006/main" xmlns:r="http://schemas.openxmlformats.org/officeDocument/2006/relationships" xmlns:p="http://schemas.openxmlformats.org/presentationml/2006/main">
   <p:cSld>
     <p:spTree>
       <p:nvGrpSpPr>
-        <p:cNvPr id="93" name="Shape 93"/>
+        <p:cNvPr id="1" name="Shape 93"/>
         <p:cNvGrpSpPr/>
         <p:nvPr/>
       </p:nvGrpSpPr>
@@ -7889,7 +8052,9 @@
       <p:sp>
         <p:nvSpPr>
           <p:cNvPr id="94" name="Google Shape;94;p19"/>
-          <p:cNvSpPr txBox="1"/>
+          <p:cNvSpPr txBox="1">
+            <a:spLocks noGrp="1"/>
+          </p:cNvSpPr>
           <p:nvPr>
             <p:ph type="title"/>
           </p:nvPr>
@@ -7904,12 +8069,12 @@
           </a:prstGeom>
         </p:spPr>
         <p:txBody>
-          <a:bodyPr anchorCtr="0" anchor="t" bIns="91425" lIns="91425" spcFirstLastPara="1" rIns="91425" wrap="square" tIns="91425">
+          <a:bodyPr spcFirstLastPara="1" wrap="square" lIns="91425" tIns="91425" rIns="91425" bIns="91425" anchor="t" anchorCtr="0">
             <a:normAutofit fontScale="90000"/>
           </a:bodyPr>
           <a:lstStyle/>
           <a:p>
-            <a:pPr indent="0" lvl="0" marL="0" rtl="0" algn="l">
+            <a:pPr marL="0" lvl="0" indent="0" algn="l" rtl="0">
               <a:spcBef>
                 <a:spcPts val="0"/>
               </a:spcBef>
@@ -7929,9 +8094,11 @@
       <p:sp>
         <p:nvSpPr>
           <p:cNvPr id="95" name="Google Shape;95;p19"/>
-          <p:cNvSpPr txBox="1"/>
+          <p:cNvSpPr txBox="1">
+            <a:spLocks noGrp="1"/>
+          </p:cNvSpPr>
           <p:nvPr>
-            <p:ph idx="1" type="body"/>
+            <p:ph type="body" idx="1"/>
           </p:nvPr>
         </p:nvSpPr>
         <p:spPr>
@@ -7944,12 +8111,12 @@
           </a:prstGeom>
         </p:spPr>
         <p:txBody>
-          <a:bodyPr anchorCtr="0" anchor="t" bIns="91425" lIns="91425" spcFirstLastPara="1" rIns="91425" wrap="square" tIns="91425">
+          <a:bodyPr spcFirstLastPara="1" wrap="square" lIns="91425" tIns="91425" rIns="91425" bIns="91425" anchor="t" anchorCtr="0">
             <a:normAutofit/>
           </a:bodyPr>
           <a:lstStyle/>
           <a:p>
-            <a:pPr indent="0" lvl="0" marL="0" rtl="0" algn="ctr">
+            <a:pPr marL="0" lvl="0" indent="0" algn="ctr" rtl="0">
               <a:spcBef>
                 <a:spcPts val="0"/>
               </a:spcBef>
@@ -7963,7 +8130,7 @@
               <a:t>Independent Set ≤</a:t>
             </a:r>
             <a:r>
-              <a:rPr baseline="-25000" lang="en"/>
+              <a:rPr lang="en" baseline="-25000"/>
               <a:t>p</a:t>
             </a:r>
             <a:r>
@@ -7973,7 +8140,7 @@
             <a:endParaRPr/>
           </a:p>
           <a:p>
-            <a:pPr indent="0" lvl="0" marL="0" rtl="0" algn="ctr">
+            <a:pPr marL="0" lvl="0" indent="0" algn="ctr" rtl="0">
               <a:spcBef>
                 <a:spcPts val="1200"/>
               </a:spcBef>
@@ -7982,13 +8149,10 @@
               </a:spcAft>
               <a:buNone/>
             </a:pPr>
-            <a:r>
-              <a:t/>
-            </a:r>
-            <a:endParaRPr/>
-          </a:p>
-          <a:p>
-            <a:pPr indent="0" lvl="0" marL="0" rtl="0" algn="l">
+            <a:endParaRPr/>
+          </a:p>
+          <a:p>
+            <a:pPr marL="0" lvl="0" indent="0" algn="l" rtl="0">
               <a:spcBef>
                 <a:spcPts val="1200"/>
               </a:spcBef>
@@ -8014,11 +8178,11 @@
 </file>
 
 <file path=ppt/slides/slide8.xml><?xml version="1.0" encoding="utf-8"?>
-<p:sld xmlns:a="http://schemas.openxmlformats.org/drawingml/2006/main" xmlns:r="http://schemas.openxmlformats.org/officeDocument/2006/relationships" xmlns:mc="http://schemas.openxmlformats.org/markup-compatibility/2006" xmlns:mv="urn:schemas-microsoft-com:mac:vml" xmlns:p="http://schemas.openxmlformats.org/presentationml/2006/main" xmlns:c="http://schemas.openxmlformats.org/drawingml/2006/chart" xmlns:dgm="http://schemas.openxmlformats.org/drawingml/2006/diagram" xmlns:o="urn:schemas-microsoft-com:office:office" xmlns:v="urn:schemas-microsoft-com:vml" xmlns:pvml="urn:schemas-microsoft-com:office:powerpoint" xmlns:com="http://schemas.openxmlformats.org/drawingml/2006/compatibility" xmlns:p14="http://schemas.microsoft.com/office/powerpoint/2010/main" xmlns:p15="http://schemas.microsoft.com/office/powerpoint/2012/main" xmlns:ahyp="http://schemas.microsoft.com/office/drawing/2018/hyperlinkcolor">
+<p:sld xmlns:a="http://schemas.openxmlformats.org/drawingml/2006/main" xmlns:r="http://schemas.openxmlformats.org/officeDocument/2006/relationships" xmlns:p="http://schemas.openxmlformats.org/presentationml/2006/main">
   <p:cSld>
     <p:spTree>
       <p:nvGrpSpPr>
-        <p:cNvPr id="99" name="Shape 99"/>
+        <p:cNvPr id="1" name="Shape 99"/>
         <p:cNvGrpSpPr/>
         <p:nvPr/>
       </p:nvGrpSpPr>
@@ -8033,7 +8197,9 @@
       <p:sp>
         <p:nvSpPr>
           <p:cNvPr id="100" name="Google Shape;100;p20"/>
-          <p:cNvSpPr txBox="1"/>
+          <p:cNvSpPr txBox="1">
+            <a:spLocks noGrp="1"/>
+          </p:cNvSpPr>
           <p:nvPr>
             <p:ph type="title"/>
           </p:nvPr>
@@ -8048,12 +8214,12 @@
           </a:prstGeom>
         </p:spPr>
         <p:txBody>
-          <a:bodyPr anchorCtr="0" anchor="t" bIns="91425" lIns="91425" spcFirstLastPara="1" rIns="91425" wrap="square" tIns="91425">
+          <a:bodyPr spcFirstLastPara="1" wrap="square" lIns="91425" tIns="91425" rIns="91425" bIns="91425" anchor="t" anchorCtr="0">
             <a:normAutofit fontScale="90000"/>
           </a:bodyPr>
           <a:lstStyle/>
           <a:p>
-            <a:pPr indent="0" lvl="0" marL="0" rtl="0" algn="l">
+            <a:pPr marL="0" lvl="0" indent="0" algn="l" rtl="0">
               <a:spcBef>
                 <a:spcPts val="0"/>
               </a:spcBef>
@@ -8073,9 +8239,11 @@
       <p:sp>
         <p:nvSpPr>
           <p:cNvPr id="101" name="Google Shape;101;p20"/>
-          <p:cNvSpPr txBox="1"/>
+          <p:cNvSpPr txBox="1">
+            <a:spLocks noGrp="1"/>
+          </p:cNvSpPr>
           <p:nvPr>
-            <p:ph idx="1" type="body"/>
+            <p:ph type="body" idx="1"/>
           </p:nvPr>
         </p:nvSpPr>
         <p:spPr>
@@ -8088,12 +8256,12 @@
           </a:prstGeom>
         </p:spPr>
         <p:txBody>
-          <a:bodyPr anchorCtr="0" anchor="t" bIns="91425" lIns="91425" spcFirstLastPara="1" rIns="91425" wrap="square" tIns="91425">
+          <a:bodyPr spcFirstLastPara="1" wrap="square" lIns="91425" tIns="91425" rIns="91425" bIns="91425" anchor="t" anchorCtr="0">
             <a:normAutofit/>
           </a:bodyPr>
           <a:lstStyle/>
           <a:p>
-            <a:pPr indent="0" lvl="0" marL="0" rtl="0" algn="l">
+            <a:pPr marL="0" lvl="0" indent="0" algn="l" rtl="0">
               <a:spcBef>
                 <a:spcPts val="0"/>
               </a:spcBef>
@@ -8104,16 +8272,12 @@
             </a:pPr>
             <a:r>
               <a:rPr lang="en"/>
-              <a:t>Take </a:t>
+              <a:t>Take this graph from earlier:</a:t>
             </a:r>
-            <a:r>
-              <a:rPr lang="en"/>
-              <a:t>this graph from earlier:</a:t>
-            </a:r>
-            <a:endParaRPr/>
-          </a:p>
-          <a:p>
-            <a:pPr indent="0" lvl="0" marL="0" rtl="0" algn="l">
+            <a:endParaRPr/>
+          </a:p>
+          <a:p>
+            <a:pPr marL="0" lvl="0" indent="0" algn="l" rtl="0">
               <a:spcBef>
                 <a:spcPts val="1200"/>
               </a:spcBef>
@@ -8122,13 +8286,10 @@
               </a:spcAft>
               <a:buNone/>
             </a:pPr>
-            <a:r>
-              <a:t/>
-            </a:r>
-            <a:endParaRPr/>
-          </a:p>
-          <a:p>
-            <a:pPr indent="0" lvl="0" marL="0" rtl="0" algn="l">
+            <a:endParaRPr/>
+          </a:p>
+          <a:p>
+            <a:pPr marL="0" lvl="0" indent="0" algn="l" rtl="0">
               <a:spcBef>
                 <a:spcPts val="1200"/>
               </a:spcBef>
@@ -8144,7 +8305,7 @@
             <a:endParaRPr/>
           </a:p>
           <a:p>
-            <a:pPr indent="0" lvl="0" marL="0" rtl="0" algn="l">
+            <a:pPr marL="0" lvl="0" indent="0" algn="l" rtl="0">
               <a:spcBef>
                 <a:spcPts val="1200"/>
               </a:spcBef>
@@ -8160,7 +8321,7 @@
             <a:endParaRPr/>
           </a:p>
           <a:p>
-            <a:pPr indent="0" lvl="0" marL="0" rtl="0" algn="l">
+            <a:pPr marL="0" lvl="0" indent="0" algn="l" rtl="0">
               <a:spcBef>
                 <a:spcPts val="1200"/>
               </a:spcBef>
@@ -8176,7 +8337,7 @@
             <a:endParaRPr/>
           </a:p>
           <a:p>
-            <a:pPr indent="0" lvl="0" marL="0" rtl="0" algn="l">
+            <a:pPr marL="0" lvl="0" indent="0" algn="l" rtl="0">
               <a:spcBef>
                 <a:spcPts val="1200"/>
               </a:spcBef>
@@ -8230,11 +8391,11 @@
 </file>
 
 <file path=ppt/slides/slide9.xml><?xml version="1.0" encoding="utf-8"?>
-<p:sld xmlns:a="http://schemas.openxmlformats.org/drawingml/2006/main" xmlns:r="http://schemas.openxmlformats.org/officeDocument/2006/relationships" xmlns:mc="http://schemas.openxmlformats.org/markup-compatibility/2006" xmlns:mv="urn:schemas-microsoft-com:mac:vml" xmlns:p="http://schemas.openxmlformats.org/presentationml/2006/main" xmlns:c="http://schemas.openxmlformats.org/drawingml/2006/chart" xmlns:dgm="http://schemas.openxmlformats.org/drawingml/2006/diagram" xmlns:o="urn:schemas-microsoft-com:office:office" xmlns:v="urn:schemas-microsoft-com:vml" xmlns:pvml="urn:schemas-microsoft-com:office:powerpoint" xmlns:com="http://schemas.openxmlformats.org/drawingml/2006/compatibility" xmlns:p14="http://schemas.microsoft.com/office/powerpoint/2010/main" xmlns:p15="http://schemas.microsoft.com/office/powerpoint/2012/main" xmlns:ahyp="http://schemas.microsoft.com/office/drawing/2018/hyperlinkcolor">
+<p:sld xmlns:a="http://schemas.openxmlformats.org/drawingml/2006/main" xmlns:r="http://schemas.openxmlformats.org/officeDocument/2006/relationships" xmlns:p="http://schemas.openxmlformats.org/presentationml/2006/main">
   <p:cSld>
     <p:spTree>
       <p:nvGrpSpPr>
-        <p:cNvPr id="106" name="Shape 106"/>
+        <p:cNvPr id="1" name="Shape 106"/>
         <p:cNvGrpSpPr/>
         <p:nvPr/>
       </p:nvGrpSpPr>
@@ -8249,7 +8410,9 @@
       <p:sp>
         <p:nvSpPr>
           <p:cNvPr id="107" name="Google Shape;107;p21"/>
-          <p:cNvSpPr txBox="1"/>
+          <p:cNvSpPr txBox="1">
+            <a:spLocks noGrp="1"/>
+          </p:cNvSpPr>
           <p:nvPr>
             <p:ph type="title"/>
           </p:nvPr>
@@ -8264,12 +8427,12 @@
           </a:prstGeom>
         </p:spPr>
         <p:txBody>
-          <a:bodyPr anchorCtr="0" anchor="t" bIns="91425" lIns="91425" spcFirstLastPara="1" rIns="91425" wrap="square" tIns="91425">
+          <a:bodyPr spcFirstLastPara="1" wrap="square" lIns="91425" tIns="91425" rIns="91425" bIns="91425" anchor="t" anchorCtr="0">
             <a:normAutofit fontScale="90000"/>
           </a:bodyPr>
           <a:lstStyle/>
           <a:p>
-            <a:pPr indent="0" lvl="0" marL="0" rtl="0" algn="l">
+            <a:pPr marL="0" lvl="0" indent="0" algn="l" rtl="0">
               <a:spcBef>
                 <a:spcPts val="0"/>
               </a:spcBef>
@@ -8289,9 +8452,11 @@
       <p:sp>
         <p:nvSpPr>
           <p:cNvPr id="108" name="Google Shape;108;p21"/>
-          <p:cNvSpPr txBox="1"/>
+          <p:cNvSpPr txBox="1">
+            <a:spLocks noGrp="1"/>
+          </p:cNvSpPr>
           <p:nvPr>
-            <p:ph idx="1" type="body"/>
+            <p:ph type="body" idx="1"/>
           </p:nvPr>
         </p:nvSpPr>
         <p:spPr>
@@ -8304,12 +8469,12 @@
           </a:prstGeom>
         </p:spPr>
         <p:txBody>
-          <a:bodyPr anchorCtr="0" anchor="t" bIns="91425" lIns="91425" spcFirstLastPara="1" rIns="91425" wrap="square" tIns="91425">
+          <a:bodyPr spcFirstLastPara="1" wrap="square" lIns="91425" tIns="91425" rIns="91425" bIns="91425" anchor="t" anchorCtr="0">
             <a:normAutofit/>
           </a:bodyPr>
           <a:lstStyle/>
           <a:p>
-            <a:pPr indent="0" lvl="0" marL="0" rtl="0" algn="l">
+            <a:pPr marL="0" lvl="0" indent="0" algn="l" rtl="0">
               <a:spcBef>
                 <a:spcPts val="0"/>
               </a:spcBef>
@@ -8325,7 +8490,7 @@
             <a:endParaRPr/>
           </a:p>
           <a:p>
-            <a:pPr indent="-342900" lvl="0" marL="457200" rtl="0" algn="l">
+            <a:pPr marL="457200" lvl="0" indent="-342900" algn="l" rtl="0">
               <a:spcBef>
                 <a:spcPts val="1200"/>
               </a:spcBef>
@@ -8342,7 +8507,7 @@
             <a:endParaRPr/>
           </a:p>
           <a:p>
-            <a:pPr indent="-342900" lvl="0" marL="457200" rtl="0" algn="l">
+            <a:pPr marL="457200" lvl="0" indent="-342900" algn="l" rtl="0">
               <a:spcBef>
                 <a:spcPts val="0"/>
               </a:spcBef>
@@ -8359,7 +8524,7 @@
             <a:endParaRPr/>
           </a:p>
           <a:p>
-            <a:pPr indent="-342900" lvl="0" marL="457200" rtl="0" algn="l">
+            <a:pPr marL="457200" lvl="0" indent="-342900" algn="l" rtl="0">
               <a:spcBef>
                 <a:spcPts val="0"/>
               </a:spcBef>
@@ -8376,7 +8541,7 @@
             <a:endParaRPr/>
           </a:p>
           <a:p>
-            <a:pPr indent="-342900" lvl="0" marL="457200" rtl="0" algn="l">
+            <a:pPr marL="457200" lvl="0" indent="-342900" algn="l" rtl="0">
               <a:spcBef>
                 <a:spcPts val="0"/>
               </a:spcBef>
@@ -8403,7 +8568,7 @@
 </file>
 
 <file path=ppt/theme/theme1.xml><?xml version="1.0" encoding="utf-8"?>
-<a:theme xmlns:a="http://schemas.openxmlformats.org/drawingml/2006/main" xmlns:r="http://schemas.openxmlformats.org/officeDocument/2006/relationships" name="Simple Light">
+<a:theme xmlns:a="http://schemas.openxmlformats.org/drawingml/2006/main" name="Simple Light">
   <a:themeElements>
     <a:clrScheme name="Simple Light">
       <a:dk1>
@@ -8678,11 +8843,13 @@
       </a:bgFillStyleLst>
     </a:fmtScheme>
   </a:themeElements>
+  <a:objectDefaults/>
+  <a:extraClrSchemeLst/>
 </a:theme>
 </file>
 
 <file path=ppt/theme/theme2.xml><?xml version="1.0" encoding="utf-8"?>
-<a:theme xmlns:a="http://schemas.openxmlformats.org/drawingml/2006/main" xmlns:r="http://schemas.openxmlformats.org/officeDocument/2006/relationships">
+<a:theme xmlns:a="http://schemas.openxmlformats.org/drawingml/2006/main">
   <a:themeElements>
     <a:clrScheme name="Default">
       <a:dk1>
@@ -8957,5 +9124,7 @@
       </a:bgFillStyleLst>
     </a:fmtScheme>
   </a:themeElements>
+  <a:objectDefaults/>
+  <a:extraClrSchemeLst/>
 </a:theme>
 </file>